--- a/arquivoTCA/Mat-In.pptx
+++ b/arquivoTCA/Mat-In.pptx
@@ -2,7 +2,7 @@
 <file path=ppt/presentation.xml><?xml version="1.0" encoding="utf-8"?>
 <p:presentation xmlns:a="http://schemas.openxmlformats.org/drawingml/2006/main" xmlns:r="http://schemas.openxmlformats.org/officeDocument/2006/relationships" xmlns:mc="http://schemas.openxmlformats.org/markup-compatibility/2006" xmlns:mv="urn:schemas-microsoft-com:mac:vml" xmlns:p="http://schemas.openxmlformats.org/presentationml/2006/main" xmlns:c="http://schemas.openxmlformats.org/drawingml/2006/chart" xmlns:dgm="http://schemas.openxmlformats.org/drawingml/2006/diagram" xmlns:o="urn:schemas-microsoft-com:office:office" xmlns:v="urn:schemas-microsoft-com:vml" xmlns:pvml="urn:schemas-microsoft-com:office:powerpoint" xmlns:com="http://schemas.openxmlformats.org/drawingml/2006/compatibility" xmlns:p14="http://schemas.microsoft.com/office/powerpoint/2010/main" xmlns:p15="http://schemas.microsoft.com/office/powerpoint/2012/main" xmlns:ahyp="http://schemas.microsoft.com/office/drawing/2018/hyperlinkcolor" autoCompressPictures="0" embedTrueTypeFonts="1" strictFirstAndLastChars="0" saveSubsetFonts="1">
   <p:sldMasterIdLst>
-    <p:sldMasterId id="2147483659" r:id="rId4"/>
+    <p:sldMasterId id="2147483648" r:id="rId4"/>
   </p:sldMasterIdLst>
   <p:notesMasterIdLst>
     <p:notesMasterId r:id="rId5"/>
@@ -271,6 +271,9 @@
         </p15:guide>
       </p15:sldGuideLst>
     </p:ext>
+    <p:ext uri="http://customooxmlschemas.google.com/">
+      <go:slidesCustomData xmlns:go="http://customooxmlschemas.google.com/" r:id="rId17" roundtripDataSignature="AMtx7mg5Q5W0J7tggBwOsHrknftg4VGgJQ=="/>
+    </p:ext>
   </p:extLst>
 </p:presentation>
 </file>
@@ -363,104 +366,239 @@
             <a:noAutofit/>
           </a:bodyPr>
           <a:lstStyle>
-            <a:lvl1pPr indent="-298450" lvl="0" marL="457200">
-              <a:spcBef>
-                <a:spcPts val="0"/>
-              </a:spcBef>
-              <a:spcAft>
-                <a:spcPts val="0"/>
-              </a:spcAft>
+            <a:lvl1pPr indent="-298450" lvl="0" marL="457200" marR="0" rtl="0" algn="l">
+              <a:lnSpc>
+                <a:spcPct val="100000"/>
+              </a:lnSpc>
+              <a:spcBef>
+                <a:spcPts val="0"/>
+              </a:spcBef>
+              <a:spcAft>
+                <a:spcPts val="0"/>
+              </a:spcAft>
+              <a:buClr>
+                <a:srgbClr val="000000"/>
+              </a:buClr>
               <a:buSzPts val="1100"/>
+              <a:buFont typeface="Arial"/>
               <a:buChar char="●"/>
-              <a:defRPr sz="1100"/>
+              <a:defRPr b="0" i="0" sz="1100" u="none" cap="none" strike="noStrike">
+                <a:solidFill>
+                  <a:srgbClr val="000000"/>
+                </a:solidFill>
+                <a:latin typeface="Arial"/>
+                <a:ea typeface="Arial"/>
+                <a:cs typeface="Arial"/>
+                <a:sym typeface="Arial"/>
+              </a:defRPr>
             </a:lvl1pPr>
-            <a:lvl2pPr indent="-298450" lvl="1" marL="914400">
-              <a:spcBef>
-                <a:spcPts val="0"/>
-              </a:spcBef>
-              <a:spcAft>
-                <a:spcPts val="0"/>
-              </a:spcAft>
+            <a:lvl2pPr indent="-298450" lvl="1" marL="914400" marR="0" rtl="0" algn="l">
+              <a:lnSpc>
+                <a:spcPct val="100000"/>
+              </a:lnSpc>
+              <a:spcBef>
+                <a:spcPts val="0"/>
+              </a:spcBef>
+              <a:spcAft>
+                <a:spcPts val="0"/>
+              </a:spcAft>
+              <a:buClr>
+                <a:srgbClr val="000000"/>
+              </a:buClr>
               <a:buSzPts val="1100"/>
+              <a:buFont typeface="Arial"/>
               <a:buChar char="○"/>
-              <a:defRPr sz="1100"/>
+              <a:defRPr b="0" i="0" sz="1100" u="none" cap="none" strike="noStrike">
+                <a:solidFill>
+                  <a:srgbClr val="000000"/>
+                </a:solidFill>
+                <a:latin typeface="Arial"/>
+                <a:ea typeface="Arial"/>
+                <a:cs typeface="Arial"/>
+                <a:sym typeface="Arial"/>
+              </a:defRPr>
             </a:lvl2pPr>
-            <a:lvl3pPr indent="-298450" lvl="2" marL="1371600">
-              <a:spcBef>
-                <a:spcPts val="0"/>
-              </a:spcBef>
-              <a:spcAft>
-                <a:spcPts val="0"/>
-              </a:spcAft>
+            <a:lvl3pPr indent="-298450" lvl="2" marL="1371600" marR="0" rtl="0" algn="l">
+              <a:lnSpc>
+                <a:spcPct val="100000"/>
+              </a:lnSpc>
+              <a:spcBef>
+                <a:spcPts val="0"/>
+              </a:spcBef>
+              <a:spcAft>
+                <a:spcPts val="0"/>
+              </a:spcAft>
+              <a:buClr>
+                <a:srgbClr val="000000"/>
+              </a:buClr>
               <a:buSzPts val="1100"/>
+              <a:buFont typeface="Arial"/>
               <a:buChar char="■"/>
-              <a:defRPr sz="1100"/>
+              <a:defRPr b="0" i="0" sz="1100" u="none" cap="none" strike="noStrike">
+                <a:solidFill>
+                  <a:srgbClr val="000000"/>
+                </a:solidFill>
+                <a:latin typeface="Arial"/>
+                <a:ea typeface="Arial"/>
+                <a:cs typeface="Arial"/>
+                <a:sym typeface="Arial"/>
+              </a:defRPr>
             </a:lvl3pPr>
-            <a:lvl4pPr indent="-298450" lvl="3" marL="1828800">
-              <a:spcBef>
-                <a:spcPts val="0"/>
-              </a:spcBef>
-              <a:spcAft>
-                <a:spcPts val="0"/>
-              </a:spcAft>
+            <a:lvl4pPr indent="-298450" lvl="3" marL="1828800" marR="0" rtl="0" algn="l">
+              <a:lnSpc>
+                <a:spcPct val="100000"/>
+              </a:lnSpc>
+              <a:spcBef>
+                <a:spcPts val="0"/>
+              </a:spcBef>
+              <a:spcAft>
+                <a:spcPts val="0"/>
+              </a:spcAft>
+              <a:buClr>
+                <a:srgbClr val="000000"/>
+              </a:buClr>
               <a:buSzPts val="1100"/>
+              <a:buFont typeface="Arial"/>
               <a:buChar char="●"/>
-              <a:defRPr sz="1100"/>
+              <a:defRPr b="0" i="0" sz="1100" u="none" cap="none" strike="noStrike">
+                <a:solidFill>
+                  <a:srgbClr val="000000"/>
+                </a:solidFill>
+                <a:latin typeface="Arial"/>
+                <a:ea typeface="Arial"/>
+                <a:cs typeface="Arial"/>
+                <a:sym typeface="Arial"/>
+              </a:defRPr>
             </a:lvl4pPr>
-            <a:lvl5pPr indent="-298450" lvl="4" marL="2286000">
-              <a:spcBef>
-                <a:spcPts val="0"/>
-              </a:spcBef>
-              <a:spcAft>
-                <a:spcPts val="0"/>
-              </a:spcAft>
+            <a:lvl5pPr indent="-298450" lvl="4" marL="2286000" marR="0" rtl="0" algn="l">
+              <a:lnSpc>
+                <a:spcPct val="100000"/>
+              </a:lnSpc>
+              <a:spcBef>
+                <a:spcPts val="0"/>
+              </a:spcBef>
+              <a:spcAft>
+                <a:spcPts val="0"/>
+              </a:spcAft>
+              <a:buClr>
+                <a:srgbClr val="000000"/>
+              </a:buClr>
               <a:buSzPts val="1100"/>
+              <a:buFont typeface="Arial"/>
               <a:buChar char="○"/>
-              <a:defRPr sz="1100"/>
+              <a:defRPr b="0" i="0" sz="1100" u="none" cap="none" strike="noStrike">
+                <a:solidFill>
+                  <a:srgbClr val="000000"/>
+                </a:solidFill>
+                <a:latin typeface="Arial"/>
+                <a:ea typeface="Arial"/>
+                <a:cs typeface="Arial"/>
+                <a:sym typeface="Arial"/>
+              </a:defRPr>
             </a:lvl5pPr>
-            <a:lvl6pPr indent="-298450" lvl="5" marL="2743200">
-              <a:spcBef>
-                <a:spcPts val="0"/>
-              </a:spcBef>
-              <a:spcAft>
-                <a:spcPts val="0"/>
-              </a:spcAft>
+            <a:lvl6pPr indent="-298450" lvl="5" marL="2743200" marR="0" rtl="0" algn="l">
+              <a:lnSpc>
+                <a:spcPct val="100000"/>
+              </a:lnSpc>
+              <a:spcBef>
+                <a:spcPts val="0"/>
+              </a:spcBef>
+              <a:spcAft>
+                <a:spcPts val="0"/>
+              </a:spcAft>
+              <a:buClr>
+                <a:srgbClr val="000000"/>
+              </a:buClr>
               <a:buSzPts val="1100"/>
+              <a:buFont typeface="Arial"/>
               <a:buChar char="■"/>
-              <a:defRPr sz="1100"/>
+              <a:defRPr b="0" i="0" sz="1100" u="none" cap="none" strike="noStrike">
+                <a:solidFill>
+                  <a:srgbClr val="000000"/>
+                </a:solidFill>
+                <a:latin typeface="Arial"/>
+                <a:ea typeface="Arial"/>
+                <a:cs typeface="Arial"/>
+                <a:sym typeface="Arial"/>
+              </a:defRPr>
             </a:lvl6pPr>
-            <a:lvl7pPr indent="-298450" lvl="6" marL="3200400">
-              <a:spcBef>
-                <a:spcPts val="0"/>
-              </a:spcBef>
-              <a:spcAft>
-                <a:spcPts val="0"/>
-              </a:spcAft>
+            <a:lvl7pPr indent="-298450" lvl="6" marL="3200400" marR="0" rtl="0" algn="l">
+              <a:lnSpc>
+                <a:spcPct val="100000"/>
+              </a:lnSpc>
+              <a:spcBef>
+                <a:spcPts val="0"/>
+              </a:spcBef>
+              <a:spcAft>
+                <a:spcPts val="0"/>
+              </a:spcAft>
+              <a:buClr>
+                <a:srgbClr val="000000"/>
+              </a:buClr>
               <a:buSzPts val="1100"/>
+              <a:buFont typeface="Arial"/>
               <a:buChar char="●"/>
-              <a:defRPr sz="1100"/>
+              <a:defRPr b="0" i="0" sz="1100" u="none" cap="none" strike="noStrike">
+                <a:solidFill>
+                  <a:srgbClr val="000000"/>
+                </a:solidFill>
+                <a:latin typeface="Arial"/>
+                <a:ea typeface="Arial"/>
+                <a:cs typeface="Arial"/>
+                <a:sym typeface="Arial"/>
+              </a:defRPr>
             </a:lvl7pPr>
-            <a:lvl8pPr indent="-298450" lvl="7" marL="3657600">
-              <a:spcBef>
-                <a:spcPts val="0"/>
-              </a:spcBef>
-              <a:spcAft>
-                <a:spcPts val="0"/>
-              </a:spcAft>
+            <a:lvl8pPr indent="-298450" lvl="7" marL="3657600" marR="0" rtl="0" algn="l">
+              <a:lnSpc>
+                <a:spcPct val="100000"/>
+              </a:lnSpc>
+              <a:spcBef>
+                <a:spcPts val="0"/>
+              </a:spcBef>
+              <a:spcAft>
+                <a:spcPts val="0"/>
+              </a:spcAft>
+              <a:buClr>
+                <a:srgbClr val="000000"/>
+              </a:buClr>
               <a:buSzPts val="1100"/>
+              <a:buFont typeface="Arial"/>
               <a:buChar char="○"/>
-              <a:defRPr sz="1100"/>
+              <a:defRPr b="0" i="0" sz="1100" u="none" cap="none" strike="noStrike">
+                <a:solidFill>
+                  <a:srgbClr val="000000"/>
+                </a:solidFill>
+                <a:latin typeface="Arial"/>
+                <a:ea typeface="Arial"/>
+                <a:cs typeface="Arial"/>
+                <a:sym typeface="Arial"/>
+              </a:defRPr>
             </a:lvl8pPr>
-            <a:lvl9pPr indent="-298450" lvl="8" marL="4114800">
-              <a:spcBef>
-                <a:spcPts val="0"/>
-              </a:spcBef>
-              <a:spcAft>
-                <a:spcPts val="0"/>
-              </a:spcAft>
+            <a:lvl9pPr indent="-298450" lvl="8" marL="4114800" marR="0" rtl="0" algn="l">
+              <a:lnSpc>
+                <a:spcPct val="100000"/>
+              </a:lnSpc>
+              <a:spcBef>
+                <a:spcPts val="0"/>
+              </a:spcBef>
+              <a:spcAft>
+                <a:spcPts val="0"/>
+              </a:spcAft>
+              <a:buClr>
+                <a:srgbClr val="000000"/>
+              </a:buClr>
               <a:buSzPts val="1100"/>
+              <a:buFont typeface="Arial"/>
               <a:buChar char="■"/>
-              <a:defRPr sz="1100"/>
+              <a:defRPr b="0" i="0" sz="1100" u="none" cap="none" strike="noStrike">
+                <a:solidFill>
+                  <a:srgbClr val="000000"/>
+                </a:solidFill>
+                <a:latin typeface="Arial"/>
+                <a:ea typeface="Arial"/>
+                <a:cs typeface="Arial"/>
+                <a:sym typeface="Arial"/>
+              </a:defRPr>
             </a:lvl9pPr>
           </a:lstStyle>
           <a:p/>
@@ -720,7 +858,7 @@
       </p:grpSpPr>
       <p:sp>
         <p:nvSpPr>
-          <p:cNvPr id="51" name="Google Shape;51;p:notes"/>
+          <p:cNvPr id="51" name="Google Shape;51;p1:notes"/>
           <p:cNvSpPr/>
           <p:nvPr>
             <p:ph idx="2" type="sldImg"/>
@@ -751,11 +889,21 @@
               </a:path>
             </a:pathLst>
           </a:custGeom>
+          <a:noFill/>
+          <a:ln cap="flat" cmpd="sng" w="9525">
+            <a:solidFill>
+              <a:srgbClr val="000000"/>
+            </a:solidFill>
+            <a:prstDash val="solid"/>
+            <a:round/>
+            <a:headEnd len="sm" w="sm" type="none"/>
+            <a:tailEnd len="sm" w="sm" type="none"/>
+          </a:ln>
         </p:spPr>
       </p:sp>
       <p:sp>
         <p:nvSpPr>
-          <p:cNvPr id="52" name="Google Shape;52;p:notes"/>
+          <p:cNvPr id="52" name="Google Shape;52;p1:notes"/>
           <p:cNvSpPr txBox="1"/>
           <p:nvPr>
             <p:ph idx="1" type="body"/>
@@ -769,6 +917,10 @@
           <a:prstGeom prst="rect">
             <a:avLst/>
           </a:prstGeom>
+          <a:noFill/>
+          <a:ln>
+            <a:noFill/>
+          </a:ln>
         </p:spPr>
         <p:txBody>
           <a:bodyPr anchorCtr="0" anchor="t" bIns="91425" lIns="91425" spcFirstLastPara="1" rIns="91425" wrap="square" tIns="91425">
@@ -777,12 +929,16 @@
           <a:lstStyle/>
           <a:p>
             <a:pPr indent="0" lvl="0" marL="0" rtl="0" algn="l">
-              <a:spcBef>
-                <a:spcPts val="0"/>
-              </a:spcBef>
-              <a:spcAft>
-                <a:spcPts val="0"/>
-              </a:spcAft>
+              <a:lnSpc>
+                <a:spcPct val="100000"/>
+              </a:lnSpc>
+              <a:spcBef>
+                <a:spcPts val="0"/>
+              </a:spcBef>
+              <a:spcAft>
+                <a:spcPts val="0"/>
+              </a:spcAft>
+              <a:buSzPts val="1100"/>
               <a:buNone/>
             </a:pPr>
             <a:r>
@@ -819,7 +975,7 @@
       </p:grpSpPr>
       <p:sp>
         <p:nvSpPr>
-          <p:cNvPr id="57" name="Google Shape;57;g2177e04cf92_0_0:notes"/>
+          <p:cNvPr id="57" name="Google Shape;57;p2:notes"/>
           <p:cNvSpPr/>
           <p:nvPr>
             <p:ph idx="2" type="sldImg"/>
@@ -850,11 +1006,21 @@
               </a:path>
             </a:pathLst>
           </a:custGeom>
+          <a:noFill/>
+          <a:ln cap="flat" cmpd="sng" w="9525">
+            <a:solidFill>
+              <a:srgbClr val="000000"/>
+            </a:solidFill>
+            <a:prstDash val="solid"/>
+            <a:round/>
+            <a:headEnd len="sm" w="sm" type="none"/>
+            <a:tailEnd len="sm" w="sm" type="none"/>
+          </a:ln>
         </p:spPr>
       </p:sp>
       <p:sp>
         <p:nvSpPr>
-          <p:cNvPr id="58" name="Google Shape;58;g2177e04cf92_0_0:notes"/>
+          <p:cNvPr id="58" name="Google Shape;58;p2:notes"/>
           <p:cNvSpPr txBox="1"/>
           <p:nvPr>
             <p:ph idx="1" type="body"/>
@@ -868,6 +1034,10 @@
           <a:prstGeom prst="rect">
             <a:avLst/>
           </a:prstGeom>
+          <a:noFill/>
+          <a:ln>
+            <a:noFill/>
+          </a:ln>
         </p:spPr>
         <p:txBody>
           <a:bodyPr anchorCtr="0" anchor="t" bIns="91425" lIns="91425" spcFirstLastPara="1" rIns="91425" wrap="square" tIns="91425">
@@ -876,12 +1046,16 @@
           <a:lstStyle/>
           <a:p>
             <a:pPr indent="0" lvl="0" marL="0" rtl="0" algn="l">
-              <a:spcBef>
-                <a:spcPts val="0"/>
-              </a:spcBef>
-              <a:spcAft>
-                <a:spcPts val="0"/>
-              </a:spcAft>
+              <a:lnSpc>
+                <a:spcPct val="100000"/>
+              </a:lnSpc>
+              <a:spcBef>
+                <a:spcPts val="0"/>
+              </a:spcBef>
+              <a:spcAft>
+                <a:spcPts val="0"/>
+              </a:spcAft>
+              <a:buSzPts val="1100"/>
               <a:buNone/>
             </a:pPr>
             <a:r>
@@ -904,7 +1078,7 @@
   <p:cSld>
     <p:spTree>
       <p:nvGrpSpPr>
-        <p:cNvPr id="63" name="Shape 63"/>
+        <p:cNvPr id="64" name="Shape 64"/>
         <p:cNvGrpSpPr/>
         <p:nvPr/>
       </p:nvGrpSpPr>
@@ -918,7 +1092,7 @@
       </p:grpSpPr>
       <p:sp>
         <p:nvSpPr>
-          <p:cNvPr id="64" name="Google Shape;64;g2177e04cf92_0_5:notes"/>
+          <p:cNvPr id="65" name="Google Shape;65;p3:notes"/>
           <p:cNvSpPr/>
           <p:nvPr>
             <p:ph idx="2" type="sldImg"/>
@@ -949,11 +1123,21 @@
               </a:path>
             </a:pathLst>
           </a:custGeom>
+          <a:noFill/>
+          <a:ln cap="flat" cmpd="sng" w="9525">
+            <a:solidFill>
+              <a:srgbClr val="000000"/>
+            </a:solidFill>
+            <a:prstDash val="solid"/>
+            <a:round/>
+            <a:headEnd len="sm" w="sm" type="none"/>
+            <a:tailEnd len="sm" w="sm" type="none"/>
+          </a:ln>
         </p:spPr>
       </p:sp>
       <p:sp>
         <p:nvSpPr>
-          <p:cNvPr id="65" name="Google Shape;65;g2177e04cf92_0_5:notes"/>
+          <p:cNvPr id="66" name="Google Shape;66;p3:notes"/>
           <p:cNvSpPr txBox="1"/>
           <p:nvPr>
             <p:ph idx="1" type="body"/>
@@ -967,6 +1151,10 @@
           <a:prstGeom prst="rect">
             <a:avLst/>
           </a:prstGeom>
+          <a:noFill/>
+          <a:ln>
+            <a:noFill/>
+          </a:ln>
         </p:spPr>
         <p:txBody>
           <a:bodyPr anchorCtr="0" anchor="t" bIns="91425" lIns="91425" spcFirstLastPara="1" rIns="91425" wrap="square" tIns="91425">
@@ -975,12 +1163,16 @@
           <a:lstStyle/>
           <a:p>
             <a:pPr indent="0" lvl="0" marL="0" rtl="0" algn="l">
-              <a:spcBef>
-                <a:spcPts val="0"/>
-              </a:spcBef>
-              <a:spcAft>
-                <a:spcPts val="0"/>
-              </a:spcAft>
+              <a:lnSpc>
+                <a:spcPct val="100000"/>
+              </a:lnSpc>
+              <a:spcBef>
+                <a:spcPts val="0"/>
+              </a:spcBef>
+              <a:spcAft>
+                <a:spcPts val="0"/>
+              </a:spcAft>
+              <a:buSzPts val="1100"/>
               <a:buNone/>
             </a:pPr>
             <a:r>
@@ -1003,7 +1195,7 @@
   <p:cSld>
     <p:spTree>
       <p:nvGrpSpPr>
-        <p:cNvPr id="70" name="Shape 70"/>
+        <p:cNvPr id="71" name="Shape 71"/>
         <p:cNvGrpSpPr/>
         <p:nvPr/>
       </p:nvGrpSpPr>
@@ -1017,7 +1209,7 @@
       </p:grpSpPr>
       <p:sp>
         <p:nvSpPr>
-          <p:cNvPr id="71" name="Google Shape;71;g2177e04cf92_0_82:notes"/>
+          <p:cNvPr id="72" name="Google Shape;72;p4:notes"/>
           <p:cNvSpPr/>
           <p:nvPr>
             <p:ph idx="2" type="sldImg"/>
@@ -1048,11 +1240,21 @@
               </a:path>
             </a:pathLst>
           </a:custGeom>
+          <a:noFill/>
+          <a:ln cap="flat" cmpd="sng" w="9525">
+            <a:solidFill>
+              <a:srgbClr val="000000"/>
+            </a:solidFill>
+            <a:prstDash val="solid"/>
+            <a:round/>
+            <a:headEnd len="sm" w="sm" type="none"/>
+            <a:tailEnd len="sm" w="sm" type="none"/>
+          </a:ln>
         </p:spPr>
       </p:sp>
       <p:sp>
         <p:nvSpPr>
-          <p:cNvPr id="72" name="Google Shape;72;g2177e04cf92_0_82:notes"/>
+          <p:cNvPr id="73" name="Google Shape;73;p4:notes"/>
           <p:cNvSpPr txBox="1"/>
           <p:nvPr>
             <p:ph idx="1" type="body"/>
@@ -1066,6 +1268,10 @@
           <a:prstGeom prst="rect">
             <a:avLst/>
           </a:prstGeom>
+          <a:noFill/>
+          <a:ln>
+            <a:noFill/>
+          </a:ln>
         </p:spPr>
         <p:txBody>
           <a:bodyPr anchorCtr="0" anchor="t" bIns="91425" lIns="91425" spcFirstLastPara="1" rIns="91425" wrap="square" tIns="91425">
@@ -1074,12 +1280,16 @@
           <a:lstStyle/>
           <a:p>
             <a:pPr indent="0" lvl="0" marL="0" rtl="0" algn="l">
-              <a:spcBef>
-                <a:spcPts val="0"/>
-              </a:spcBef>
-              <a:spcAft>
-                <a:spcPts val="0"/>
-              </a:spcAft>
+              <a:lnSpc>
+                <a:spcPct val="100000"/>
+              </a:lnSpc>
+              <a:spcBef>
+                <a:spcPts val="0"/>
+              </a:spcBef>
+              <a:spcAft>
+                <a:spcPts val="0"/>
+              </a:spcAft>
+              <a:buSzPts val="1100"/>
               <a:buNone/>
             </a:pPr>
             <a:r>
@@ -1102,7 +1312,7 @@
   <p:cSld>
     <p:spTree>
       <p:nvGrpSpPr>
-        <p:cNvPr id="77" name="Shape 77"/>
+        <p:cNvPr id="78" name="Shape 78"/>
         <p:cNvGrpSpPr/>
         <p:nvPr/>
       </p:nvGrpSpPr>
@@ -1116,7 +1326,7 @@
       </p:grpSpPr>
       <p:sp>
         <p:nvSpPr>
-          <p:cNvPr id="78" name="Google Shape;78;g2177e04cf92_1_0:notes"/>
+          <p:cNvPr id="79" name="Google Shape;79;p5:notes"/>
           <p:cNvSpPr/>
           <p:nvPr>
             <p:ph idx="2" type="sldImg"/>
@@ -1147,11 +1357,21 @@
               </a:path>
             </a:pathLst>
           </a:custGeom>
+          <a:noFill/>
+          <a:ln cap="flat" cmpd="sng" w="9525">
+            <a:solidFill>
+              <a:srgbClr val="000000"/>
+            </a:solidFill>
+            <a:prstDash val="solid"/>
+            <a:round/>
+            <a:headEnd len="sm" w="sm" type="none"/>
+            <a:tailEnd len="sm" w="sm" type="none"/>
+          </a:ln>
         </p:spPr>
       </p:sp>
       <p:sp>
         <p:nvSpPr>
-          <p:cNvPr id="79" name="Google Shape;79;g2177e04cf92_1_0:notes"/>
+          <p:cNvPr id="80" name="Google Shape;80;p5:notes"/>
           <p:cNvSpPr txBox="1"/>
           <p:nvPr>
             <p:ph idx="1" type="body"/>
@@ -1165,6 +1385,10 @@
           <a:prstGeom prst="rect">
             <a:avLst/>
           </a:prstGeom>
+          <a:noFill/>
+          <a:ln>
+            <a:noFill/>
+          </a:ln>
         </p:spPr>
         <p:txBody>
           <a:bodyPr anchorCtr="0" anchor="t" bIns="91425" lIns="91425" spcFirstLastPara="1" rIns="91425" wrap="square" tIns="91425">
@@ -1173,12 +1397,16 @@
           <a:lstStyle/>
           <a:p>
             <a:pPr indent="0" lvl="0" marL="0" rtl="0" algn="l">
-              <a:spcBef>
-                <a:spcPts val="0"/>
-              </a:spcBef>
-              <a:spcAft>
-                <a:spcPts val="0"/>
-              </a:spcAft>
+              <a:lnSpc>
+                <a:spcPct val="100000"/>
+              </a:lnSpc>
+              <a:spcBef>
+                <a:spcPts val="0"/>
+              </a:spcBef>
+              <a:spcAft>
+                <a:spcPts val="0"/>
+              </a:spcAft>
+              <a:buSzPts val="1100"/>
               <a:buNone/>
             </a:pPr>
             <a:r>
@@ -1201,7 +1429,7 @@
   <p:cSld>
     <p:spTree>
       <p:nvGrpSpPr>
-        <p:cNvPr id="84" name="Shape 84"/>
+        <p:cNvPr id="86" name="Shape 86"/>
         <p:cNvGrpSpPr/>
         <p:nvPr/>
       </p:nvGrpSpPr>
@@ -1215,7 +1443,7 @@
       </p:grpSpPr>
       <p:sp>
         <p:nvSpPr>
-          <p:cNvPr id="85" name="Google Shape;85;g2177e04cf92_1_5:notes"/>
+          <p:cNvPr id="87" name="Google Shape;87;p6:notes"/>
           <p:cNvSpPr/>
           <p:nvPr>
             <p:ph idx="2" type="sldImg"/>
@@ -1246,11 +1474,21 @@
               </a:path>
             </a:pathLst>
           </a:custGeom>
+          <a:noFill/>
+          <a:ln cap="flat" cmpd="sng" w="9525">
+            <a:solidFill>
+              <a:srgbClr val="000000"/>
+            </a:solidFill>
+            <a:prstDash val="solid"/>
+            <a:round/>
+            <a:headEnd len="sm" w="sm" type="none"/>
+            <a:tailEnd len="sm" w="sm" type="none"/>
+          </a:ln>
         </p:spPr>
       </p:sp>
       <p:sp>
         <p:nvSpPr>
-          <p:cNvPr id="86" name="Google Shape;86;g2177e04cf92_1_5:notes"/>
+          <p:cNvPr id="88" name="Google Shape;88;p6:notes"/>
           <p:cNvSpPr txBox="1"/>
           <p:nvPr>
             <p:ph idx="1" type="body"/>
@@ -1264,6 +1502,10 @@
           <a:prstGeom prst="rect">
             <a:avLst/>
           </a:prstGeom>
+          <a:noFill/>
+          <a:ln>
+            <a:noFill/>
+          </a:ln>
         </p:spPr>
         <p:txBody>
           <a:bodyPr anchorCtr="0" anchor="t" bIns="91425" lIns="91425" spcFirstLastPara="1" rIns="91425" wrap="square" tIns="91425">
@@ -1272,12 +1514,16 @@
           <a:lstStyle/>
           <a:p>
             <a:pPr indent="0" lvl="0" marL="0" rtl="0" algn="l">
-              <a:spcBef>
-                <a:spcPts val="0"/>
-              </a:spcBef>
-              <a:spcAft>
-                <a:spcPts val="0"/>
-              </a:spcAft>
+              <a:lnSpc>
+                <a:spcPct val="100000"/>
+              </a:lnSpc>
+              <a:spcBef>
+                <a:spcPts val="0"/>
+              </a:spcBef>
+              <a:spcAft>
+                <a:spcPts val="0"/>
+              </a:spcAft>
+              <a:buSzPts val="1100"/>
               <a:buNone/>
             </a:pPr>
             <a:r>
@@ -1300,7 +1546,7 @@
   <p:cSld>
     <p:spTree>
       <p:nvGrpSpPr>
-        <p:cNvPr id="91" name="Shape 91"/>
+        <p:cNvPr id="94" name="Shape 94"/>
         <p:cNvGrpSpPr/>
         <p:nvPr/>
       </p:nvGrpSpPr>
@@ -1314,7 +1560,7 @@
       </p:grpSpPr>
       <p:sp>
         <p:nvSpPr>
-          <p:cNvPr id="92" name="Google Shape;92;g2177e04cf92_1_11:notes"/>
+          <p:cNvPr id="95" name="Google Shape;95;p7:notes"/>
           <p:cNvSpPr/>
           <p:nvPr>
             <p:ph idx="2" type="sldImg"/>
@@ -1345,11 +1591,21 @@
               </a:path>
             </a:pathLst>
           </a:custGeom>
+          <a:noFill/>
+          <a:ln cap="flat" cmpd="sng" w="9525">
+            <a:solidFill>
+              <a:srgbClr val="000000"/>
+            </a:solidFill>
+            <a:prstDash val="solid"/>
+            <a:round/>
+            <a:headEnd len="sm" w="sm" type="none"/>
+            <a:tailEnd len="sm" w="sm" type="none"/>
+          </a:ln>
         </p:spPr>
       </p:sp>
       <p:sp>
         <p:nvSpPr>
-          <p:cNvPr id="93" name="Google Shape;93;g2177e04cf92_1_11:notes"/>
+          <p:cNvPr id="96" name="Google Shape;96;p7:notes"/>
           <p:cNvSpPr txBox="1"/>
           <p:nvPr>
             <p:ph idx="1" type="body"/>
@@ -1363,6 +1619,10 @@
           <a:prstGeom prst="rect">
             <a:avLst/>
           </a:prstGeom>
+          <a:noFill/>
+          <a:ln>
+            <a:noFill/>
+          </a:ln>
         </p:spPr>
         <p:txBody>
           <a:bodyPr anchorCtr="0" anchor="t" bIns="91425" lIns="91425" spcFirstLastPara="1" rIns="91425" wrap="square" tIns="91425">
@@ -1371,12 +1631,16 @@
           <a:lstStyle/>
           <a:p>
             <a:pPr indent="0" lvl="0" marL="0" rtl="0" algn="l">
-              <a:spcBef>
-                <a:spcPts val="0"/>
-              </a:spcBef>
-              <a:spcAft>
-                <a:spcPts val="0"/>
-              </a:spcAft>
+              <a:lnSpc>
+                <a:spcPct val="100000"/>
+              </a:lnSpc>
+              <a:spcBef>
+                <a:spcPts val="0"/>
+              </a:spcBef>
+              <a:spcAft>
+                <a:spcPts val="0"/>
+              </a:spcAft>
+              <a:buSzPts val="1100"/>
               <a:buNone/>
             </a:pPr>
             <a:r>
@@ -1413,7 +1677,7 @@
       </p:grpSpPr>
       <p:sp>
         <p:nvSpPr>
-          <p:cNvPr id="10" name="Google Shape;10;p2"/>
+          <p:cNvPr id="10" name="Google Shape;10;p9"/>
           <p:cNvSpPr txBox="1"/>
           <p:nvPr>
             <p:ph type="ctrTitle"/>
@@ -1427,6 +1691,10 @@
           <a:prstGeom prst="rect">
             <a:avLst/>
           </a:prstGeom>
+          <a:noFill/>
+          <a:ln>
+            <a:noFill/>
+          </a:ln>
         </p:spPr>
         <p:txBody>
           <a:bodyPr anchorCtr="0" anchor="b" bIns="91425" lIns="91425" spcFirstLastPara="1" rIns="91425" wrap="square" tIns="91425">
@@ -1434,6 +1702,9 @@
           </a:bodyPr>
           <a:lstStyle>
             <a:lvl1pPr lvl="0" algn="ctr">
+              <a:lnSpc>
+                <a:spcPct val="100000"/>
+              </a:lnSpc>
               <a:spcBef>
                 <a:spcPts val="0"/>
               </a:spcBef>
@@ -1445,6 +1716,9 @@
               <a:defRPr sz="5200"/>
             </a:lvl1pPr>
             <a:lvl2pPr lvl="1" algn="ctr">
+              <a:lnSpc>
+                <a:spcPct val="100000"/>
+              </a:lnSpc>
               <a:spcBef>
                 <a:spcPts val="0"/>
               </a:spcBef>
@@ -1456,6 +1730,9 @@
               <a:defRPr sz="5200"/>
             </a:lvl2pPr>
             <a:lvl3pPr lvl="2" algn="ctr">
+              <a:lnSpc>
+                <a:spcPct val="100000"/>
+              </a:lnSpc>
               <a:spcBef>
                 <a:spcPts val="0"/>
               </a:spcBef>
@@ -1467,6 +1744,9 @@
               <a:defRPr sz="5200"/>
             </a:lvl3pPr>
             <a:lvl4pPr lvl="3" algn="ctr">
+              <a:lnSpc>
+                <a:spcPct val="100000"/>
+              </a:lnSpc>
               <a:spcBef>
                 <a:spcPts val="0"/>
               </a:spcBef>
@@ -1478,6 +1758,9 @@
               <a:defRPr sz="5200"/>
             </a:lvl4pPr>
             <a:lvl5pPr lvl="4" algn="ctr">
+              <a:lnSpc>
+                <a:spcPct val="100000"/>
+              </a:lnSpc>
               <a:spcBef>
                 <a:spcPts val="0"/>
               </a:spcBef>
@@ -1489,6 +1772,9 @@
               <a:defRPr sz="5200"/>
             </a:lvl5pPr>
             <a:lvl6pPr lvl="5" algn="ctr">
+              <a:lnSpc>
+                <a:spcPct val="100000"/>
+              </a:lnSpc>
               <a:spcBef>
                 <a:spcPts val="0"/>
               </a:spcBef>
@@ -1500,6 +1786,9 @@
               <a:defRPr sz="5200"/>
             </a:lvl6pPr>
             <a:lvl7pPr lvl="6" algn="ctr">
+              <a:lnSpc>
+                <a:spcPct val="100000"/>
+              </a:lnSpc>
               <a:spcBef>
                 <a:spcPts val="0"/>
               </a:spcBef>
@@ -1511,6 +1800,9 @@
               <a:defRPr sz="5200"/>
             </a:lvl7pPr>
             <a:lvl8pPr lvl="7" algn="ctr">
+              <a:lnSpc>
+                <a:spcPct val="100000"/>
+              </a:lnSpc>
               <a:spcBef>
                 <a:spcPts val="0"/>
               </a:spcBef>
@@ -1522,6 +1814,9 @@
               <a:defRPr sz="5200"/>
             </a:lvl8pPr>
             <a:lvl9pPr lvl="8" algn="ctr">
+              <a:lnSpc>
+                <a:spcPct val="100000"/>
+              </a:lnSpc>
               <a:spcBef>
                 <a:spcPts val="0"/>
               </a:spcBef>
@@ -1538,7 +1833,7 @@
       </p:sp>
       <p:sp>
         <p:nvSpPr>
-          <p:cNvPr id="11" name="Google Shape;11;p2"/>
+          <p:cNvPr id="11" name="Google Shape;11;p9"/>
           <p:cNvSpPr txBox="1"/>
           <p:nvPr>
             <p:ph idx="1" type="subTitle"/>
@@ -1552,6 +1847,10 @@
           <a:prstGeom prst="rect">
             <a:avLst/>
           </a:prstGeom>
+          <a:noFill/>
+          <a:ln>
+            <a:noFill/>
+          </a:ln>
         </p:spPr>
         <p:txBody>
           <a:bodyPr anchorCtr="0" anchor="t" bIns="91425" lIns="91425" spcFirstLastPara="1" rIns="91425" wrap="square" tIns="91425">
@@ -1690,7 +1989,7 @@
       </p:sp>
       <p:sp>
         <p:nvSpPr>
-          <p:cNvPr id="12" name="Google Shape;12;p2"/>
+          <p:cNvPr id="12" name="Google Shape;12;p9"/>
           <p:cNvSpPr txBox="1"/>
           <p:nvPr>
             <p:ph idx="12" type="sldNum"/>
@@ -1704,47 +2003,249 @@
           <a:prstGeom prst="rect">
             <a:avLst/>
           </a:prstGeom>
+          <a:noFill/>
+          <a:ln>
+            <a:noFill/>
+          </a:ln>
         </p:spPr>
         <p:txBody>
           <a:bodyPr anchorCtr="0" anchor="ctr" bIns="91425" lIns="91425" spcFirstLastPara="1" rIns="91425" wrap="square" tIns="91425">
             <a:normAutofit/>
           </a:bodyPr>
           <a:lstStyle>
-            <a:lvl1pPr lvl="0">
-              <a:buNone/>
-              <a:defRPr/>
+            <a:lvl1pPr indent="0" lvl="0" marL="0" marR="0" algn="r">
+              <a:lnSpc>
+                <a:spcPct val="100000"/>
+              </a:lnSpc>
+              <a:spcBef>
+                <a:spcPts val="0"/>
+              </a:spcBef>
+              <a:spcAft>
+                <a:spcPts val="0"/>
+              </a:spcAft>
+              <a:buClr>
+                <a:srgbClr val="000000"/>
+              </a:buClr>
+              <a:buSzPts val="1000"/>
+              <a:buFont typeface="Arial"/>
+              <a:buNone/>
+              <a:defRPr b="0" i="0" sz="1000" u="none" cap="none" strike="noStrike">
+                <a:solidFill>
+                  <a:schemeClr val="lt2"/>
+                </a:solidFill>
+                <a:latin typeface="Arial"/>
+                <a:ea typeface="Arial"/>
+                <a:cs typeface="Arial"/>
+                <a:sym typeface="Arial"/>
+              </a:defRPr>
             </a:lvl1pPr>
-            <a:lvl2pPr lvl="1">
-              <a:buNone/>
-              <a:defRPr/>
+            <a:lvl2pPr indent="0" lvl="1" marL="0" marR="0" algn="r">
+              <a:lnSpc>
+                <a:spcPct val="100000"/>
+              </a:lnSpc>
+              <a:spcBef>
+                <a:spcPts val="0"/>
+              </a:spcBef>
+              <a:spcAft>
+                <a:spcPts val="0"/>
+              </a:spcAft>
+              <a:buClr>
+                <a:srgbClr val="000000"/>
+              </a:buClr>
+              <a:buSzPts val="1000"/>
+              <a:buFont typeface="Arial"/>
+              <a:buNone/>
+              <a:defRPr b="0" i="0" sz="1000" u="none" cap="none" strike="noStrike">
+                <a:solidFill>
+                  <a:schemeClr val="lt2"/>
+                </a:solidFill>
+                <a:latin typeface="Arial"/>
+                <a:ea typeface="Arial"/>
+                <a:cs typeface="Arial"/>
+                <a:sym typeface="Arial"/>
+              </a:defRPr>
             </a:lvl2pPr>
-            <a:lvl3pPr lvl="2">
-              <a:buNone/>
-              <a:defRPr/>
+            <a:lvl3pPr indent="0" lvl="2" marL="0" marR="0" algn="r">
+              <a:lnSpc>
+                <a:spcPct val="100000"/>
+              </a:lnSpc>
+              <a:spcBef>
+                <a:spcPts val="0"/>
+              </a:spcBef>
+              <a:spcAft>
+                <a:spcPts val="0"/>
+              </a:spcAft>
+              <a:buClr>
+                <a:srgbClr val="000000"/>
+              </a:buClr>
+              <a:buSzPts val="1000"/>
+              <a:buFont typeface="Arial"/>
+              <a:buNone/>
+              <a:defRPr b="0" i="0" sz="1000" u="none" cap="none" strike="noStrike">
+                <a:solidFill>
+                  <a:schemeClr val="lt2"/>
+                </a:solidFill>
+                <a:latin typeface="Arial"/>
+                <a:ea typeface="Arial"/>
+                <a:cs typeface="Arial"/>
+                <a:sym typeface="Arial"/>
+              </a:defRPr>
             </a:lvl3pPr>
-            <a:lvl4pPr lvl="3">
-              <a:buNone/>
-              <a:defRPr/>
+            <a:lvl4pPr indent="0" lvl="3" marL="0" marR="0" algn="r">
+              <a:lnSpc>
+                <a:spcPct val="100000"/>
+              </a:lnSpc>
+              <a:spcBef>
+                <a:spcPts val="0"/>
+              </a:spcBef>
+              <a:spcAft>
+                <a:spcPts val="0"/>
+              </a:spcAft>
+              <a:buClr>
+                <a:srgbClr val="000000"/>
+              </a:buClr>
+              <a:buSzPts val="1000"/>
+              <a:buFont typeface="Arial"/>
+              <a:buNone/>
+              <a:defRPr b="0" i="0" sz="1000" u="none" cap="none" strike="noStrike">
+                <a:solidFill>
+                  <a:schemeClr val="lt2"/>
+                </a:solidFill>
+                <a:latin typeface="Arial"/>
+                <a:ea typeface="Arial"/>
+                <a:cs typeface="Arial"/>
+                <a:sym typeface="Arial"/>
+              </a:defRPr>
             </a:lvl4pPr>
-            <a:lvl5pPr lvl="4">
-              <a:buNone/>
-              <a:defRPr/>
+            <a:lvl5pPr indent="0" lvl="4" marL="0" marR="0" algn="r">
+              <a:lnSpc>
+                <a:spcPct val="100000"/>
+              </a:lnSpc>
+              <a:spcBef>
+                <a:spcPts val="0"/>
+              </a:spcBef>
+              <a:spcAft>
+                <a:spcPts val="0"/>
+              </a:spcAft>
+              <a:buClr>
+                <a:srgbClr val="000000"/>
+              </a:buClr>
+              <a:buSzPts val="1000"/>
+              <a:buFont typeface="Arial"/>
+              <a:buNone/>
+              <a:defRPr b="0" i="0" sz="1000" u="none" cap="none" strike="noStrike">
+                <a:solidFill>
+                  <a:schemeClr val="lt2"/>
+                </a:solidFill>
+                <a:latin typeface="Arial"/>
+                <a:ea typeface="Arial"/>
+                <a:cs typeface="Arial"/>
+                <a:sym typeface="Arial"/>
+              </a:defRPr>
             </a:lvl5pPr>
-            <a:lvl6pPr lvl="5">
-              <a:buNone/>
-              <a:defRPr/>
+            <a:lvl6pPr indent="0" lvl="5" marL="0" marR="0" algn="r">
+              <a:lnSpc>
+                <a:spcPct val="100000"/>
+              </a:lnSpc>
+              <a:spcBef>
+                <a:spcPts val="0"/>
+              </a:spcBef>
+              <a:spcAft>
+                <a:spcPts val="0"/>
+              </a:spcAft>
+              <a:buClr>
+                <a:srgbClr val="000000"/>
+              </a:buClr>
+              <a:buSzPts val="1000"/>
+              <a:buFont typeface="Arial"/>
+              <a:buNone/>
+              <a:defRPr b="0" i="0" sz="1000" u="none" cap="none" strike="noStrike">
+                <a:solidFill>
+                  <a:schemeClr val="lt2"/>
+                </a:solidFill>
+                <a:latin typeface="Arial"/>
+                <a:ea typeface="Arial"/>
+                <a:cs typeface="Arial"/>
+                <a:sym typeface="Arial"/>
+              </a:defRPr>
             </a:lvl6pPr>
-            <a:lvl7pPr lvl="6">
-              <a:buNone/>
-              <a:defRPr/>
+            <a:lvl7pPr indent="0" lvl="6" marL="0" marR="0" algn="r">
+              <a:lnSpc>
+                <a:spcPct val="100000"/>
+              </a:lnSpc>
+              <a:spcBef>
+                <a:spcPts val="0"/>
+              </a:spcBef>
+              <a:spcAft>
+                <a:spcPts val="0"/>
+              </a:spcAft>
+              <a:buClr>
+                <a:srgbClr val="000000"/>
+              </a:buClr>
+              <a:buSzPts val="1000"/>
+              <a:buFont typeface="Arial"/>
+              <a:buNone/>
+              <a:defRPr b="0" i="0" sz="1000" u="none" cap="none" strike="noStrike">
+                <a:solidFill>
+                  <a:schemeClr val="lt2"/>
+                </a:solidFill>
+                <a:latin typeface="Arial"/>
+                <a:ea typeface="Arial"/>
+                <a:cs typeface="Arial"/>
+                <a:sym typeface="Arial"/>
+              </a:defRPr>
             </a:lvl7pPr>
-            <a:lvl8pPr lvl="7">
-              <a:buNone/>
-              <a:defRPr/>
+            <a:lvl8pPr indent="0" lvl="7" marL="0" marR="0" algn="r">
+              <a:lnSpc>
+                <a:spcPct val="100000"/>
+              </a:lnSpc>
+              <a:spcBef>
+                <a:spcPts val="0"/>
+              </a:spcBef>
+              <a:spcAft>
+                <a:spcPts val="0"/>
+              </a:spcAft>
+              <a:buClr>
+                <a:srgbClr val="000000"/>
+              </a:buClr>
+              <a:buSzPts val="1000"/>
+              <a:buFont typeface="Arial"/>
+              <a:buNone/>
+              <a:defRPr b="0" i="0" sz="1000" u="none" cap="none" strike="noStrike">
+                <a:solidFill>
+                  <a:schemeClr val="lt2"/>
+                </a:solidFill>
+                <a:latin typeface="Arial"/>
+                <a:ea typeface="Arial"/>
+                <a:cs typeface="Arial"/>
+                <a:sym typeface="Arial"/>
+              </a:defRPr>
             </a:lvl8pPr>
-            <a:lvl9pPr lvl="8">
-              <a:buNone/>
-              <a:defRPr/>
+            <a:lvl9pPr indent="0" lvl="8" marL="0" marR="0" algn="r">
+              <a:lnSpc>
+                <a:spcPct val="100000"/>
+              </a:lnSpc>
+              <a:spcBef>
+                <a:spcPts val="0"/>
+              </a:spcBef>
+              <a:spcAft>
+                <a:spcPts val="0"/>
+              </a:spcAft>
+              <a:buClr>
+                <a:srgbClr val="000000"/>
+              </a:buClr>
+              <a:buSzPts val="1000"/>
+              <a:buFont typeface="Arial"/>
+              <a:buNone/>
+              <a:defRPr b="0" i="0" sz="1000" u="none" cap="none" strike="noStrike">
+                <a:solidFill>
+                  <a:schemeClr val="lt2"/>
+                </a:solidFill>
+                <a:latin typeface="Arial"/>
+                <a:ea typeface="Arial"/>
+                <a:cs typeface="Arial"/>
+                <a:sym typeface="Arial"/>
+              </a:defRPr>
             </a:lvl9pPr>
           </a:lstStyle>
           <a:p>
@@ -1792,7 +2293,7 @@
       </p:grpSpPr>
       <p:sp>
         <p:nvSpPr>
-          <p:cNvPr id="45" name="Google Shape;45;p11"/>
+          <p:cNvPr id="45" name="Google Shape;45;p18"/>
           <p:cNvSpPr txBox="1"/>
           <p:nvPr>
             <p:ph hasCustomPrompt="1" type="title"/>
@@ -1806,6 +2307,10 @@
           <a:prstGeom prst="rect">
             <a:avLst/>
           </a:prstGeom>
+          <a:noFill/>
+          <a:ln>
+            <a:noFill/>
+          </a:ln>
         </p:spPr>
         <p:txBody>
           <a:bodyPr anchorCtr="0" anchor="b" bIns="91425" lIns="91425" spcFirstLastPara="1" rIns="91425" wrap="square" tIns="91425">
@@ -1813,6 +2318,9 @@
           </a:bodyPr>
           <a:lstStyle>
             <a:lvl1pPr lvl="0" algn="ctr">
+              <a:lnSpc>
+                <a:spcPct val="100000"/>
+              </a:lnSpc>
               <a:spcBef>
                 <a:spcPts val="0"/>
               </a:spcBef>
@@ -1824,6 +2332,9 @@
               <a:defRPr sz="12000"/>
             </a:lvl1pPr>
             <a:lvl2pPr lvl="1" algn="ctr">
+              <a:lnSpc>
+                <a:spcPct val="100000"/>
+              </a:lnSpc>
               <a:spcBef>
                 <a:spcPts val="0"/>
               </a:spcBef>
@@ -1835,6 +2346,9 @@
               <a:defRPr sz="12000"/>
             </a:lvl2pPr>
             <a:lvl3pPr lvl="2" algn="ctr">
+              <a:lnSpc>
+                <a:spcPct val="100000"/>
+              </a:lnSpc>
               <a:spcBef>
                 <a:spcPts val="0"/>
               </a:spcBef>
@@ -1846,6 +2360,9 @@
               <a:defRPr sz="12000"/>
             </a:lvl3pPr>
             <a:lvl4pPr lvl="3" algn="ctr">
+              <a:lnSpc>
+                <a:spcPct val="100000"/>
+              </a:lnSpc>
               <a:spcBef>
                 <a:spcPts val="0"/>
               </a:spcBef>
@@ -1857,6 +2374,9 @@
               <a:defRPr sz="12000"/>
             </a:lvl4pPr>
             <a:lvl5pPr lvl="4" algn="ctr">
+              <a:lnSpc>
+                <a:spcPct val="100000"/>
+              </a:lnSpc>
               <a:spcBef>
                 <a:spcPts val="0"/>
               </a:spcBef>
@@ -1868,6 +2388,9 @@
               <a:defRPr sz="12000"/>
             </a:lvl5pPr>
             <a:lvl6pPr lvl="5" algn="ctr">
+              <a:lnSpc>
+                <a:spcPct val="100000"/>
+              </a:lnSpc>
               <a:spcBef>
                 <a:spcPts val="0"/>
               </a:spcBef>
@@ -1879,6 +2402,9 @@
               <a:defRPr sz="12000"/>
             </a:lvl6pPr>
             <a:lvl7pPr lvl="6" algn="ctr">
+              <a:lnSpc>
+                <a:spcPct val="100000"/>
+              </a:lnSpc>
               <a:spcBef>
                 <a:spcPts val="0"/>
               </a:spcBef>
@@ -1890,6 +2416,9 @@
               <a:defRPr sz="12000"/>
             </a:lvl7pPr>
             <a:lvl8pPr lvl="7" algn="ctr">
+              <a:lnSpc>
+                <a:spcPct val="100000"/>
+              </a:lnSpc>
               <a:spcBef>
                 <a:spcPts val="0"/>
               </a:spcBef>
@@ -1901,6 +2430,9 @@
               <a:defRPr sz="12000"/>
             </a:lvl8pPr>
             <a:lvl9pPr lvl="8" algn="ctr">
+              <a:lnSpc>
+                <a:spcPct val="100000"/>
+              </a:lnSpc>
               <a:spcBef>
                 <a:spcPts val="0"/>
               </a:spcBef>
@@ -1921,7 +2453,7 @@
       </p:sp>
       <p:sp>
         <p:nvSpPr>
-          <p:cNvPr id="46" name="Google Shape;46;p11"/>
+          <p:cNvPr id="46" name="Google Shape;46;p18"/>
           <p:cNvSpPr txBox="1"/>
           <p:nvPr>
             <p:ph idx="1" type="body"/>
@@ -1935,6 +2467,10 @@
           <a:prstGeom prst="rect">
             <a:avLst/>
           </a:prstGeom>
+          <a:noFill/>
+          <a:ln>
+            <a:noFill/>
+          </a:ln>
         </p:spPr>
         <p:txBody>
           <a:bodyPr anchorCtr="0" anchor="t" bIns="91425" lIns="91425" spcFirstLastPara="1" rIns="91425" wrap="square" tIns="91425">
@@ -1942,6 +2478,9 @@
           </a:bodyPr>
           <a:lstStyle>
             <a:lvl1pPr indent="-342900" lvl="0" marL="457200" algn="ctr">
+              <a:lnSpc>
+                <a:spcPct val="115000"/>
+              </a:lnSpc>
               <a:spcBef>
                 <a:spcPts val="0"/>
               </a:spcBef>
@@ -1953,6 +2492,9 @@
               <a:defRPr/>
             </a:lvl1pPr>
             <a:lvl2pPr indent="-317500" lvl="1" marL="914400" algn="ctr">
+              <a:lnSpc>
+                <a:spcPct val="115000"/>
+              </a:lnSpc>
               <a:spcBef>
                 <a:spcPts val="0"/>
               </a:spcBef>
@@ -1964,6 +2506,9 @@
               <a:defRPr/>
             </a:lvl2pPr>
             <a:lvl3pPr indent="-317500" lvl="2" marL="1371600" algn="ctr">
+              <a:lnSpc>
+                <a:spcPct val="115000"/>
+              </a:lnSpc>
               <a:spcBef>
                 <a:spcPts val="0"/>
               </a:spcBef>
@@ -1975,6 +2520,9 @@
               <a:defRPr/>
             </a:lvl3pPr>
             <a:lvl4pPr indent="-317500" lvl="3" marL="1828800" algn="ctr">
+              <a:lnSpc>
+                <a:spcPct val="115000"/>
+              </a:lnSpc>
               <a:spcBef>
                 <a:spcPts val="0"/>
               </a:spcBef>
@@ -1986,6 +2534,9 @@
               <a:defRPr/>
             </a:lvl4pPr>
             <a:lvl5pPr indent="-317500" lvl="4" marL="2286000" algn="ctr">
+              <a:lnSpc>
+                <a:spcPct val="115000"/>
+              </a:lnSpc>
               <a:spcBef>
                 <a:spcPts val="0"/>
               </a:spcBef>
@@ -1997,6 +2548,9 @@
               <a:defRPr/>
             </a:lvl5pPr>
             <a:lvl6pPr indent="-317500" lvl="5" marL="2743200" algn="ctr">
+              <a:lnSpc>
+                <a:spcPct val="115000"/>
+              </a:lnSpc>
               <a:spcBef>
                 <a:spcPts val="0"/>
               </a:spcBef>
@@ -2008,6 +2562,9 @@
               <a:defRPr/>
             </a:lvl6pPr>
             <a:lvl7pPr indent="-317500" lvl="6" marL="3200400" algn="ctr">
+              <a:lnSpc>
+                <a:spcPct val="115000"/>
+              </a:lnSpc>
               <a:spcBef>
                 <a:spcPts val="0"/>
               </a:spcBef>
@@ -2019,6 +2576,9 @@
               <a:defRPr/>
             </a:lvl7pPr>
             <a:lvl8pPr indent="-317500" lvl="7" marL="3657600" algn="ctr">
+              <a:lnSpc>
+                <a:spcPct val="115000"/>
+              </a:lnSpc>
               <a:spcBef>
                 <a:spcPts val="0"/>
               </a:spcBef>
@@ -2030,6 +2590,9 @@
               <a:defRPr/>
             </a:lvl8pPr>
             <a:lvl9pPr indent="-317500" lvl="8" marL="4114800" algn="ctr">
+              <a:lnSpc>
+                <a:spcPct val="115000"/>
+              </a:lnSpc>
               <a:spcBef>
                 <a:spcPts val="0"/>
               </a:spcBef>
@@ -2046,7 +2609,7 @@
       </p:sp>
       <p:sp>
         <p:nvSpPr>
-          <p:cNvPr id="47" name="Google Shape;47;p11"/>
+          <p:cNvPr id="47" name="Google Shape;47;p18"/>
           <p:cNvSpPr txBox="1"/>
           <p:nvPr>
             <p:ph idx="12" type="sldNum"/>
@@ -2060,47 +2623,249 @@
           <a:prstGeom prst="rect">
             <a:avLst/>
           </a:prstGeom>
+          <a:noFill/>
+          <a:ln>
+            <a:noFill/>
+          </a:ln>
         </p:spPr>
         <p:txBody>
           <a:bodyPr anchorCtr="0" anchor="ctr" bIns="91425" lIns="91425" spcFirstLastPara="1" rIns="91425" wrap="square" tIns="91425">
             <a:normAutofit/>
           </a:bodyPr>
           <a:lstStyle>
-            <a:lvl1pPr lvl="0">
-              <a:buNone/>
-              <a:defRPr/>
+            <a:lvl1pPr indent="0" lvl="0" marL="0" marR="0" algn="r">
+              <a:lnSpc>
+                <a:spcPct val="100000"/>
+              </a:lnSpc>
+              <a:spcBef>
+                <a:spcPts val="0"/>
+              </a:spcBef>
+              <a:spcAft>
+                <a:spcPts val="0"/>
+              </a:spcAft>
+              <a:buClr>
+                <a:srgbClr val="000000"/>
+              </a:buClr>
+              <a:buSzPts val="1000"/>
+              <a:buFont typeface="Arial"/>
+              <a:buNone/>
+              <a:defRPr b="0" i="0" sz="1000" u="none" cap="none" strike="noStrike">
+                <a:solidFill>
+                  <a:schemeClr val="lt2"/>
+                </a:solidFill>
+                <a:latin typeface="Arial"/>
+                <a:ea typeface="Arial"/>
+                <a:cs typeface="Arial"/>
+                <a:sym typeface="Arial"/>
+              </a:defRPr>
             </a:lvl1pPr>
-            <a:lvl2pPr lvl="1">
-              <a:buNone/>
-              <a:defRPr/>
+            <a:lvl2pPr indent="0" lvl="1" marL="0" marR="0" algn="r">
+              <a:lnSpc>
+                <a:spcPct val="100000"/>
+              </a:lnSpc>
+              <a:spcBef>
+                <a:spcPts val="0"/>
+              </a:spcBef>
+              <a:spcAft>
+                <a:spcPts val="0"/>
+              </a:spcAft>
+              <a:buClr>
+                <a:srgbClr val="000000"/>
+              </a:buClr>
+              <a:buSzPts val="1000"/>
+              <a:buFont typeface="Arial"/>
+              <a:buNone/>
+              <a:defRPr b="0" i="0" sz="1000" u="none" cap="none" strike="noStrike">
+                <a:solidFill>
+                  <a:schemeClr val="lt2"/>
+                </a:solidFill>
+                <a:latin typeface="Arial"/>
+                <a:ea typeface="Arial"/>
+                <a:cs typeface="Arial"/>
+                <a:sym typeface="Arial"/>
+              </a:defRPr>
             </a:lvl2pPr>
-            <a:lvl3pPr lvl="2">
-              <a:buNone/>
-              <a:defRPr/>
+            <a:lvl3pPr indent="0" lvl="2" marL="0" marR="0" algn="r">
+              <a:lnSpc>
+                <a:spcPct val="100000"/>
+              </a:lnSpc>
+              <a:spcBef>
+                <a:spcPts val="0"/>
+              </a:spcBef>
+              <a:spcAft>
+                <a:spcPts val="0"/>
+              </a:spcAft>
+              <a:buClr>
+                <a:srgbClr val="000000"/>
+              </a:buClr>
+              <a:buSzPts val="1000"/>
+              <a:buFont typeface="Arial"/>
+              <a:buNone/>
+              <a:defRPr b="0" i="0" sz="1000" u="none" cap="none" strike="noStrike">
+                <a:solidFill>
+                  <a:schemeClr val="lt2"/>
+                </a:solidFill>
+                <a:latin typeface="Arial"/>
+                <a:ea typeface="Arial"/>
+                <a:cs typeface="Arial"/>
+                <a:sym typeface="Arial"/>
+              </a:defRPr>
             </a:lvl3pPr>
-            <a:lvl4pPr lvl="3">
-              <a:buNone/>
-              <a:defRPr/>
+            <a:lvl4pPr indent="0" lvl="3" marL="0" marR="0" algn="r">
+              <a:lnSpc>
+                <a:spcPct val="100000"/>
+              </a:lnSpc>
+              <a:spcBef>
+                <a:spcPts val="0"/>
+              </a:spcBef>
+              <a:spcAft>
+                <a:spcPts val="0"/>
+              </a:spcAft>
+              <a:buClr>
+                <a:srgbClr val="000000"/>
+              </a:buClr>
+              <a:buSzPts val="1000"/>
+              <a:buFont typeface="Arial"/>
+              <a:buNone/>
+              <a:defRPr b="0" i="0" sz="1000" u="none" cap="none" strike="noStrike">
+                <a:solidFill>
+                  <a:schemeClr val="lt2"/>
+                </a:solidFill>
+                <a:latin typeface="Arial"/>
+                <a:ea typeface="Arial"/>
+                <a:cs typeface="Arial"/>
+                <a:sym typeface="Arial"/>
+              </a:defRPr>
             </a:lvl4pPr>
-            <a:lvl5pPr lvl="4">
-              <a:buNone/>
-              <a:defRPr/>
+            <a:lvl5pPr indent="0" lvl="4" marL="0" marR="0" algn="r">
+              <a:lnSpc>
+                <a:spcPct val="100000"/>
+              </a:lnSpc>
+              <a:spcBef>
+                <a:spcPts val="0"/>
+              </a:spcBef>
+              <a:spcAft>
+                <a:spcPts val="0"/>
+              </a:spcAft>
+              <a:buClr>
+                <a:srgbClr val="000000"/>
+              </a:buClr>
+              <a:buSzPts val="1000"/>
+              <a:buFont typeface="Arial"/>
+              <a:buNone/>
+              <a:defRPr b="0" i="0" sz="1000" u="none" cap="none" strike="noStrike">
+                <a:solidFill>
+                  <a:schemeClr val="lt2"/>
+                </a:solidFill>
+                <a:latin typeface="Arial"/>
+                <a:ea typeface="Arial"/>
+                <a:cs typeface="Arial"/>
+                <a:sym typeface="Arial"/>
+              </a:defRPr>
             </a:lvl5pPr>
-            <a:lvl6pPr lvl="5">
-              <a:buNone/>
-              <a:defRPr/>
+            <a:lvl6pPr indent="0" lvl="5" marL="0" marR="0" algn="r">
+              <a:lnSpc>
+                <a:spcPct val="100000"/>
+              </a:lnSpc>
+              <a:spcBef>
+                <a:spcPts val="0"/>
+              </a:spcBef>
+              <a:spcAft>
+                <a:spcPts val="0"/>
+              </a:spcAft>
+              <a:buClr>
+                <a:srgbClr val="000000"/>
+              </a:buClr>
+              <a:buSzPts val="1000"/>
+              <a:buFont typeface="Arial"/>
+              <a:buNone/>
+              <a:defRPr b="0" i="0" sz="1000" u="none" cap="none" strike="noStrike">
+                <a:solidFill>
+                  <a:schemeClr val="lt2"/>
+                </a:solidFill>
+                <a:latin typeface="Arial"/>
+                <a:ea typeface="Arial"/>
+                <a:cs typeface="Arial"/>
+                <a:sym typeface="Arial"/>
+              </a:defRPr>
             </a:lvl6pPr>
-            <a:lvl7pPr lvl="6">
-              <a:buNone/>
-              <a:defRPr/>
+            <a:lvl7pPr indent="0" lvl="6" marL="0" marR="0" algn="r">
+              <a:lnSpc>
+                <a:spcPct val="100000"/>
+              </a:lnSpc>
+              <a:spcBef>
+                <a:spcPts val="0"/>
+              </a:spcBef>
+              <a:spcAft>
+                <a:spcPts val="0"/>
+              </a:spcAft>
+              <a:buClr>
+                <a:srgbClr val="000000"/>
+              </a:buClr>
+              <a:buSzPts val="1000"/>
+              <a:buFont typeface="Arial"/>
+              <a:buNone/>
+              <a:defRPr b="0" i="0" sz="1000" u="none" cap="none" strike="noStrike">
+                <a:solidFill>
+                  <a:schemeClr val="lt2"/>
+                </a:solidFill>
+                <a:latin typeface="Arial"/>
+                <a:ea typeface="Arial"/>
+                <a:cs typeface="Arial"/>
+                <a:sym typeface="Arial"/>
+              </a:defRPr>
             </a:lvl7pPr>
-            <a:lvl8pPr lvl="7">
-              <a:buNone/>
-              <a:defRPr/>
+            <a:lvl8pPr indent="0" lvl="7" marL="0" marR="0" algn="r">
+              <a:lnSpc>
+                <a:spcPct val="100000"/>
+              </a:lnSpc>
+              <a:spcBef>
+                <a:spcPts val="0"/>
+              </a:spcBef>
+              <a:spcAft>
+                <a:spcPts val="0"/>
+              </a:spcAft>
+              <a:buClr>
+                <a:srgbClr val="000000"/>
+              </a:buClr>
+              <a:buSzPts val="1000"/>
+              <a:buFont typeface="Arial"/>
+              <a:buNone/>
+              <a:defRPr b="0" i="0" sz="1000" u="none" cap="none" strike="noStrike">
+                <a:solidFill>
+                  <a:schemeClr val="lt2"/>
+                </a:solidFill>
+                <a:latin typeface="Arial"/>
+                <a:ea typeface="Arial"/>
+                <a:cs typeface="Arial"/>
+                <a:sym typeface="Arial"/>
+              </a:defRPr>
             </a:lvl8pPr>
-            <a:lvl9pPr lvl="8">
-              <a:buNone/>
-              <a:defRPr/>
+            <a:lvl9pPr indent="0" lvl="8" marL="0" marR="0" algn="r">
+              <a:lnSpc>
+                <a:spcPct val="100000"/>
+              </a:lnSpc>
+              <a:spcBef>
+                <a:spcPts val="0"/>
+              </a:spcBef>
+              <a:spcAft>
+                <a:spcPts val="0"/>
+              </a:spcAft>
+              <a:buClr>
+                <a:srgbClr val="000000"/>
+              </a:buClr>
+              <a:buSzPts val="1000"/>
+              <a:buFont typeface="Arial"/>
+              <a:buNone/>
+              <a:defRPr b="0" i="0" sz="1000" u="none" cap="none" strike="noStrike">
+                <a:solidFill>
+                  <a:schemeClr val="lt2"/>
+                </a:solidFill>
+                <a:latin typeface="Arial"/>
+                <a:ea typeface="Arial"/>
+                <a:cs typeface="Arial"/>
+                <a:sym typeface="Arial"/>
+              </a:defRPr>
             </a:lvl9pPr>
           </a:lstStyle>
           <a:p>
@@ -2148,7 +2913,7 @@
       </p:grpSpPr>
       <p:sp>
         <p:nvSpPr>
-          <p:cNvPr id="49" name="Google Shape;49;p12"/>
+          <p:cNvPr id="49" name="Google Shape;49;p19"/>
           <p:cNvSpPr txBox="1"/>
           <p:nvPr>
             <p:ph idx="12" type="sldNum"/>
@@ -2162,47 +2927,249 @@
           <a:prstGeom prst="rect">
             <a:avLst/>
           </a:prstGeom>
+          <a:noFill/>
+          <a:ln>
+            <a:noFill/>
+          </a:ln>
         </p:spPr>
         <p:txBody>
           <a:bodyPr anchorCtr="0" anchor="ctr" bIns="91425" lIns="91425" spcFirstLastPara="1" rIns="91425" wrap="square" tIns="91425">
             <a:normAutofit/>
           </a:bodyPr>
           <a:lstStyle>
-            <a:lvl1pPr lvl="0">
-              <a:buNone/>
-              <a:defRPr/>
+            <a:lvl1pPr indent="0" lvl="0" marL="0" marR="0" algn="r">
+              <a:lnSpc>
+                <a:spcPct val="100000"/>
+              </a:lnSpc>
+              <a:spcBef>
+                <a:spcPts val="0"/>
+              </a:spcBef>
+              <a:spcAft>
+                <a:spcPts val="0"/>
+              </a:spcAft>
+              <a:buClr>
+                <a:srgbClr val="000000"/>
+              </a:buClr>
+              <a:buSzPts val="1000"/>
+              <a:buFont typeface="Arial"/>
+              <a:buNone/>
+              <a:defRPr b="0" i="0" sz="1000" u="none" cap="none" strike="noStrike">
+                <a:solidFill>
+                  <a:schemeClr val="lt2"/>
+                </a:solidFill>
+                <a:latin typeface="Arial"/>
+                <a:ea typeface="Arial"/>
+                <a:cs typeface="Arial"/>
+                <a:sym typeface="Arial"/>
+              </a:defRPr>
             </a:lvl1pPr>
-            <a:lvl2pPr lvl="1">
-              <a:buNone/>
-              <a:defRPr/>
+            <a:lvl2pPr indent="0" lvl="1" marL="0" marR="0" algn="r">
+              <a:lnSpc>
+                <a:spcPct val="100000"/>
+              </a:lnSpc>
+              <a:spcBef>
+                <a:spcPts val="0"/>
+              </a:spcBef>
+              <a:spcAft>
+                <a:spcPts val="0"/>
+              </a:spcAft>
+              <a:buClr>
+                <a:srgbClr val="000000"/>
+              </a:buClr>
+              <a:buSzPts val="1000"/>
+              <a:buFont typeface="Arial"/>
+              <a:buNone/>
+              <a:defRPr b="0" i="0" sz="1000" u="none" cap="none" strike="noStrike">
+                <a:solidFill>
+                  <a:schemeClr val="lt2"/>
+                </a:solidFill>
+                <a:latin typeface="Arial"/>
+                <a:ea typeface="Arial"/>
+                <a:cs typeface="Arial"/>
+                <a:sym typeface="Arial"/>
+              </a:defRPr>
             </a:lvl2pPr>
-            <a:lvl3pPr lvl="2">
-              <a:buNone/>
-              <a:defRPr/>
+            <a:lvl3pPr indent="0" lvl="2" marL="0" marR="0" algn="r">
+              <a:lnSpc>
+                <a:spcPct val="100000"/>
+              </a:lnSpc>
+              <a:spcBef>
+                <a:spcPts val="0"/>
+              </a:spcBef>
+              <a:spcAft>
+                <a:spcPts val="0"/>
+              </a:spcAft>
+              <a:buClr>
+                <a:srgbClr val="000000"/>
+              </a:buClr>
+              <a:buSzPts val="1000"/>
+              <a:buFont typeface="Arial"/>
+              <a:buNone/>
+              <a:defRPr b="0" i="0" sz="1000" u="none" cap="none" strike="noStrike">
+                <a:solidFill>
+                  <a:schemeClr val="lt2"/>
+                </a:solidFill>
+                <a:latin typeface="Arial"/>
+                <a:ea typeface="Arial"/>
+                <a:cs typeface="Arial"/>
+                <a:sym typeface="Arial"/>
+              </a:defRPr>
             </a:lvl3pPr>
-            <a:lvl4pPr lvl="3">
-              <a:buNone/>
-              <a:defRPr/>
+            <a:lvl4pPr indent="0" lvl="3" marL="0" marR="0" algn="r">
+              <a:lnSpc>
+                <a:spcPct val="100000"/>
+              </a:lnSpc>
+              <a:spcBef>
+                <a:spcPts val="0"/>
+              </a:spcBef>
+              <a:spcAft>
+                <a:spcPts val="0"/>
+              </a:spcAft>
+              <a:buClr>
+                <a:srgbClr val="000000"/>
+              </a:buClr>
+              <a:buSzPts val="1000"/>
+              <a:buFont typeface="Arial"/>
+              <a:buNone/>
+              <a:defRPr b="0" i="0" sz="1000" u="none" cap="none" strike="noStrike">
+                <a:solidFill>
+                  <a:schemeClr val="lt2"/>
+                </a:solidFill>
+                <a:latin typeface="Arial"/>
+                <a:ea typeface="Arial"/>
+                <a:cs typeface="Arial"/>
+                <a:sym typeface="Arial"/>
+              </a:defRPr>
             </a:lvl4pPr>
-            <a:lvl5pPr lvl="4">
-              <a:buNone/>
-              <a:defRPr/>
+            <a:lvl5pPr indent="0" lvl="4" marL="0" marR="0" algn="r">
+              <a:lnSpc>
+                <a:spcPct val="100000"/>
+              </a:lnSpc>
+              <a:spcBef>
+                <a:spcPts val="0"/>
+              </a:spcBef>
+              <a:spcAft>
+                <a:spcPts val="0"/>
+              </a:spcAft>
+              <a:buClr>
+                <a:srgbClr val="000000"/>
+              </a:buClr>
+              <a:buSzPts val="1000"/>
+              <a:buFont typeface="Arial"/>
+              <a:buNone/>
+              <a:defRPr b="0" i="0" sz="1000" u="none" cap="none" strike="noStrike">
+                <a:solidFill>
+                  <a:schemeClr val="lt2"/>
+                </a:solidFill>
+                <a:latin typeface="Arial"/>
+                <a:ea typeface="Arial"/>
+                <a:cs typeface="Arial"/>
+                <a:sym typeface="Arial"/>
+              </a:defRPr>
             </a:lvl5pPr>
-            <a:lvl6pPr lvl="5">
-              <a:buNone/>
-              <a:defRPr/>
+            <a:lvl6pPr indent="0" lvl="5" marL="0" marR="0" algn="r">
+              <a:lnSpc>
+                <a:spcPct val="100000"/>
+              </a:lnSpc>
+              <a:spcBef>
+                <a:spcPts val="0"/>
+              </a:spcBef>
+              <a:spcAft>
+                <a:spcPts val="0"/>
+              </a:spcAft>
+              <a:buClr>
+                <a:srgbClr val="000000"/>
+              </a:buClr>
+              <a:buSzPts val="1000"/>
+              <a:buFont typeface="Arial"/>
+              <a:buNone/>
+              <a:defRPr b="0" i="0" sz="1000" u="none" cap="none" strike="noStrike">
+                <a:solidFill>
+                  <a:schemeClr val="lt2"/>
+                </a:solidFill>
+                <a:latin typeface="Arial"/>
+                <a:ea typeface="Arial"/>
+                <a:cs typeface="Arial"/>
+                <a:sym typeface="Arial"/>
+              </a:defRPr>
             </a:lvl6pPr>
-            <a:lvl7pPr lvl="6">
-              <a:buNone/>
-              <a:defRPr/>
+            <a:lvl7pPr indent="0" lvl="6" marL="0" marR="0" algn="r">
+              <a:lnSpc>
+                <a:spcPct val="100000"/>
+              </a:lnSpc>
+              <a:spcBef>
+                <a:spcPts val="0"/>
+              </a:spcBef>
+              <a:spcAft>
+                <a:spcPts val="0"/>
+              </a:spcAft>
+              <a:buClr>
+                <a:srgbClr val="000000"/>
+              </a:buClr>
+              <a:buSzPts val="1000"/>
+              <a:buFont typeface="Arial"/>
+              <a:buNone/>
+              <a:defRPr b="0" i="0" sz="1000" u="none" cap="none" strike="noStrike">
+                <a:solidFill>
+                  <a:schemeClr val="lt2"/>
+                </a:solidFill>
+                <a:latin typeface="Arial"/>
+                <a:ea typeface="Arial"/>
+                <a:cs typeface="Arial"/>
+                <a:sym typeface="Arial"/>
+              </a:defRPr>
             </a:lvl7pPr>
-            <a:lvl8pPr lvl="7">
-              <a:buNone/>
-              <a:defRPr/>
+            <a:lvl8pPr indent="0" lvl="7" marL="0" marR="0" algn="r">
+              <a:lnSpc>
+                <a:spcPct val="100000"/>
+              </a:lnSpc>
+              <a:spcBef>
+                <a:spcPts val="0"/>
+              </a:spcBef>
+              <a:spcAft>
+                <a:spcPts val="0"/>
+              </a:spcAft>
+              <a:buClr>
+                <a:srgbClr val="000000"/>
+              </a:buClr>
+              <a:buSzPts val="1000"/>
+              <a:buFont typeface="Arial"/>
+              <a:buNone/>
+              <a:defRPr b="0" i="0" sz="1000" u="none" cap="none" strike="noStrike">
+                <a:solidFill>
+                  <a:schemeClr val="lt2"/>
+                </a:solidFill>
+                <a:latin typeface="Arial"/>
+                <a:ea typeface="Arial"/>
+                <a:cs typeface="Arial"/>
+                <a:sym typeface="Arial"/>
+              </a:defRPr>
             </a:lvl8pPr>
-            <a:lvl9pPr lvl="8">
-              <a:buNone/>
-              <a:defRPr/>
+            <a:lvl9pPr indent="0" lvl="8" marL="0" marR="0" algn="r">
+              <a:lnSpc>
+                <a:spcPct val="100000"/>
+              </a:lnSpc>
+              <a:spcBef>
+                <a:spcPts val="0"/>
+              </a:spcBef>
+              <a:spcAft>
+                <a:spcPts val="0"/>
+              </a:spcAft>
+              <a:buClr>
+                <a:srgbClr val="000000"/>
+              </a:buClr>
+              <a:buSzPts val="1000"/>
+              <a:buFont typeface="Arial"/>
+              <a:buNone/>
+              <a:defRPr b="0" i="0" sz="1000" u="none" cap="none" strike="noStrike">
+                <a:solidFill>
+                  <a:schemeClr val="lt2"/>
+                </a:solidFill>
+                <a:latin typeface="Arial"/>
+                <a:ea typeface="Arial"/>
+                <a:cs typeface="Arial"/>
+                <a:sym typeface="Arial"/>
+              </a:defRPr>
             </a:lvl9pPr>
           </a:lstStyle>
           <a:p>
@@ -2232,8 +3199,8 @@
 </file>
 
 <file path=ppt/slideLayouts/slideLayout2.xml><?xml version="1.0" encoding="utf-8"?>
-<p:sldLayout xmlns:a="http://schemas.openxmlformats.org/drawingml/2006/main" xmlns:r="http://schemas.openxmlformats.org/officeDocument/2006/relationships" xmlns:mc="http://schemas.openxmlformats.org/markup-compatibility/2006" xmlns:mv="urn:schemas-microsoft-com:mac:vml" xmlns:p="http://schemas.openxmlformats.org/presentationml/2006/main" xmlns:c="http://schemas.openxmlformats.org/drawingml/2006/chart" xmlns:dgm="http://schemas.openxmlformats.org/drawingml/2006/diagram" xmlns:o="urn:schemas-microsoft-com:office:office" xmlns:v="urn:schemas-microsoft-com:vml" xmlns:pvml="urn:schemas-microsoft-com:office:powerpoint" xmlns:com="http://schemas.openxmlformats.org/drawingml/2006/compatibility" xmlns:p14="http://schemas.microsoft.com/office/powerpoint/2010/main" xmlns:p15="http://schemas.microsoft.com/office/powerpoint/2012/main" xmlns:ahyp="http://schemas.microsoft.com/office/drawing/2018/hyperlinkcolor" matchingName="Section header" type="secHead">
-  <p:cSld name="SECTION_HEADER">
+<p:sldLayout xmlns:a="http://schemas.openxmlformats.org/drawingml/2006/main" xmlns:r="http://schemas.openxmlformats.org/officeDocument/2006/relationships" xmlns:mc="http://schemas.openxmlformats.org/markup-compatibility/2006" xmlns:mv="urn:schemas-microsoft-com:mac:vml" xmlns:p="http://schemas.openxmlformats.org/presentationml/2006/main" xmlns:c="http://schemas.openxmlformats.org/drawingml/2006/chart" xmlns:dgm="http://schemas.openxmlformats.org/drawingml/2006/diagram" xmlns:o="urn:schemas-microsoft-com:office:office" xmlns:v="urn:schemas-microsoft-com:vml" xmlns:pvml="urn:schemas-microsoft-com:office:powerpoint" xmlns:com="http://schemas.openxmlformats.org/drawingml/2006/compatibility" xmlns:p14="http://schemas.microsoft.com/office/powerpoint/2010/main" xmlns:p15="http://schemas.microsoft.com/office/powerpoint/2012/main" xmlns:ahyp="http://schemas.microsoft.com/office/drawing/2018/hyperlinkcolor" matchingName="Title and body" type="tx">
+  <p:cSld name="TITLE_AND_BODY">
     <p:spTree>
       <p:nvGrpSpPr>
         <p:cNvPr id="13" name="Shape 13"/>
@@ -2250,7 +3217,7 @@
       </p:grpSpPr>
       <p:sp>
         <p:nvSpPr>
-          <p:cNvPr id="14" name="Google Shape;14;p3"/>
+          <p:cNvPr id="14" name="Google Shape;14;p10"/>
           <p:cNvSpPr txBox="1"/>
           <p:nvPr>
             <p:ph type="title"/>
@@ -2258,116 +3225,147 @@
         </p:nvSpPr>
         <p:spPr>
           <a:xfrm>
-            <a:off x="311700" y="2150850"/>
-            <a:ext cx="8520600" cy="841800"/>
+            <a:off x="311700" y="445025"/>
+            <a:ext cx="8520600" cy="572700"/>
           </a:xfrm>
           <a:prstGeom prst="rect">
             <a:avLst/>
           </a:prstGeom>
+          <a:noFill/>
+          <a:ln>
+            <a:noFill/>
+          </a:ln>
         </p:spPr>
         <p:txBody>
-          <a:bodyPr anchorCtr="0" anchor="ctr" bIns="91425" lIns="91425" spcFirstLastPara="1" rIns="91425" wrap="square" tIns="91425">
+          <a:bodyPr anchorCtr="0" anchor="t" bIns="91425" lIns="91425" spcFirstLastPara="1" rIns="91425" wrap="square" tIns="91425">
             <a:normAutofit/>
           </a:bodyPr>
           <a:lstStyle>
-            <a:lvl1pPr lvl="0" algn="ctr">
-              <a:spcBef>
-                <a:spcPts val="0"/>
-              </a:spcBef>
-              <a:spcAft>
-                <a:spcPts val="0"/>
-              </a:spcAft>
-              <a:buSzPts val="3600"/>
-              <a:buNone/>
-              <a:defRPr sz="3600"/>
+            <a:lvl1pPr lvl="0" algn="l">
+              <a:lnSpc>
+                <a:spcPct val="100000"/>
+              </a:lnSpc>
+              <a:spcBef>
+                <a:spcPts val="0"/>
+              </a:spcBef>
+              <a:spcAft>
+                <a:spcPts val="0"/>
+              </a:spcAft>
+              <a:buSzPts val="2800"/>
+              <a:buNone/>
+              <a:defRPr/>
             </a:lvl1pPr>
-            <a:lvl2pPr lvl="1" algn="ctr">
-              <a:spcBef>
-                <a:spcPts val="0"/>
-              </a:spcBef>
-              <a:spcAft>
-                <a:spcPts val="0"/>
-              </a:spcAft>
-              <a:buSzPts val="3600"/>
-              <a:buNone/>
-              <a:defRPr sz="3600"/>
+            <a:lvl2pPr lvl="1" algn="l">
+              <a:lnSpc>
+                <a:spcPct val="100000"/>
+              </a:lnSpc>
+              <a:spcBef>
+                <a:spcPts val="0"/>
+              </a:spcBef>
+              <a:spcAft>
+                <a:spcPts val="0"/>
+              </a:spcAft>
+              <a:buSzPts val="2800"/>
+              <a:buNone/>
+              <a:defRPr/>
             </a:lvl2pPr>
-            <a:lvl3pPr lvl="2" algn="ctr">
-              <a:spcBef>
-                <a:spcPts val="0"/>
-              </a:spcBef>
-              <a:spcAft>
-                <a:spcPts val="0"/>
-              </a:spcAft>
-              <a:buSzPts val="3600"/>
-              <a:buNone/>
-              <a:defRPr sz="3600"/>
+            <a:lvl3pPr lvl="2" algn="l">
+              <a:lnSpc>
+                <a:spcPct val="100000"/>
+              </a:lnSpc>
+              <a:spcBef>
+                <a:spcPts val="0"/>
+              </a:spcBef>
+              <a:spcAft>
+                <a:spcPts val="0"/>
+              </a:spcAft>
+              <a:buSzPts val="2800"/>
+              <a:buNone/>
+              <a:defRPr/>
             </a:lvl3pPr>
-            <a:lvl4pPr lvl="3" algn="ctr">
-              <a:spcBef>
-                <a:spcPts val="0"/>
-              </a:spcBef>
-              <a:spcAft>
-                <a:spcPts val="0"/>
-              </a:spcAft>
-              <a:buSzPts val="3600"/>
-              <a:buNone/>
-              <a:defRPr sz="3600"/>
+            <a:lvl4pPr lvl="3" algn="l">
+              <a:lnSpc>
+                <a:spcPct val="100000"/>
+              </a:lnSpc>
+              <a:spcBef>
+                <a:spcPts val="0"/>
+              </a:spcBef>
+              <a:spcAft>
+                <a:spcPts val="0"/>
+              </a:spcAft>
+              <a:buSzPts val="2800"/>
+              <a:buNone/>
+              <a:defRPr/>
             </a:lvl4pPr>
-            <a:lvl5pPr lvl="4" algn="ctr">
-              <a:spcBef>
-                <a:spcPts val="0"/>
-              </a:spcBef>
-              <a:spcAft>
-                <a:spcPts val="0"/>
-              </a:spcAft>
-              <a:buSzPts val="3600"/>
-              <a:buNone/>
-              <a:defRPr sz="3600"/>
+            <a:lvl5pPr lvl="4" algn="l">
+              <a:lnSpc>
+                <a:spcPct val="100000"/>
+              </a:lnSpc>
+              <a:spcBef>
+                <a:spcPts val="0"/>
+              </a:spcBef>
+              <a:spcAft>
+                <a:spcPts val="0"/>
+              </a:spcAft>
+              <a:buSzPts val="2800"/>
+              <a:buNone/>
+              <a:defRPr/>
             </a:lvl5pPr>
-            <a:lvl6pPr lvl="5" algn="ctr">
-              <a:spcBef>
-                <a:spcPts val="0"/>
-              </a:spcBef>
-              <a:spcAft>
-                <a:spcPts val="0"/>
-              </a:spcAft>
-              <a:buSzPts val="3600"/>
-              <a:buNone/>
-              <a:defRPr sz="3600"/>
+            <a:lvl6pPr lvl="5" algn="l">
+              <a:lnSpc>
+                <a:spcPct val="100000"/>
+              </a:lnSpc>
+              <a:spcBef>
+                <a:spcPts val="0"/>
+              </a:spcBef>
+              <a:spcAft>
+                <a:spcPts val="0"/>
+              </a:spcAft>
+              <a:buSzPts val="2800"/>
+              <a:buNone/>
+              <a:defRPr/>
             </a:lvl6pPr>
-            <a:lvl7pPr lvl="6" algn="ctr">
-              <a:spcBef>
-                <a:spcPts val="0"/>
-              </a:spcBef>
-              <a:spcAft>
-                <a:spcPts val="0"/>
-              </a:spcAft>
-              <a:buSzPts val="3600"/>
-              <a:buNone/>
-              <a:defRPr sz="3600"/>
+            <a:lvl7pPr lvl="6" algn="l">
+              <a:lnSpc>
+                <a:spcPct val="100000"/>
+              </a:lnSpc>
+              <a:spcBef>
+                <a:spcPts val="0"/>
+              </a:spcBef>
+              <a:spcAft>
+                <a:spcPts val="0"/>
+              </a:spcAft>
+              <a:buSzPts val="2800"/>
+              <a:buNone/>
+              <a:defRPr/>
             </a:lvl7pPr>
-            <a:lvl8pPr lvl="7" algn="ctr">
-              <a:spcBef>
-                <a:spcPts val="0"/>
-              </a:spcBef>
-              <a:spcAft>
-                <a:spcPts val="0"/>
-              </a:spcAft>
-              <a:buSzPts val="3600"/>
-              <a:buNone/>
-              <a:defRPr sz="3600"/>
+            <a:lvl8pPr lvl="7" algn="l">
+              <a:lnSpc>
+                <a:spcPct val="100000"/>
+              </a:lnSpc>
+              <a:spcBef>
+                <a:spcPts val="0"/>
+              </a:spcBef>
+              <a:spcAft>
+                <a:spcPts val="0"/>
+              </a:spcAft>
+              <a:buSzPts val="2800"/>
+              <a:buNone/>
+              <a:defRPr/>
             </a:lvl8pPr>
-            <a:lvl9pPr lvl="8" algn="ctr">
-              <a:spcBef>
-                <a:spcPts val="0"/>
-              </a:spcBef>
-              <a:spcAft>
-                <a:spcPts val="0"/>
-              </a:spcAft>
-              <a:buSzPts val="3600"/>
-              <a:buNone/>
-              <a:defRPr sz="3600"/>
+            <a:lvl9pPr lvl="8" algn="l">
+              <a:lnSpc>
+                <a:spcPct val="100000"/>
+              </a:lnSpc>
+              <a:spcBef>
+                <a:spcPts val="0"/>
+              </a:spcBef>
+              <a:spcAft>
+                <a:spcPts val="0"/>
+              </a:spcAft>
+              <a:buSzPts val="2800"/>
+              <a:buNone/>
+              <a:defRPr/>
             </a:lvl9pPr>
           </a:lstStyle>
           <a:p/>
@@ -2375,7 +3373,163 @@
       </p:sp>
       <p:sp>
         <p:nvSpPr>
-          <p:cNvPr id="15" name="Google Shape;15;p3"/>
+          <p:cNvPr id="15" name="Google Shape;15;p10"/>
+          <p:cNvSpPr txBox="1"/>
+          <p:nvPr>
+            <p:ph idx="1" type="body"/>
+          </p:nvPr>
+        </p:nvSpPr>
+        <p:spPr>
+          <a:xfrm>
+            <a:off x="311700" y="1152475"/>
+            <a:ext cx="8520600" cy="3416400"/>
+          </a:xfrm>
+          <a:prstGeom prst="rect">
+            <a:avLst/>
+          </a:prstGeom>
+          <a:noFill/>
+          <a:ln>
+            <a:noFill/>
+          </a:ln>
+        </p:spPr>
+        <p:txBody>
+          <a:bodyPr anchorCtr="0" anchor="t" bIns="91425" lIns="91425" spcFirstLastPara="1" rIns="91425" wrap="square" tIns="91425">
+            <a:normAutofit/>
+          </a:bodyPr>
+          <a:lstStyle>
+            <a:lvl1pPr indent="-342900" lvl="0" marL="457200" algn="l">
+              <a:lnSpc>
+                <a:spcPct val="115000"/>
+              </a:lnSpc>
+              <a:spcBef>
+                <a:spcPts val="0"/>
+              </a:spcBef>
+              <a:spcAft>
+                <a:spcPts val="0"/>
+              </a:spcAft>
+              <a:buSzPts val="1800"/>
+              <a:buChar char="●"/>
+              <a:defRPr/>
+            </a:lvl1pPr>
+            <a:lvl2pPr indent="-317500" lvl="1" marL="914400" algn="l">
+              <a:lnSpc>
+                <a:spcPct val="115000"/>
+              </a:lnSpc>
+              <a:spcBef>
+                <a:spcPts val="0"/>
+              </a:spcBef>
+              <a:spcAft>
+                <a:spcPts val="0"/>
+              </a:spcAft>
+              <a:buSzPts val="1400"/>
+              <a:buChar char="○"/>
+              <a:defRPr/>
+            </a:lvl2pPr>
+            <a:lvl3pPr indent="-317500" lvl="2" marL="1371600" algn="l">
+              <a:lnSpc>
+                <a:spcPct val="115000"/>
+              </a:lnSpc>
+              <a:spcBef>
+                <a:spcPts val="0"/>
+              </a:spcBef>
+              <a:spcAft>
+                <a:spcPts val="0"/>
+              </a:spcAft>
+              <a:buSzPts val="1400"/>
+              <a:buChar char="■"/>
+              <a:defRPr/>
+            </a:lvl3pPr>
+            <a:lvl4pPr indent="-317500" lvl="3" marL="1828800" algn="l">
+              <a:lnSpc>
+                <a:spcPct val="115000"/>
+              </a:lnSpc>
+              <a:spcBef>
+                <a:spcPts val="0"/>
+              </a:spcBef>
+              <a:spcAft>
+                <a:spcPts val="0"/>
+              </a:spcAft>
+              <a:buSzPts val="1400"/>
+              <a:buChar char="●"/>
+              <a:defRPr/>
+            </a:lvl4pPr>
+            <a:lvl5pPr indent="-317500" lvl="4" marL="2286000" algn="l">
+              <a:lnSpc>
+                <a:spcPct val="115000"/>
+              </a:lnSpc>
+              <a:spcBef>
+                <a:spcPts val="0"/>
+              </a:spcBef>
+              <a:spcAft>
+                <a:spcPts val="0"/>
+              </a:spcAft>
+              <a:buSzPts val="1400"/>
+              <a:buChar char="○"/>
+              <a:defRPr/>
+            </a:lvl5pPr>
+            <a:lvl6pPr indent="-317500" lvl="5" marL="2743200" algn="l">
+              <a:lnSpc>
+                <a:spcPct val="115000"/>
+              </a:lnSpc>
+              <a:spcBef>
+                <a:spcPts val="0"/>
+              </a:spcBef>
+              <a:spcAft>
+                <a:spcPts val="0"/>
+              </a:spcAft>
+              <a:buSzPts val="1400"/>
+              <a:buChar char="■"/>
+              <a:defRPr/>
+            </a:lvl6pPr>
+            <a:lvl7pPr indent="-317500" lvl="6" marL="3200400" algn="l">
+              <a:lnSpc>
+                <a:spcPct val="115000"/>
+              </a:lnSpc>
+              <a:spcBef>
+                <a:spcPts val="0"/>
+              </a:spcBef>
+              <a:spcAft>
+                <a:spcPts val="0"/>
+              </a:spcAft>
+              <a:buSzPts val="1400"/>
+              <a:buChar char="●"/>
+              <a:defRPr/>
+            </a:lvl7pPr>
+            <a:lvl8pPr indent="-317500" lvl="7" marL="3657600" algn="l">
+              <a:lnSpc>
+                <a:spcPct val="115000"/>
+              </a:lnSpc>
+              <a:spcBef>
+                <a:spcPts val="0"/>
+              </a:spcBef>
+              <a:spcAft>
+                <a:spcPts val="0"/>
+              </a:spcAft>
+              <a:buSzPts val="1400"/>
+              <a:buChar char="○"/>
+              <a:defRPr/>
+            </a:lvl8pPr>
+            <a:lvl9pPr indent="-317500" lvl="8" marL="4114800" algn="l">
+              <a:lnSpc>
+                <a:spcPct val="115000"/>
+              </a:lnSpc>
+              <a:spcBef>
+                <a:spcPts val="0"/>
+              </a:spcBef>
+              <a:spcAft>
+                <a:spcPts val="0"/>
+              </a:spcAft>
+              <a:buSzPts val="1400"/>
+              <a:buChar char="■"/>
+              <a:defRPr/>
+            </a:lvl9pPr>
+          </a:lstStyle>
+          <a:p/>
+        </p:txBody>
+      </p:sp>
+      <p:sp>
+        <p:nvSpPr>
+          <p:cNvPr id="16" name="Google Shape;16;p10"/>
           <p:cNvSpPr txBox="1"/>
           <p:nvPr>
             <p:ph idx="12" type="sldNum"/>
@@ -2389,47 +3543,249 @@
           <a:prstGeom prst="rect">
             <a:avLst/>
           </a:prstGeom>
+          <a:noFill/>
+          <a:ln>
+            <a:noFill/>
+          </a:ln>
         </p:spPr>
         <p:txBody>
           <a:bodyPr anchorCtr="0" anchor="ctr" bIns="91425" lIns="91425" spcFirstLastPara="1" rIns="91425" wrap="square" tIns="91425">
             <a:normAutofit/>
           </a:bodyPr>
           <a:lstStyle>
-            <a:lvl1pPr lvl="0">
-              <a:buNone/>
-              <a:defRPr/>
+            <a:lvl1pPr indent="0" lvl="0" marL="0" marR="0" algn="r">
+              <a:lnSpc>
+                <a:spcPct val="100000"/>
+              </a:lnSpc>
+              <a:spcBef>
+                <a:spcPts val="0"/>
+              </a:spcBef>
+              <a:spcAft>
+                <a:spcPts val="0"/>
+              </a:spcAft>
+              <a:buClr>
+                <a:srgbClr val="000000"/>
+              </a:buClr>
+              <a:buSzPts val="1000"/>
+              <a:buFont typeface="Arial"/>
+              <a:buNone/>
+              <a:defRPr b="0" i="0" sz="1000" u="none" cap="none" strike="noStrike">
+                <a:solidFill>
+                  <a:schemeClr val="lt2"/>
+                </a:solidFill>
+                <a:latin typeface="Arial"/>
+                <a:ea typeface="Arial"/>
+                <a:cs typeface="Arial"/>
+                <a:sym typeface="Arial"/>
+              </a:defRPr>
             </a:lvl1pPr>
-            <a:lvl2pPr lvl="1">
-              <a:buNone/>
-              <a:defRPr/>
+            <a:lvl2pPr indent="0" lvl="1" marL="0" marR="0" algn="r">
+              <a:lnSpc>
+                <a:spcPct val="100000"/>
+              </a:lnSpc>
+              <a:spcBef>
+                <a:spcPts val="0"/>
+              </a:spcBef>
+              <a:spcAft>
+                <a:spcPts val="0"/>
+              </a:spcAft>
+              <a:buClr>
+                <a:srgbClr val="000000"/>
+              </a:buClr>
+              <a:buSzPts val="1000"/>
+              <a:buFont typeface="Arial"/>
+              <a:buNone/>
+              <a:defRPr b="0" i="0" sz="1000" u="none" cap="none" strike="noStrike">
+                <a:solidFill>
+                  <a:schemeClr val="lt2"/>
+                </a:solidFill>
+                <a:latin typeface="Arial"/>
+                <a:ea typeface="Arial"/>
+                <a:cs typeface="Arial"/>
+                <a:sym typeface="Arial"/>
+              </a:defRPr>
             </a:lvl2pPr>
-            <a:lvl3pPr lvl="2">
-              <a:buNone/>
-              <a:defRPr/>
+            <a:lvl3pPr indent="0" lvl="2" marL="0" marR="0" algn="r">
+              <a:lnSpc>
+                <a:spcPct val="100000"/>
+              </a:lnSpc>
+              <a:spcBef>
+                <a:spcPts val="0"/>
+              </a:spcBef>
+              <a:spcAft>
+                <a:spcPts val="0"/>
+              </a:spcAft>
+              <a:buClr>
+                <a:srgbClr val="000000"/>
+              </a:buClr>
+              <a:buSzPts val="1000"/>
+              <a:buFont typeface="Arial"/>
+              <a:buNone/>
+              <a:defRPr b="0" i="0" sz="1000" u="none" cap="none" strike="noStrike">
+                <a:solidFill>
+                  <a:schemeClr val="lt2"/>
+                </a:solidFill>
+                <a:latin typeface="Arial"/>
+                <a:ea typeface="Arial"/>
+                <a:cs typeface="Arial"/>
+                <a:sym typeface="Arial"/>
+              </a:defRPr>
             </a:lvl3pPr>
-            <a:lvl4pPr lvl="3">
-              <a:buNone/>
-              <a:defRPr/>
+            <a:lvl4pPr indent="0" lvl="3" marL="0" marR="0" algn="r">
+              <a:lnSpc>
+                <a:spcPct val="100000"/>
+              </a:lnSpc>
+              <a:spcBef>
+                <a:spcPts val="0"/>
+              </a:spcBef>
+              <a:spcAft>
+                <a:spcPts val="0"/>
+              </a:spcAft>
+              <a:buClr>
+                <a:srgbClr val="000000"/>
+              </a:buClr>
+              <a:buSzPts val="1000"/>
+              <a:buFont typeface="Arial"/>
+              <a:buNone/>
+              <a:defRPr b="0" i="0" sz="1000" u="none" cap="none" strike="noStrike">
+                <a:solidFill>
+                  <a:schemeClr val="lt2"/>
+                </a:solidFill>
+                <a:latin typeface="Arial"/>
+                <a:ea typeface="Arial"/>
+                <a:cs typeface="Arial"/>
+                <a:sym typeface="Arial"/>
+              </a:defRPr>
             </a:lvl4pPr>
-            <a:lvl5pPr lvl="4">
-              <a:buNone/>
-              <a:defRPr/>
+            <a:lvl5pPr indent="0" lvl="4" marL="0" marR="0" algn="r">
+              <a:lnSpc>
+                <a:spcPct val="100000"/>
+              </a:lnSpc>
+              <a:spcBef>
+                <a:spcPts val="0"/>
+              </a:spcBef>
+              <a:spcAft>
+                <a:spcPts val="0"/>
+              </a:spcAft>
+              <a:buClr>
+                <a:srgbClr val="000000"/>
+              </a:buClr>
+              <a:buSzPts val="1000"/>
+              <a:buFont typeface="Arial"/>
+              <a:buNone/>
+              <a:defRPr b="0" i="0" sz="1000" u="none" cap="none" strike="noStrike">
+                <a:solidFill>
+                  <a:schemeClr val="lt2"/>
+                </a:solidFill>
+                <a:latin typeface="Arial"/>
+                <a:ea typeface="Arial"/>
+                <a:cs typeface="Arial"/>
+                <a:sym typeface="Arial"/>
+              </a:defRPr>
             </a:lvl5pPr>
-            <a:lvl6pPr lvl="5">
-              <a:buNone/>
-              <a:defRPr/>
+            <a:lvl6pPr indent="0" lvl="5" marL="0" marR="0" algn="r">
+              <a:lnSpc>
+                <a:spcPct val="100000"/>
+              </a:lnSpc>
+              <a:spcBef>
+                <a:spcPts val="0"/>
+              </a:spcBef>
+              <a:spcAft>
+                <a:spcPts val="0"/>
+              </a:spcAft>
+              <a:buClr>
+                <a:srgbClr val="000000"/>
+              </a:buClr>
+              <a:buSzPts val="1000"/>
+              <a:buFont typeface="Arial"/>
+              <a:buNone/>
+              <a:defRPr b="0" i="0" sz="1000" u="none" cap="none" strike="noStrike">
+                <a:solidFill>
+                  <a:schemeClr val="lt2"/>
+                </a:solidFill>
+                <a:latin typeface="Arial"/>
+                <a:ea typeface="Arial"/>
+                <a:cs typeface="Arial"/>
+                <a:sym typeface="Arial"/>
+              </a:defRPr>
             </a:lvl6pPr>
-            <a:lvl7pPr lvl="6">
-              <a:buNone/>
-              <a:defRPr/>
+            <a:lvl7pPr indent="0" lvl="6" marL="0" marR="0" algn="r">
+              <a:lnSpc>
+                <a:spcPct val="100000"/>
+              </a:lnSpc>
+              <a:spcBef>
+                <a:spcPts val="0"/>
+              </a:spcBef>
+              <a:spcAft>
+                <a:spcPts val="0"/>
+              </a:spcAft>
+              <a:buClr>
+                <a:srgbClr val="000000"/>
+              </a:buClr>
+              <a:buSzPts val="1000"/>
+              <a:buFont typeface="Arial"/>
+              <a:buNone/>
+              <a:defRPr b="0" i="0" sz="1000" u="none" cap="none" strike="noStrike">
+                <a:solidFill>
+                  <a:schemeClr val="lt2"/>
+                </a:solidFill>
+                <a:latin typeface="Arial"/>
+                <a:ea typeface="Arial"/>
+                <a:cs typeface="Arial"/>
+                <a:sym typeface="Arial"/>
+              </a:defRPr>
             </a:lvl7pPr>
-            <a:lvl8pPr lvl="7">
-              <a:buNone/>
-              <a:defRPr/>
+            <a:lvl8pPr indent="0" lvl="7" marL="0" marR="0" algn="r">
+              <a:lnSpc>
+                <a:spcPct val="100000"/>
+              </a:lnSpc>
+              <a:spcBef>
+                <a:spcPts val="0"/>
+              </a:spcBef>
+              <a:spcAft>
+                <a:spcPts val="0"/>
+              </a:spcAft>
+              <a:buClr>
+                <a:srgbClr val="000000"/>
+              </a:buClr>
+              <a:buSzPts val="1000"/>
+              <a:buFont typeface="Arial"/>
+              <a:buNone/>
+              <a:defRPr b="0" i="0" sz="1000" u="none" cap="none" strike="noStrike">
+                <a:solidFill>
+                  <a:schemeClr val="lt2"/>
+                </a:solidFill>
+                <a:latin typeface="Arial"/>
+                <a:ea typeface="Arial"/>
+                <a:cs typeface="Arial"/>
+                <a:sym typeface="Arial"/>
+              </a:defRPr>
             </a:lvl8pPr>
-            <a:lvl9pPr lvl="8">
-              <a:buNone/>
-              <a:defRPr/>
+            <a:lvl9pPr indent="0" lvl="8" marL="0" marR="0" algn="r">
+              <a:lnSpc>
+                <a:spcPct val="100000"/>
+              </a:lnSpc>
+              <a:spcBef>
+                <a:spcPts val="0"/>
+              </a:spcBef>
+              <a:spcAft>
+                <a:spcPts val="0"/>
+              </a:spcAft>
+              <a:buClr>
+                <a:srgbClr val="000000"/>
+              </a:buClr>
+              <a:buSzPts val="1000"/>
+              <a:buFont typeface="Arial"/>
+              <a:buNone/>
+              <a:defRPr b="0" i="0" sz="1000" u="none" cap="none" strike="noStrike">
+                <a:solidFill>
+                  <a:schemeClr val="lt2"/>
+                </a:solidFill>
+                <a:latin typeface="Arial"/>
+                <a:ea typeface="Arial"/>
+                <a:cs typeface="Arial"/>
+                <a:sym typeface="Arial"/>
+              </a:defRPr>
             </a:lvl9pPr>
           </a:lstStyle>
           <a:p>
@@ -2459,11 +3815,11 @@
 </file>
 
 <file path=ppt/slideLayouts/slideLayout3.xml><?xml version="1.0" encoding="utf-8"?>
-<p:sldLayout xmlns:a="http://schemas.openxmlformats.org/drawingml/2006/main" xmlns:r="http://schemas.openxmlformats.org/officeDocument/2006/relationships" xmlns:mc="http://schemas.openxmlformats.org/markup-compatibility/2006" xmlns:mv="urn:schemas-microsoft-com:mac:vml" xmlns:p="http://schemas.openxmlformats.org/presentationml/2006/main" xmlns:c="http://schemas.openxmlformats.org/drawingml/2006/chart" xmlns:dgm="http://schemas.openxmlformats.org/drawingml/2006/diagram" xmlns:o="urn:schemas-microsoft-com:office:office" xmlns:v="urn:schemas-microsoft-com:vml" xmlns:pvml="urn:schemas-microsoft-com:office:powerpoint" xmlns:com="http://schemas.openxmlformats.org/drawingml/2006/compatibility" xmlns:p14="http://schemas.microsoft.com/office/powerpoint/2010/main" xmlns:p15="http://schemas.microsoft.com/office/powerpoint/2012/main" xmlns:ahyp="http://schemas.microsoft.com/office/drawing/2018/hyperlinkcolor" matchingName="Title and body" type="tx">
-  <p:cSld name="TITLE_AND_BODY">
+<p:sldLayout xmlns:a="http://schemas.openxmlformats.org/drawingml/2006/main" xmlns:r="http://schemas.openxmlformats.org/officeDocument/2006/relationships" xmlns:mc="http://schemas.openxmlformats.org/markup-compatibility/2006" xmlns:mv="urn:schemas-microsoft-com:mac:vml" xmlns:p="http://schemas.openxmlformats.org/presentationml/2006/main" xmlns:c="http://schemas.openxmlformats.org/drawingml/2006/chart" xmlns:dgm="http://schemas.openxmlformats.org/drawingml/2006/diagram" xmlns:o="urn:schemas-microsoft-com:office:office" xmlns:v="urn:schemas-microsoft-com:vml" xmlns:pvml="urn:schemas-microsoft-com:office:powerpoint" xmlns:com="http://schemas.openxmlformats.org/drawingml/2006/compatibility" xmlns:p14="http://schemas.microsoft.com/office/powerpoint/2010/main" xmlns:p15="http://schemas.microsoft.com/office/powerpoint/2012/main" xmlns:ahyp="http://schemas.microsoft.com/office/drawing/2018/hyperlinkcolor" matchingName="Section header" type="secHead">
+  <p:cSld name="SECTION_HEADER">
     <p:spTree>
       <p:nvGrpSpPr>
-        <p:cNvPr id="16" name="Shape 16"/>
+        <p:cNvPr id="17" name="Shape 17"/>
         <p:cNvGrpSpPr/>
         <p:nvPr/>
       </p:nvGrpSpPr>
@@ -2477,7 +3833,7 @@
       </p:grpSpPr>
       <p:sp>
         <p:nvSpPr>
-          <p:cNvPr id="17" name="Google Shape;17;p4"/>
+          <p:cNvPr id="18" name="Google Shape;18;p11"/>
           <p:cNvSpPr txBox="1"/>
           <p:nvPr>
             <p:ph type="title"/>
@@ -2485,116 +3841,147 @@
         </p:nvSpPr>
         <p:spPr>
           <a:xfrm>
-            <a:off x="311700" y="445025"/>
-            <a:ext cx="8520600" cy="572700"/>
+            <a:off x="311700" y="2150850"/>
+            <a:ext cx="8520600" cy="841800"/>
           </a:xfrm>
           <a:prstGeom prst="rect">
             <a:avLst/>
           </a:prstGeom>
+          <a:noFill/>
+          <a:ln>
+            <a:noFill/>
+          </a:ln>
         </p:spPr>
         <p:txBody>
-          <a:bodyPr anchorCtr="0" anchor="t" bIns="91425" lIns="91425" spcFirstLastPara="1" rIns="91425" wrap="square" tIns="91425">
+          <a:bodyPr anchorCtr="0" anchor="ctr" bIns="91425" lIns="91425" spcFirstLastPara="1" rIns="91425" wrap="square" tIns="91425">
             <a:normAutofit/>
           </a:bodyPr>
           <a:lstStyle>
-            <a:lvl1pPr lvl="0">
-              <a:spcBef>
-                <a:spcPts val="0"/>
-              </a:spcBef>
-              <a:spcAft>
-                <a:spcPts val="0"/>
-              </a:spcAft>
-              <a:buSzPts val="2800"/>
-              <a:buNone/>
-              <a:defRPr/>
+            <a:lvl1pPr lvl="0" algn="ctr">
+              <a:lnSpc>
+                <a:spcPct val="100000"/>
+              </a:lnSpc>
+              <a:spcBef>
+                <a:spcPts val="0"/>
+              </a:spcBef>
+              <a:spcAft>
+                <a:spcPts val="0"/>
+              </a:spcAft>
+              <a:buSzPts val="3600"/>
+              <a:buNone/>
+              <a:defRPr sz="3600"/>
             </a:lvl1pPr>
-            <a:lvl2pPr lvl="1">
-              <a:spcBef>
-                <a:spcPts val="0"/>
-              </a:spcBef>
-              <a:spcAft>
-                <a:spcPts val="0"/>
-              </a:spcAft>
-              <a:buSzPts val="2800"/>
-              <a:buNone/>
-              <a:defRPr/>
+            <a:lvl2pPr lvl="1" algn="ctr">
+              <a:lnSpc>
+                <a:spcPct val="100000"/>
+              </a:lnSpc>
+              <a:spcBef>
+                <a:spcPts val="0"/>
+              </a:spcBef>
+              <a:spcAft>
+                <a:spcPts val="0"/>
+              </a:spcAft>
+              <a:buSzPts val="3600"/>
+              <a:buNone/>
+              <a:defRPr sz="3600"/>
             </a:lvl2pPr>
-            <a:lvl3pPr lvl="2">
-              <a:spcBef>
-                <a:spcPts val="0"/>
-              </a:spcBef>
-              <a:spcAft>
-                <a:spcPts val="0"/>
-              </a:spcAft>
-              <a:buSzPts val="2800"/>
-              <a:buNone/>
-              <a:defRPr/>
+            <a:lvl3pPr lvl="2" algn="ctr">
+              <a:lnSpc>
+                <a:spcPct val="100000"/>
+              </a:lnSpc>
+              <a:spcBef>
+                <a:spcPts val="0"/>
+              </a:spcBef>
+              <a:spcAft>
+                <a:spcPts val="0"/>
+              </a:spcAft>
+              <a:buSzPts val="3600"/>
+              <a:buNone/>
+              <a:defRPr sz="3600"/>
             </a:lvl3pPr>
-            <a:lvl4pPr lvl="3">
-              <a:spcBef>
-                <a:spcPts val="0"/>
-              </a:spcBef>
-              <a:spcAft>
-                <a:spcPts val="0"/>
-              </a:spcAft>
-              <a:buSzPts val="2800"/>
-              <a:buNone/>
-              <a:defRPr/>
+            <a:lvl4pPr lvl="3" algn="ctr">
+              <a:lnSpc>
+                <a:spcPct val="100000"/>
+              </a:lnSpc>
+              <a:spcBef>
+                <a:spcPts val="0"/>
+              </a:spcBef>
+              <a:spcAft>
+                <a:spcPts val="0"/>
+              </a:spcAft>
+              <a:buSzPts val="3600"/>
+              <a:buNone/>
+              <a:defRPr sz="3600"/>
             </a:lvl4pPr>
-            <a:lvl5pPr lvl="4">
-              <a:spcBef>
-                <a:spcPts val="0"/>
-              </a:spcBef>
-              <a:spcAft>
-                <a:spcPts val="0"/>
-              </a:spcAft>
-              <a:buSzPts val="2800"/>
-              <a:buNone/>
-              <a:defRPr/>
+            <a:lvl5pPr lvl="4" algn="ctr">
+              <a:lnSpc>
+                <a:spcPct val="100000"/>
+              </a:lnSpc>
+              <a:spcBef>
+                <a:spcPts val="0"/>
+              </a:spcBef>
+              <a:spcAft>
+                <a:spcPts val="0"/>
+              </a:spcAft>
+              <a:buSzPts val="3600"/>
+              <a:buNone/>
+              <a:defRPr sz="3600"/>
             </a:lvl5pPr>
-            <a:lvl6pPr lvl="5">
-              <a:spcBef>
-                <a:spcPts val="0"/>
-              </a:spcBef>
-              <a:spcAft>
-                <a:spcPts val="0"/>
-              </a:spcAft>
-              <a:buSzPts val="2800"/>
-              <a:buNone/>
-              <a:defRPr/>
+            <a:lvl6pPr lvl="5" algn="ctr">
+              <a:lnSpc>
+                <a:spcPct val="100000"/>
+              </a:lnSpc>
+              <a:spcBef>
+                <a:spcPts val="0"/>
+              </a:spcBef>
+              <a:spcAft>
+                <a:spcPts val="0"/>
+              </a:spcAft>
+              <a:buSzPts val="3600"/>
+              <a:buNone/>
+              <a:defRPr sz="3600"/>
             </a:lvl6pPr>
-            <a:lvl7pPr lvl="6">
-              <a:spcBef>
-                <a:spcPts val="0"/>
-              </a:spcBef>
-              <a:spcAft>
-                <a:spcPts val="0"/>
-              </a:spcAft>
-              <a:buSzPts val="2800"/>
-              <a:buNone/>
-              <a:defRPr/>
+            <a:lvl7pPr lvl="6" algn="ctr">
+              <a:lnSpc>
+                <a:spcPct val="100000"/>
+              </a:lnSpc>
+              <a:spcBef>
+                <a:spcPts val="0"/>
+              </a:spcBef>
+              <a:spcAft>
+                <a:spcPts val="0"/>
+              </a:spcAft>
+              <a:buSzPts val="3600"/>
+              <a:buNone/>
+              <a:defRPr sz="3600"/>
             </a:lvl7pPr>
-            <a:lvl8pPr lvl="7">
-              <a:spcBef>
-                <a:spcPts val="0"/>
-              </a:spcBef>
-              <a:spcAft>
-                <a:spcPts val="0"/>
-              </a:spcAft>
-              <a:buSzPts val="2800"/>
-              <a:buNone/>
-              <a:defRPr/>
+            <a:lvl8pPr lvl="7" algn="ctr">
+              <a:lnSpc>
+                <a:spcPct val="100000"/>
+              </a:lnSpc>
+              <a:spcBef>
+                <a:spcPts val="0"/>
+              </a:spcBef>
+              <a:spcAft>
+                <a:spcPts val="0"/>
+              </a:spcAft>
+              <a:buSzPts val="3600"/>
+              <a:buNone/>
+              <a:defRPr sz="3600"/>
             </a:lvl8pPr>
-            <a:lvl9pPr lvl="8">
-              <a:spcBef>
-                <a:spcPts val="0"/>
-              </a:spcBef>
-              <a:spcAft>
-                <a:spcPts val="0"/>
-              </a:spcAft>
-              <a:buSzPts val="2800"/>
-              <a:buNone/>
-              <a:defRPr/>
+            <a:lvl9pPr lvl="8" algn="ctr">
+              <a:lnSpc>
+                <a:spcPct val="100000"/>
+              </a:lnSpc>
+              <a:spcBef>
+                <a:spcPts val="0"/>
+              </a:spcBef>
+              <a:spcAft>
+                <a:spcPts val="0"/>
+              </a:spcAft>
+              <a:buSzPts val="3600"/>
+              <a:buNone/>
+              <a:defRPr sz="3600"/>
             </a:lvl9pPr>
           </a:lstStyle>
           <a:p/>
@@ -2602,132 +3989,7 @@
       </p:sp>
       <p:sp>
         <p:nvSpPr>
-          <p:cNvPr id="18" name="Google Shape;18;p4"/>
-          <p:cNvSpPr txBox="1"/>
-          <p:nvPr>
-            <p:ph idx="1" type="body"/>
-          </p:nvPr>
-        </p:nvSpPr>
-        <p:spPr>
-          <a:xfrm>
-            <a:off x="311700" y="1152475"/>
-            <a:ext cx="8520600" cy="3416400"/>
-          </a:xfrm>
-          <a:prstGeom prst="rect">
-            <a:avLst/>
-          </a:prstGeom>
-        </p:spPr>
-        <p:txBody>
-          <a:bodyPr anchorCtr="0" anchor="t" bIns="91425" lIns="91425" spcFirstLastPara="1" rIns="91425" wrap="square" tIns="91425">
-            <a:normAutofit/>
-          </a:bodyPr>
-          <a:lstStyle>
-            <a:lvl1pPr indent="-342900" lvl="0" marL="457200">
-              <a:spcBef>
-                <a:spcPts val="0"/>
-              </a:spcBef>
-              <a:spcAft>
-                <a:spcPts val="0"/>
-              </a:spcAft>
-              <a:buSzPts val="1800"/>
-              <a:buChar char="●"/>
-              <a:defRPr/>
-            </a:lvl1pPr>
-            <a:lvl2pPr indent="-317500" lvl="1" marL="914400">
-              <a:spcBef>
-                <a:spcPts val="0"/>
-              </a:spcBef>
-              <a:spcAft>
-                <a:spcPts val="0"/>
-              </a:spcAft>
-              <a:buSzPts val="1400"/>
-              <a:buChar char="○"/>
-              <a:defRPr/>
-            </a:lvl2pPr>
-            <a:lvl3pPr indent="-317500" lvl="2" marL="1371600">
-              <a:spcBef>
-                <a:spcPts val="0"/>
-              </a:spcBef>
-              <a:spcAft>
-                <a:spcPts val="0"/>
-              </a:spcAft>
-              <a:buSzPts val="1400"/>
-              <a:buChar char="■"/>
-              <a:defRPr/>
-            </a:lvl3pPr>
-            <a:lvl4pPr indent="-317500" lvl="3" marL="1828800">
-              <a:spcBef>
-                <a:spcPts val="0"/>
-              </a:spcBef>
-              <a:spcAft>
-                <a:spcPts val="0"/>
-              </a:spcAft>
-              <a:buSzPts val="1400"/>
-              <a:buChar char="●"/>
-              <a:defRPr/>
-            </a:lvl4pPr>
-            <a:lvl5pPr indent="-317500" lvl="4" marL="2286000">
-              <a:spcBef>
-                <a:spcPts val="0"/>
-              </a:spcBef>
-              <a:spcAft>
-                <a:spcPts val="0"/>
-              </a:spcAft>
-              <a:buSzPts val="1400"/>
-              <a:buChar char="○"/>
-              <a:defRPr/>
-            </a:lvl5pPr>
-            <a:lvl6pPr indent="-317500" lvl="5" marL="2743200">
-              <a:spcBef>
-                <a:spcPts val="0"/>
-              </a:spcBef>
-              <a:spcAft>
-                <a:spcPts val="0"/>
-              </a:spcAft>
-              <a:buSzPts val="1400"/>
-              <a:buChar char="■"/>
-              <a:defRPr/>
-            </a:lvl6pPr>
-            <a:lvl7pPr indent="-317500" lvl="6" marL="3200400">
-              <a:spcBef>
-                <a:spcPts val="0"/>
-              </a:spcBef>
-              <a:spcAft>
-                <a:spcPts val="0"/>
-              </a:spcAft>
-              <a:buSzPts val="1400"/>
-              <a:buChar char="●"/>
-              <a:defRPr/>
-            </a:lvl7pPr>
-            <a:lvl8pPr indent="-317500" lvl="7" marL="3657600">
-              <a:spcBef>
-                <a:spcPts val="0"/>
-              </a:spcBef>
-              <a:spcAft>
-                <a:spcPts val="0"/>
-              </a:spcAft>
-              <a:buSzPts val="1400"/>
-              <a:buChar char="○"/>
-              <a:defRPr/>
-            </a:lvl8pPr>
-            <a:lvl9pPr indent="-317500" lvl="8" marL="4114800">
-              <a:spcBef>
-                <a:spcPts val="0"/>
-              </a:spcBef>
-              <a:spcAft>
-                <a:spcPts val="0"/>
-              </a:spcAft>
-              <a:buSzPts val="1400"/>
-              <a:buChar char="■"/>
-              <a:defRPr/>
-            </a:lvl9pPr>
-          </a:lstStyle>
-          <a:p/>
-        </p:txBody>
-      </p:sp>
-      <p:sp>
-        <p:nvSpPr>
-          <p:cNvPr id="19" name="Google Shape;19;p4"/>
+          <p:cNvPr id="19" name="Google Shape;19;p11"/>
           <p:cNvSpPr txBox="1"/>
           <p:nvPr>
             <p:ph idx="12" type="sldNum"/>
@@ -2741,47 +4003,249 @@
           <a:prstGeom prst="rect">
             <a:avLst/>
           </a:prstGeom>
+          <a:noFill/>
+          <a:ln>
+            <a:noFill/>
+          </a:ln>
         </p:spPr>
         <p:txBody>
           <a:bodyPr anchorCtr="0" anchor="ctr" bIns="91425" lIns="91425" spcFirstLastPara="1" rIns="91425" wrap="square" tIns="91425">
             <a:normAutofit/>
           </a:bodyPr>
           <a:lstStyle>
-            <a:lvl1pPr lvl="0">
-              <a:buNone/>
-              <a:defRPr/>
+            <a:lvl1pPr indent="0" lvl="0" marL="0" marR="0" algn="r">
+              <a:lnSpc>
+                <a:spcPct val="100000"/>
+              </a:lnSpc>
+              <a:spcBef>
+                <a:spcPts val="0"/>
+              </a:spcBef>
+              <a:spcAft>
+                <a:spcPts val="0"/>
+              </a:spcAft>
+              <a:buClr>
+                <a:srgbClr val="000000"/>
+              </a:buClr>
+              <a:buSzPts val="1000"/>
+              <a:buFont typeface="Arial"/>
+              <a:buNone/>
+              <a:defRPr b="0" i="0" sz="1000" u="none" cap="none" strike="noStrike">
+                <a:solidFill>
+                  <a:schemeClr val="lt2"/>
+                </a:solidFill>
+                <a:latin typeface="Arial"/>
+                <a:ea typeface="Arial"/>
+                <a:cs typeface="Arial"/>
+                <a:sym typeface="Arial"/>
+              </a:defRPr>
             </a:lvl1pPr>
-            <a:lvl2pPr lvl="1">
-              <a:buNone/>
-              <a:defRPr/>
+            <a:lvl2pPr indent="0" lvl="1" marL="0" marR="0" algn="r">
+              <a:lnSpc>
+                <a:spcPct val="100000"/>
+              </a:lnSpc>
+              <a:spcBef>
+                <a:spcPts val="0"/>
+              </a:spcBef>
+              <a:spcAft>
+                <a:spcPts val="0"/>
+              </a:spcAft>
+              <a:buClr>
+                <a:srgbClr val="000000"/>
+              </a:buClr>
+              <a:buSzPts val="1000"/>
+              <a:buFont typeface="Arial"/>
+              <a:buNone/>
+              <a:defRPr b="0" i="0" sz="1000" u="none" cap="none" strike="noStrike">
+                <a:solidFill>
+                  <a:schemeClr val="lt2"/>
+                </a:solidFill>
+                <a:latin typeface="Arial"/>
+                <a:ea typeface="Arial"/>
+                <a:cs typeface="Arial"/>
+                <a:sym typeface="Arial"/>
+              </a:defRPr>
             </a:lvl2pPr>
-            <a:lvl3pPr lvl="2">
-              <a:buNone/>
-              <a:defRPr/>
+            <a:lvl3pPr indent="0" lvl="2" marL="0" marR="0" algn="r">
+              <a:lnSpc>
+                <a:spcPct val="100000"/>
+              </a:lnSpc>
+              <a:spcBef>
+                <a:spcPts val="0"/>
+              </a:spcBef>
+              <a:spcAft>
+                <a:spcPts val="0"/>
+              </a:spcAft>
+              <a:buClr>
+                <a:srgbClr val="000000"/>
+              </a:buClr>
+              <a:buSzPts val="1000"/>
+              <a:buFont typeface="Arial"/>
+              <a:buNone/>
+              <a:defRPr b="0" i="0" sz="1000" u="none" cap="none" strike="noStrike">
+                <a:solidFill>
+                  <a:schemeClr val="lt2"/>
+                </a:solidFill>
+                <a:latin typeface="Arial"/>
+                <a:ea typeface="Arial"/>
+                <a:cs typeface="Arial"/>
+                <a:sym typeface="Arial"/>
+              </a:defRPr>
             </a:lvl3pPr>
-            <a:lvl4pPr lvl="3">
-              <a:buNone/>
-              <a:defRPr/>
+            <a:lvl4pPr indent="0" lvl="3" marL="0" marR="0" algn="r">
+              <a:lnSpc>
+                <a:spcPct val="100000"/>
+              </a:lnSpc>
+              <a:spcBef>
+                <a:spcPts val="0"/>
+              </a:spcBef>
+              <a:spcAft>
+                <a:spcPts val="0"/>
+              </a:spcAft>
+              <a:buClr>
+                <a:srgbClr val="000000"/>
+              </a:buClr>
+              <a:buSzPts val="1000"/>
+              <a:buFont typeface="Arial"/>
+              <a:buNone/>
+              <a:defRPr b="0" i="0" sz="1000" u="none" cap="none" strike="noStrike">
+                <a:solidFill>
+                  <a:schemeClr val="lt2"/>
+                </a:solidFill>
+                <a:latin typeface="Arial"/>
+                <a:ea typeface="Arial"/>
+                <a:cs typeface="Arial"/>
+                <a:sym typeface="Arial"/>
+              </a:defRPr>
             </a:lvl4pPr>
-            <a:lvl5pPr lvl="4">
-              <a:buNone/>
-              <a:defRPr/>
+            <a:lvl5pPr indent="0" lvl="4" marL="0" marR="0" algn="r">
+              <a:lnSpc>
+                <a:spcPct val="100000"/>
+              </a:lnSpc>
+              <a:spcBef>
+                <a:spcPts val="0"/>
+              </a:spcBef>
+              <a:spcAft>
+                <a:spcPts val="0"/>
+              </a:spcAft>
+              <a:buClr>
+                <a:srgbClr val="000000"/>
+              </a:buClr>
+              <a:buSzPts val="1000"/>
+              <a:buFont typeface="Arial"/>
+              <a:buNone/>
+              <a:defRPr b="0" i="0" sz="1000" u="none" cap="none" strike="noStrike">
+                <a:solidFill>
+                  <a:schemeClr val="lt2"/>
+                </a:solidFill>
+                <a:latin typeface="Arial"/>
+                <a:ea typeface="Arial"/>
+                <a:cs typeface="Arial"/>
+                <a:sym typeface="Arial"/>
+              </a:defRPr>
             </a:lvl5pPr>
-            <a:lvl6pPr lvl="5">
-              <a:buNone/>
-              <a:defRPr/>
+            <a:lvl6pPr indent="0" lvl="5" marL="0" marR="0" algn="r">
+              <a:lnSpc>
+                <a:spcPct val="100000"/>
+              </a:lnSpc>
+              <a:spcBef>
+                <a:spcPts val="0"/>
+              </a:spcBef>
+              <a:spcAft>
+                <a:spcPts val="0"/>
+              </a:spcAft>
+              <a:buClr>
+                <a:srgbClr val="000000"/>
+              </a:buClr>
+              <a:buSzPts val="1000"/>
+              <a:buFont typeface="Arial"/>
+              <a:buNone/>
+              <a:defRPr b="0" i="0" sz="1000" u="none" cap="none" strike="noStrike">
+                <a:solidFill>
+                  <a:schemeClr val="lt2"/>
+                </a:solidFill>
+                <a:latin typeface="Arial"/>
+                <a:ea typeface="Arial"/>
+                <a:cs typeface="Arial"/>
+                <a:sym typeface="Arial"/>
+              </a:defRPr>
             </a:lvl6pPr>
-            <a:lvl7pPr lvl="6">
-              <a:buNone/>
-              <a:defRPr/>
+            <a:lvl7pPr indent="0" lvl="6" marL="0" marR="0" algn="r">
+              <a:lnSpc>
+                <a:spcPct val="100000"/>
+              </a:lnSpc>
+              <a:spcBef>
+                <a:spcPts val="0"/>
+              </a:spcBef>
+              <a:spcAft>
+                <a:spcPts val="0"/>
+              </a:spcAft>
+              <a:buClr>
+                <a:srgbClr val="000000"/>
+              </a:buClr>
+              <a:buSzPts val="1000"/>
+              <a:buFont typeface="Arial"/>
+              <a:buNone/>
+              <a:defRPr b="0" i="0" sz="1000" u="none" cap="none" strike="noStrike">
+                <a:solidFill>
+                  <a:schemeClr val="lt2"/>
+                </a:solidFill>
+                <a:latin typeface="Arial"/>
+                <a:ea typeface="Arial"/>
+                <a:cs typeface="Arial"/>
+                <a:sym typeface="Arial"/>
+              </a:defRPr>
             </a:lvl7pPr>
-            <a:lvl8pPr lvl="7">
-              <a:buNone/>
-              <a:defRPr/>
+            <a:lvl8pPr indent="0" lvl="7" marL="0" marR="0" algn="r">
+              <a:lnSpc>
+                <a:spcPct val="100000"/>
+              </a:lnSpc>
+              <a:spcBef>
+                <a:spcPts val="0"/>
+              </a:spcBef>
+              <a:spcAft>
+                <a:spcPts val="0"/>
+              </a:spcAft>
+              <a:buClr>
+                <a:srgbClr val="000000"/>
+              </a:buClr>
+              <a:buSzPts val="1000"/>
+              <a:buFont typeface="Arial"/>
+              <a:buNone/>
+              <a:defRPr b="0" i="0" sz="1000" u="none" cap="none" strike="noStrike">
+                <a:solidFill>
+                  <a:schemeClr val="lt2"/>
+                </a:solidFill>
+                <a:latin typeface="Arial"/>
+                <a:ea typeface="Arial"/>
+                <a:cs typeface="Arial"/>
+                <a:sym typeface="Arial"/>
+              </a:defRPr>
             </a:lvl8pPr>
-            <a:lvl9pPr lvl="8">
-              <a:buNone/>
-              <a:defRPr/>
+            <a:lvl9pPr indent="0" lvl="8" marL="0" marR="0" algn="r">
+              <a:lnSpc>
+                <a:spcPct val="100000"/>
+              </a:lnSpc>
+              <a:spcBef>
+                <a:spcPts val="0"/>
+              </a:spcBef>
+              <a:spcAft>
+                <a:spcPts val="0"/>
+              </a:spcAft>
+              <a:buClr>
+                <a:srgbClr val="000000"/>
+              </a:buClr>
+              <a:buSzPts val="1000"/>
+              <a:buFont typeface="Arial"/>
+              <a:buNone/>
+              <a:defRPr b="0" i="0" sz="1000" u="none" cap="none" strike="noStrike">
+                <a:solidFill>
+                  <a:schemeClr val="lt2"/>
+                </a:solidFill>
+                <a:latin typeface="Arial"/>
+                <a:ea typeface="Arial"/>
+                <a:cs typeface="Arial"/>
+                <a:sym typeface="Arial"/>
+              </a:defRPr>
             </a:lvl9pPr>
           </a:lstStyle>
           <a:p>
@@ -2829,7 +4293,7 @@
       </p:grpSpPr>
       <p:sp>
         <p:nvSpPr>
-          <p:cNvPr id="21" name="Google Shape;21;p5"/>
+          <p:cNvPr id="21" name="Google Shape;21;p12"/>
           <p:cNvSpPr txBox="1"/>
           <p:nvPr>
             <p:ph type="title"/>
@@ -2843,13 +4307,20 @@
           <a:prstGeom prst="rect">
             <a:avLst/>
           </a:prstGeom>
+          <a:noFill/>
+          <a:ln>
+            <a:noFill/>
+          </a:ln>
         </p:spPr>
         <p:txBody>
           <a:bodyPr anchorCtr="0" anchor="t" bIns="91425" lIns="91425" spcFirstLastPara="1" rIns="91425" wrap="square" tIns="91425">
             <a:normAutofit/>
           </a:bodyPr>
           <a:lstStyle>
-            <a:lvl1pPr lvl="0">
+            <a:lvl1pPr lvl="0" algn="l">
+              <a:lnSpc>
+                <a:spcPct val="100000"/>
+              </a:lnSpc>
               <a:spcBef>
                 <a:spcPts val="0"/>
               </a:spcBef>
@@ -2860,7 +4331,10 @@
               <a:buNone/>
               <a:defRPr/>
             </a:lvl1pPr>
-            <a:lvl2pPr lvl="1">
+            <a:lvl2pPr lvl="1" algn="l">
+              <a:lnSpc>
+                <a:spcPct val="100000"/>
+              </a:lnSpc>
               <a:spcBef>
                 <a:spcPts val="0"/>
               </a:spcBef>
@@ -2871,7 +4345,10 @@
               <a:buNone/>
               <a:defRPr/>
             </a:lvl2pPr>
-            <a:lvl3pPr lvl="2">
+            <a:lvl3pPr lvl="2" algn="l">
+              <a:lnSpc>
+                <a:spcPct val="100000"/>
+              </a:lnSpc>
               <a:spcBef>
                 <a:spcPts val="0"/>
               </a:spcBef>
@@ -2882,7 +4359,10 @@
               <a:buNone/>
               <a:defRPr/>
             </a:lvl3pPr>
-            <a:lvl4pPr lvl="3">
+            <a:lvl4pPr lvl="3" algn="l">
+              <a:lnSpc>
+                <a:spcPct val="100000"/>
+              </a:lnSpc>
               <a:spcBef>
                 <a:spcPts val="0"/>
               </a:spcBef>
@@ -2893,7 +4373,10 @@
               <a:buNone/>
               <a:defRPr/>
             </a:lvl4pPr>
-            <a:lvl5pPr lvl="4">
+            <a:lvl5pPr lvl="4" algn="l">
+              <a:lnSpc>
+                <a:spcPct val="100000"/>
+              </a:lnSpc>
               <a:spcBef>
                 <a:spcPts val="0"/>
               </a:spcBef>
@@ -2904,7 +4387,10 @@
               <a:buNone/>
               <a:defRPr/>
             </a:lvl5pPr>
-            <a:lvl6pPr lvl="5">
+            <a:lvl6pPr lvl="5" algn="l">
+              <a:lnSpc>
+                <a:spcPct val="100000"/>
+              </a:lnSpc>
               <a:spcBef>
                 <a:spcPts val="0"/>
               </a:spcBef>
@@ -2915,7 +4401,10 @@
               <a:buNone/>
               <a:defRPr/>
             </a:lvl6pPr>
-            <a:lvl7pPr lvl="6">
+            <a:lvl7pPr lvl="6" algn="l">
+              <a:lnSpc>
+                <a:spcPct val="100000"/>
+              </a:lnSpc>
               <a:spcBef>
                 <a:spcPts val="0"/>
               </a:spcBef>
@@ -2926,7 +4415,10 @@
               <a:buNone/>
               <a:defRPr/>
             </a:lvl7pPr>
-            <a:lvl8pPr lvl="7">
+            <a:lvl8pPr lvl="7" algn="l">
+              <a:lnSpc>
+                <a:spcPct val="100000"/>
+              </a:lnSpc>
               <a:spcBef>
                 <a:spcPts val="0"/>
               </a:spcBef>
@@ -2937,7 +4429,10 @@
               <a:buNone/>
               <a:defRPr/>
             </a:lvl8pPr>
-            <a:lvl9pPr lvl="8">
+            <a:lvl9pPr lvl="8" algn="l">
+              <a:lnSpc>
+                <a:spcPct val="100000"/>
+              </a:lnSpc>
               <a:spcBef>
                 <a:spcPts val="0"/>
               </a:spcBef>
@@ -2954,7 +4449,7 @@
       </p:sp>
       <p:sp>
         <p:nvSpPr>
-          <p:cNvPr id="22" name="Google Shape;22;p5"/>
+          <p:cNvPr id="22" name="Google Shape;22;p12"/>
           <p:cNvSpPr txBox="1"/>
           <p:nvPr>
             <p:ph idx="1" type="body"/>
@@ -2968,13 +4463,20 @@
           <a:prstGeom prst="rect">
             <a:avLst/>
           </a:prstGeom>
+          <a:noFill/>
+          <a:ln>
+            <a:noFill/>
+          </a:ln>
         </p:spPr>
         <p:txBody>
           <a:bodyPr anchorCtr="0" anchor="t" bIns="91425" lIns="91425" spcFirstLastPara="1" rIns="91425" wrap="square" tIns="91425">
             <a:normAutofit/>
           </a:bodyPr>
           <a:lstStyle>
-            <a:lvl1pPr indent="-317500" lvl="0" marL="457200">
+            <a:lvl1pPr indent="-317500" lvl="0" marL="457200" algn="l">
+              <a:lnSpc>
+                <a:spcPct val="115000"/>
+              </a:lnSpc>
               <a:spcBef>
                 <a:spcPts val="0"/>
               </a:spcBef>
@@ -2985,7 +4487,10 @@
               <a:buChar char="●"/>
               <a:defRPr sz="1400"/>
             </a:lvl1pPr>
-            <a:lvl2pPr indent="-304800" lvl="1" marL="914400">
+            <a:lvl2pPr indent="-304800" lvl="1" marL="914400" algn="l">
+              <a:lnSpc>
+                <a:spcPct val="115000"/>
+              </a:lnSpc>
               <a:spcBef>
                 <a:spcPts val="0"/>
               </a:spcBef>
@@ -2996,7 +4501,10 @@
               <a:buChar char="○"/>
               <a:defRPr sz="1200"/>
             </a:lvl2pPr>
-            <a:lvl3pPr indent="-304800" lvl="2" marL="1371600">
+            <a:lvl3pPr indent="-304800" lvl="2" marL="1371600" algn="l">
+              <a:lnSpc>
+                <a:spcPct val="115000"/>
+              </a:lnSpc>
               <a:spcBef>
                 <a:spcPts val="0"/>
               </a:spcBef>
@@ -3007,7 +4515,10 @@
               <a:buChar char="■"/>
               <a:defRPr sz="1200"/>
             </a:lvl3pPr>
-            <a:lvl4pPr indent="-304800" lvl="3" marL="1828800">
+            <a:lvl4pPr indent="-304800" lvl="3" marL="1828800" algn="l">
+              <a:lnSpc>
+                <a:spcPct val="115000"/>
+              </a:lnSpc>
               <a:spcBef>
                 <a:spcPts val="0"/>
               </a:spcBef>
@@ -3018,7 +4529,10 @@
               <a:buChar char="●"/>
               <a:defRPr sz="1200"/>
             </a:lvl4pPr>
-            <a:lvl5pPr indent="-304800" lvl="4" marL="2286000">
+            <a:lvl5pPr indent="-304800" lvl="4" marL="2286000" algn="l">
+              <a:lnSpc>
+                <a:spcPct val="115000"/>
+              </a:lnSpc>
               <a:spcBef>
                 <a:spcPts val="0"/>
               </a:spcBef>
@@ -3029,7 +4543,10 @@
               <a:buChar char="○"/>
               <a:defRPr sz="1200"/>
             </a:lvl5pPr>
-            <a:lvl6pPr indent="-304800" lvl="5" marL="2743200">
+            <a:lvl6pPr indent="-304800" lvl="5" marL="2743200" algn="l">
+              <a:lnSpc>
+                <a:spcPct val="115000"/>
+              </a:lnSpc>
               <a:spcBef>
                 <a:spcPts val="0"/>
               </a:spcBef>
@@ -3040,7 +4557,10 @@
               <a:buChar char="■"/>
               <a:defRPr sz="1200"/>
             </a:lvl6pPr>
-            <a:lvl7pPr indent="-304800" lvl="6" marL="3200400">
+            <a:lvl7pPr indent="-304800" lvl="6" marL="3200400" algn="l">
+              <a:lnSpc>
+                <a:spcPct val="115000"/>
+              </a:lnSpc>
               <a:spcBef>
                 <a:spcPts val="0"/>
               </a:spcBef>
@@ -3051,7 +4571,10 @@
               <a:buChar char="●"/>
               <a:defRPr sz="1200"/>
             </a:lvl7pPr>
-            <a:lvl8pPr indent="-304800" lvl="7" marL="3657600">
+            <a:lvl8pPr indent="-304800" lvl="7" marL="3657600" algn="l">
+              <a:lnSpc>
+                <a:spcPct val="115000"/>
+              </a:lnSpc>
               <a:spcBef>
                 <a:spcPts val="0"/>
               </a:spcBef>
@@ -3062,7 +4585,10 @@
               <a:buChar char="○"/>
               <a:defRPr sz="1200"/>
             </a:lvl8pPr>
-            <a:lvl9pPr indent="-304800" lvl="8" marL="4114800">
+            <a:lvl9pPr indent="-304800" lvl="8" marL="4114800" algn="l">
+              <a:lnSpc>
+                <a:spcPct val="115000"/>
+              </a:lnSpc>
               <a:spcBef>
                 <a:spcPts val="0"/>
               </a:spcBef>
@@ -3079,7 +4605,7 @@
       </p:sp>
       <p:sp>
         <p:nvSpPr>
-          <p:cNvPr id="23" name="Google Shape;23;p5"/>
+          <p:cNvPr id="23" name="Google Shape;23;p12"/>
           <p:cNvSpPr txBox="1"/>
           <p:nvPr>
             <p:ph idx="2" type="body"/>
@@ -3093,13 +4619,20 @@
           <a:prstGeom prst="rect">
             <a:avLst/>
           </a:prstGeom>
+          <a:noFill/>
+          <a:ln>
+            <a:noFill/>
+          </a:ln>
         </p:spPr>
         <p:txBody>
           <a:bodyPr anchorCtr="0" anchor="t" bIns="91425" lIns="91425" spcFirstLastPara="1" rIns="91425" wrap="square" tIns="91425">
             <a:normAutofit/>
           </a:bodyPr>
           <a:lstStyle>
-            <a:lvl1pPr indent="-317500" lvl="0" marL="457200">
+            <a:lvl1pPr indent="-317500" lvl="0" marL="457200" algn="l">
+              <a:lnSpc>
+                <a:spcPct val="115000"/>
+              </a:lnSpc>
               <a:spcBef>
                 <a:spcPts val="0"/>
               </a:spcBef>
@@ -3110,7 +4643,10 @@
               <a:buChar char="●"/>
               <a:defRPr sz="1400"/>
             </a:lvl1pPr>
-            <a:lvl2pPr indent="-304800" lvl="1" marL="914400">
+            <a:lvl2pPr indent="-304800" lvl="1" marL="914400" algn="l">
+              <a:lnSpc>
+                <a:spcPct val="115000"/>
+              </a:lnSpc>
               <a:spcBef>
                 <a:spcPts val="0"/>
               </a:spcBef>
@@ -3121,7 +4657,10 @@
               <a:buChar char="○"/>
               <a:defRPr sz="1200"/>
             </a:lvl2pPr>
-            <a:lvl3pPr indent="-304800" lvl="2" marL="1371600">
+            <a:lvl3pPr indent="-304800" lvl="2" marL="1371600" algn="l">
+              <a:lnSpc>
+                <a:spcPct val="115000"/>
+              </a:lnSpc>
               <a:spcBef>
                 <a:spcPts val="0"/>
               </a:spcBef>
@@ -3132,7 +4671,10 @@
               <a:buChar char="■"/>
               <a:defRPr sz="1200"/>
             </a:lvl3pPr>
-            <a:lvl4pPr indent="-304800" lvl="3" marL="1828800">
+            <a:lvl4pPr indent="-304800" lvl="3" marL="1828800" algn="l">
+              <a:lnSpc>
+                <a:spcPct val="115000"/>
+              </a:lnSpc>
               <a:spcBef>
                 <a:spcPts val="0"/>
               </a:spcBef>
@@ -3143,7 +4685,10 @@
               <a:buChar char="●"/>
               <a:defRPr sz="1200"/>
             </a:lvl4pPr>
-            <a:lvl5pPr indent="-304800" lvl="4" marL="2286000">
+            <a:lvl5pPr indent="-304800" lvl="4" marL="2286000" algn="l">
+              <a:lnSpc>
+                <a:spcPct val="115000"/>
+              </a:lnSpc>
               <a:spcBef>
                 <a:spcPts val="0"/>
               </a:spcBef>
@@ -3154,7 +4699,10 @@
               <a:buChar char="○"/>
               <a:defRPr sz="1200"/>
             </a:lvl5pPr>
-            <a:lvl6pPr indent="-304800" lvl="5" marL="2743200">
+            <a:lvl6pPr indent="-304800" lvl="5" marL="2743200" algn="l">
+              <a:lnSpc>
+                <a:spcPct val="115000"/>
+              </a:lnSpc>
               <a:spcBef>
                 <a:spcPts val="0"/>
               </a:spcBef>
@@ -3165,7 +4713,10 @@
               <a:buChar char="■"/>
               <a:defRPr sz="1200"/>
             </a:lvl6pPr>
-            <a:lvl7pPr indent="-304800" lvl="6" marL="3200400">
+            <a:lvl7pPr indent="-304800" lvl="6" marL="3200400" algn="l">
+              <a:lnSpc>
+                <a:spcPct val="115000"/>
+              </a:lnSpc>
               <a:spcBef>
                 <a:spcPts val="0"/>
               </a:spcBef>
@@ -3176,7 +4727,10 @@
               <a:buChar char="●"/>
               <a:defRPr sz="1200"/>
             </a:lvl7pPr>
-            <a:lvl8pPr indent="-304800" lvl="7" marL="3657600">
+            <a:lvl8pPr indent="-304800" lvl="7" marL="3657600" algn="l">
+              <a:lnSpc>
+                <a:spcPct val="115000"/>
+              </a:lnSpc>
               <a:spcBef>
                 <a:spcPts val="0"/>
               </a:spcBef>
@@ -3187,7 +4741,10 @@
               <a:buChar char="○"/>
               <a:defRPr sz="1200"/>
             </a:lvl8pPr>
-            <a:lvl9pPr indent="-304800" lvl="8" marL="4114800">
+            <a:lvl9pPr indent="-304800" lvl="8" marL="4114800" algn="l">
+              <a:lnSpc>
+                <a:spcPct val="115000"/>
+              </a:lnSpc>
               <a:spcBef>
                 <a:spcPts val="0"/>
               </a:spcBef>
@@ -3204,7 +4761,7 @@
       </p:sp>
       <p:sp>
         <p:nvSpPr>
-          <p:cNvPr id="24" name="Google Shape;24;p5"/>
+          <p:cNvPr id="24" name="Google Shape;24;p12"/>
           <p:cNvSpPr txBox="1"/>
           <p:nvPr>
             <p:ph idx="12" type="sldNum"/>
@@ -3218,47 +4775,249 @@
           <a:prstGeom prst="rect">
             <a:avLst/>
           </a:prstGeom>
+          <a:noFill/>
+          <a:ln>
+            <a:noFill/>
+          </a:ln>
         </p:spPr>
         <p:txBody>
           <a:bodyPr anchorCtr="0" anchor="ctr" bIns="91425" lIns="91425" spcFirstLastPara="1" rIns="91425" wrap="square" tIns="91425">
             <a:normAutofit/>
           </a:bodyPr>
           <a:lstStyle>
-            <a:lvl1pPr lvl="0">
-              <a:buNone/>
-              <a:defRPr/>
+            <a:lvl1pPr indent="0" lvl="0" marL="0" marR="0" algn="r">
+              <a:lnSpc>
+                <a:spcPct val="100000"/>
+              </a:lnSpc>
+              <a:spcBef>
+                <a:spcPts val="0"/>
+              </a:spcBef>
+              <a:spcAft>
+                <a:spcPts val="0"/>
+              </a:spcAft>
+              <a:buClr>
+                <a:srgbClr val="000000"/>
+              </a:buClr>
+              <a:buSzPts val="1000"/>
+              <a:buFont typeface="Arial"/>
+              <a:buNone/>
+              <a:defRPr b="0" i="0" sz="1000" u="none" cap="none" strike="noStrike">
+                <a:solidFill>
+                  <a:schemeClr val="lt2"/>
+                </a:solidFill>
+                <a:latin typeface="Arial"/>
+                <a:ea typeface="Arial"/>
+                <a:cs typeface="Arial"/>
+                <a:sym typeface="Arial"/>
+              </a:defRPr>
             </a:lvl1pPr>
-            <a:lvl2pPr lvl="1">
-              <a:buNone/>
-              <a:defRPr/>
+            <a:lvl2pPr indent="0" lvl="1" marL="0" marR="0" algn="r">
+              <a:lnSpc>
+                <a:spcPct val="100000"/>
+              </a:lnSpc>
+              <a:spcBef>
+                <a:spcPts val="0"/>
+              </a:spcBef>
+              <a:spcAft>
+                <a:spcPts val="0"/>
+              </a:spcAft>
+              <a:buClr>
+                <a:srgbClr val="000000"/>
+              </a:buClr>
+              <a:buSzPts val="1000"/>
+              <a:buFont typeface="Arial"/>
+              <a:buNone/>
+              <a:defRPr b="0" i="0" sz="1000" u="none" cap="none" strike="noStrike">
+                <a:solidFill>
+                  <a:schemeClr val="lt2"/>
+                </a:solidFill>
+                <a:latin typeface="Arial"/>
+                <a:ea typeface="Arial"/>
+                <a:cs typeface="Arial"/>
+                <a:sym typeface="Arial"/>
+              </a:defRPr>
             </a:lvl2pPr>
-            <a:lvl3pPr lvl="2">
-              <a:buNone/>
-              <a:defRPr/>
+            <a:lvl3pPr indent="0" lvl="2" marL="0" marR="0" algn="r">
+              <a:lnSpc>
+                <a:spcPct val="100000"/>
+              </a:lnSpc>
+              <a:spcBef>
+                <a:spcPts val="0"/>
+              </a:spcBef>
+              <a:spcAft>
+                <a:spcPts val="0"/>
+              </a:spcAft>
+              <a:buClr>
+                <a:srgbClr val="000000"/>
+              </a:buClr>
+              <a:buSzPts val="1000"/>
+              <a:buFont typeface="Arial"/>
+              <a:buNone/>
+              <a:defRPr b="0" i="0" sz="1000" u="none" cap="none" strike="noStrike">
+                <a:solidFill>
+                  <a:schemeClr val="lt2"/>
+                </a:solidFill>
+                <a:latin typeface="Arial"/>
+                <a:ea typeface="Arial"/>
+                <a:cs typeface="Arial"/>
+                <a:sym typeface="Arial"/>
+              </a:defRPr>
             </a:lvl3pPr>
-            <a:lvl4pPr lvl="3">
-              <a:buNone/>
-              <a:defRPr/>
+            <a:lvl4pPr indent="0" lvl="3" marL="0" marR="0" algn="r">
+              <a:lnSpc>
+                <a:spcPct val="100000"/>
+              </a:lnSpc>
+              <a:spcBef>
+                <a:spcPts val="0"/>
+              </a:spcBef>
+              <a:spcAft>
+                <a:spcPts val="0"/>
+              </a:spcAft>
+              <a:buClr>
+                <a:srgbClr val="000000"/>
+              </a:buClr>
+              <a:buSzPts val="1000"/>
+              <a:buFont typeface="Arial"/>
+              <a:buNone/>
+              <a:defRPr b="0" i="0" sz="1000" u="none" cap="none" strike="noStrike">
+                <a:solidFill>
+                  <a:schemeClr val="lt2"/>
+                </a:solidFill>
+                <a:latin typeface="Arial"/>
+                <a:ea typeface="Arial"/>
+                <a:cs typeface="Arial"/>
+                <a:sym typeface="Arial"/>
+              </a:defRPr>
             </a:lvl4pPr>
-            <a:lvl5pPr lvl="4">
-              <a:buNone/>
-              <a:defRPr/>
+            <a:lvl5pPr indent="0" lvl="4" marL="0" marR="0" algn="r">
+              <a:lnSpc>
+                <a:spcPct val="100000"/>
+              </a:lnSpc>
+              <a:spcBef>
+                <a:spcPts val="0"/>
+              </a:spcBef>
+              <a:spcAft>
+                <a:spcPts val="0"/>
+              </a:spcAft>
+              <a:buClr>
+                <a:srgbClr val="000000"/>
+              </a:buClr>
+              <a:buSzPts val="1000"/>
+              <a:buFont typeface="Arial"/>
+              <a:buNone/>
+              <a:defRPr b="0" i="0" sz="1000" u="none" cap="none" strike="noStrike">
+                <a:solidFill>
+                  <a:schemeClr val="lt2"/>
+                </a:solidFill>
+                <a:latin typeface="Arial"/>
+                <a:ea typeface="Arial"/>
+                <a:cs typeface="Arial"/>
+                <a:sym typeface="Arial"/>
+              </a:defRPr>
             </a:lvl5pPr>
-            <a:lvl6pPr lvl="5">
-              <a:buNone/>
-              <a:defRPr/>
+            <a:lvl6pPr indent="0" lvl="5" marL="0" marR="0" algn="r">
+              <a:lnSpc>
+                <a:spcPct val="100000"/>
+              </a:lnSpc>
+              <a:spcBef>
+                <a:spcPts val="0"/>
+              </a:spcBef>
+              <a:spcAft>
+                <a:spcPts val="0"/>
+              </a:spcAft>
+              <a:buClr>
+                <a:srgbClr val="000000"/>
+              </a:buClr>
+              <a:buSzPts val="1000"/>
+              <a:buFont typeface="Arial"/>
+              <a:buNone/>
+              <a:defRPr b="0" i="0" sz="1000" u="none" cap="none" strike="noStrike">
+                <a:solidFill>
+                  <a:schemeClr val="lt2"/>
+                </a:solidFill>
+                <a:latin typeface="Arial"/>
+                <a:ea typeface="Arial"/>
+                <a:cs typeface="Arial"/>
+                <a:sym typeface="Arial"/>
+              </a:defRPr>
             </a:lvl6pPr>
-            <a:lvl7pPr lvl="6">
-              <a:buNone/>
-              <a:defRPr/>
+            <a:lvl7pPr indent="0" lvl="6" marL="0" marR="0" algn="r">
+              <a:lnSpc>
+                <a:spcPct val="100000"/>
+              </a:lnSpc>
+              <a:spcBef>
+                <a:spcPts val="0"/>
+              </a:spcBef>
+              <a:spcAft>
+                <a:spcPts val="0"/>
+              </a:spcAft>
+              <a:buClr>
+                <a:srgbClr val="000000"/>
+              </a:buClr>
+              <a:buSzPts val="1000"/>
+              <a:buFont typeface="Arial"/>
+              <a:buNone/>
+              <a:defRPr b="0" i="0" sz="1000" u="none" cap="none" strike="noStrike">
+                <a:solidFill>
+                  <a:schemeClr val="lt2"/>
+                </a:solidFill>
+                <a:latin typeface="Arial"/>
+                <a:ea typeface="Arial"/>
+                <a:cs typeface="Arial"/>
+                <a:sym typeface="Arial"/>
+              </a:defRPr>
             </a:lvl7pPr>
-            <a:lvl8pPr lvl="7">
-              <a:buNone/>
-              <a:defRPr/>
+            <a:lvl8pPr indent="0" lvl="7" marL="0" marR="0" algn="r">
+              <a:lnSpc>
+                <a:spcPct val="100000"/>
+              </a:lnSpc>
+              <a:spcBef>
+                <a:spcPts val="0"/>
+              </a:spcBef>
+              <a:spcAft>
+                <a:spcPts val="0"/>
+              </a:spcAft>
+              <a:buClr>
+                <a:srgbClr val="000000"/>
+              </a:buClr>
+              <a:buSzPts val="1000"/>
+              <a:buFont typeface="Arial"/>
+              <a:buNone/>
+              <a:defRPr b="0" i="0" sz="1000" u="none" cap="none" strike="noStrike">
+                <a:solidFill>
+                  <a:schemeClr val="lt2"/>
+                </a:solidFill>
+                <a:latin typeface="Arial"/>
+                <a:ea typeface="Arial"/>
+                <a:cs typeface="Arial"/>
+                <a:sym typeface="Arial"/>
+              </a:defRPr>
             </a:lvl8pPr>
-            <a:lvl9pPr lvl="8">
-              <a:buNone/>
-              <a:defRPr/>
+            <a:lvl9pPr indent="0" lvl="8" marL="0" marR="0" algn="r">
+              <a:lnSpc>
+                <a:spcPct val="100000"/>
+              </a:lnSpc>
+              <a:spcBef>
+                <a:spcPts val="0"/>
+              </a:spcBef>
+              <a:spcAft>
+                <a:spcPts val="0"/>
+              </a:spcAft>
+              <a:buClr>
+                <a:srgbClr val="000000"/>
+              </a:buClr>
+              <a:buSzPts val="1000"/>
+              <a:buFont typeface="Arial"/>
+              <a:buNone/>
+              <a:defRPr b="0" i="0" sz="1000" u="none" cap="none" strike="noStrike">
+                <a:solidFill>
+                  <a:schemeClr val="lt2"/>
+                </a:solidFill>
+                <a:latin typeface="Arial"/>
+                <a:ea typeface="Arial"/>
+                <a:cs typeface="Arial"/>
+                <a:sym typeface="Arial"/>
+              </a:defRPr>
             </a:lvl9pPr>
           </a:lstStyle>
           <a:p>
@@ -3306,7 +5065,7 @@
       </p:grpSpPr>
       <p:sp>
         <p:nvSpPr>
-          <p:cNvPr id="26" name="Google Shape;26;p6"/>
+          <p:cNvPr id="26" name="Google Shape;26;p13"/>
           <p:cNvSpPr txBox="1"/>
           <p:nvPr>
             <p:ph type="title"/>
@@ -3320,13 +5079,20 @@
           <a:prstGeom prst="rect">
             <a:avLst/>
           </a:prstGeom>
+          <a:noFill/>
+          <a:ln>
+            <a:noFill/>
+          </a:ln>
         </p:spPr>
         <p:txBody>
           <a:bodyPr anchorCtr="0" anchor="t" bIns="91425" lIns="91425" spcFirstLastPara="1" rIns="91425" wrap="square" tIns="91425">
             <a:normAutofit/>
           </a:bodyPr>
           <a:lstStyle>
-            <a:lvl1pPr lvl="0">
+            <a:lvl1pPr lvl="0" algn="l">
+              <a:lnSpc>
+                <a:spcPct val="100000"/>
+              </a:lnSpc>
               <a:spcBef>
                 <a:spcPts val="0"/>
               </a:spcBef>
@@ -3337,7 +5103,10 @@
               <a:buNone/>
               <a:defRPr/>
             </a:lvl1pPr>
-            <a:lvl2pPr lvl="1">
+            <a:lvl2pPr lvl="1" algn="l">
+              <a:lnSpc>
+                <a:spcPct val="100000"/>
+              </a:lnSpc>
               <a:spcBef>
                 <a:spcPts val="0"/>
               </a:spcBef>
@@ -3348,7 +5117,10 @@
               <a:buNone/>
               <a:defRPr/>
             </a:lvl2pPr>
-            <a:lvl3pPr lvl="2">
+            <a:lvl3pPr lvl="2" algn="l">
+              <a:lnSpc>
+                <a:spcPct val="100000"/>
+              </a:lnSpc>
               <a:spcBef>
                 <a:spcPts val="0"/>
               </a:spcBef>
@@ -3359,7 +5131,10 @@
               <a:buNone/>
               <a:defRPr/>
             </a:lvl3pPr>
-            <a:lvl4pPr lvl="3">
+            <a:lvl4pPr lvl="3" algn="l">
+              <a:lnSpc>
+                <a:spcPct val="100000"/>
+              </a:lnSpc>
               <a:spcBef>
                 <a:spcPts val="0"/>
               </a:spcBef>
@@ -3370,7 +5145,10 @@
               <a:buNone/>
               <a:defRPr/>
             </a:lvl4pPr>
-            <a:lvl5pPr lvl="4">
+            <a:lvl5pPr lvl="4" algn="l">
+              <a:lnSpc>
+                <a:spcPct val="100000"/>
+              </a:lnSpc>
               <a:spcBef>
                 <a:spcPts val="0"/>
               </a:spcBef>
@@ -3381,7 +5159,10 @@
               <a:buNone/>
               <a:defRPr/>
             </a:lvl5pPr>
-            <a:lvl6pPr lvl="5">
+            <a:lvl6pPr lvl="5" algn="l">
+              <a:lnSpc>
+                <a:spcPct val="100000"/>
+              </a:lnSpc>
               <a:spcBef>
                 <a:spcPts val="0"/>
               </a:spcBef>
@@ -3392,7 +5173,10 @@
               <a:buNone/>
               <a:defRPr/>
             </a:lvl6pPr>
-            <a:lvl7pPr lvl="6">
+            <a:lvl7pPr lvl="6" algn="l">
+              <a:lnSpc>
+                <a:spcPct val="100000"/>
+              </a:lnSpc>
               <a:spcBef>
                 <a:spcPts val="0"/>
               </a:spcBef>
@@ -3403,7 +5187,10 @@
               <a:buNone/>
               <a:defRPr/>
             </a:lvl7pPr>
-            <a:lvl8pPr lvl="7">
+            <a:lvl8pPr lvl="7" algn="l">
+              <a:lnSpc>
+                <a:spcPct val="100000"/>
+              </a:lnSpc>
               <a:spcBef>
                 <a:spcPts val="0"/>
               </a:spcBef>
@@ -3414,7 +5201,10 @@
               <a:buNone/>
               <a:defRPr/>
             </a:lvl8pPr>
-            <a:lvl9pPr lvl="8">
+            <a:lvl9pPr lvl="8" algn="l">
+              <a:lnSpc>
+                <a:spcPct val="100000"/>
+              </a:lnSpc>
               <a:spcBef>
                 <a:spcPts val="0"/>
               </a:spcBef>
@@ -3431,7 +5221,7 @@
       </p:sp>
       <p:sp>
         <p:nvSpPr>
-          <p:cNvPr id="27" name="Google Shape;27;p6"/>
+          <p:cNvPr id="27" name="Google Shape;27;p13"/>
           <p:cNvSpPr txBox="1"/>
           <p:nvPr>
             <p:ph idx="12" type="sldNum"/>
@@ -3445,47 +5235,249 @@
           <a:prstGeom prst="rect">
             <a:avLst/>
           </a:prstGeom>
+          <a:noFill/>
+          <a:ln>
+            <a:noFill/>
+          </a:ln>
         </p:spPr>
         <p:txBody>
           <a:bodyPr anchorCtr="0" anchor="ctr" bIns="91425" lIns="91425" spcFirstLastPara="1" rIns="91425" wrap="square" tIns="91425">
             <a:normAutofit/>
           </a:bodyPr>
           <a:lstStyle>
-            <a:lvl1pPr lvl="0">
-              <a:buNone/>
-              <a:defRPr/>
+            <a:lvl1pPr indent="0" lvl="0" marL="0" marR="0" algn="r">
+              <a:lnSpc>
+                <a:spcPct val="100000"/>
+              </a:lnSpc>
+              <a:spcBef>
+                <a:spcPts val="0"/>
+              </a:spcBef>
+              <a:spcAft>
+                <a:spcPts val="0"/>
+              </a:spcAft>
+              <a:buClr>
+                <a:srgbClr val="000000"/>
+              </a:buClr>
+              <a:buSzPts val="1000"/>
+              <a:buFont typeface="Arial"/>
+              <a:buNone/>
+              <a:defRPr b="0" i="0" sz="1000" u="none" cap="none" strike="noStrike">
+                <a:solidFill>
+                  <a:schemeClr val="lt2"/>
+                </a:solidFill>
+                <a:latin typeface="Arial"/>
+                <a:ea typeface="Arial"/>
+                <a:cs typeface="Arial"/>
+                <a:sym typeface="Arial"/>
+              </a:defRPr>
             </a:lvl1pPr>
-            <a:lvl2pPr lvl="1">
-              <a:buNone/>
-              <a:defRPr/>
+            <a:lvl2pPr indent="0" lvl="1" marL="0" marR="0" algn="r">
+              <a:lnSpc>
+                <a:spcPct val="100000"/>
+              </a:lnSpc>
+              <a:spcBef>
+                <a:spcPts val="0"/>
+              </a:spcBef>
+              <a:spcAft>
+                <a:spcPts val="0"/>
+              </a:spcAft>
+              <a:buClr>
+                <a:srgbClr val="000000"/>
+              </a:buClr>
+              <a:buSzPts val="1000"/>
+              <a:buFont typeface="Arial"/>
+              <a:buNone/>
+              <a:defRPr b="0" i="0" sz="1000" u="none" cap="none" strike="noStrike">
+                <a:solidFill>
+                  <a:schemeClr val="lt2"/>
+                </a:solidFill>
+                <a:latin typeface="Arial"/>
+                <a:ea typeface="Arial"/>
+                <a:cs typeface="Arial"/>
+                <a:sym typeface="Arial"/>
+              </a:defRPr>
             </a:lvl2pPr>
-            <a:lvl3pPr lvl="2">
-              <a:buNone/>
-              <a:defRPr/>
+            <a:lvl3pPr indent="0" lvl="2" marL="0" marR="0" algn="r">
+              <a:lnSpc>
+                <a:spcPct val="100000"/>
+              </a:lnSpc>
+              <a:spcBef>
+                <a:spcPts val="0"/>
+              </a:spcBef>
+              <a:spcAft>
+                <a:spcPts val="0"/>
+              </a:spcAft>
+              <a:buClr>
+                <a:srgbClr val="000000"/>
+              </a:buClr>
+              <a:buSzPts val="1000"/>
+              <a:buFont typeface="Arial"/>
+              <a:buNone/>
+              <a:defRPr b="0" i="0" sz="1000" u="none" cap="none" strike="noStrike">
+                <a:solidFill>
+                  <a:schemeClr val="lt2"/>
+                </a:solidFill>
+                <a:latin typeface="Arial"/>
+                <a:ea typeface="Arial"/>
+                <a:cs typeface="Arial"/>
+                <a:sym typeface="Arial"/>
+              </a:defRPr>
             </a:lvl3pPr>
-            <a:lvl4pPr lvl="3">
-              <a:buNone/>
-              <a:defRPr/>
+            <a:lvl4pPr indent="0" lvl="3" marL="0" marR="0" algn="r">
+              <a:lnSpc>
+                <a:spcPct val="100000"/>
+              </a:lnSpc>
+              <a:spcBef>
+                <a:spcPts val="0"/>
+              </a:spcBef>
+              <a:spcAft>
+                <a:spcPts val="0"/>
+              </a:spcAft>
+              <a:buClr>
+                <a:srgbClr val="000000"/>
+              </a:buClr>
+              <a:buSzPts val="1000"/>
+              <a:buFont typeface="Arial"/>
+              <a:buNone/>
+              <a:defRPr b="0" i="0" sz="1000" u="none" cap="none" strike="noStrike">
+                <a:solidFill>
+                  <a:schemeClr val="lt2"/>
+                </a:solidFill>
+                <a:latin typeface="Arial"/>
+                <a:ea typeface="Arial"/>
+                <a:cs typeface="Arial"/>
+                <a:sym typeface="Arial"/>
+              </a:defRPr>
             </a:lvl4pPr>
-            <a:lvl5pPr lvl="4">
-              <a:buNone/>
-              <a:defRPr/>
+            <a:lvl5pPr indent="0" lvl="4" marL="0" marR="0" algn="r">
+              <a:lnSpc>
+                <a:spcPct val="100000"/>
+              </a:lnSpc>
+              <a:spcBef>
+                <a:spcPts val="0"/>
+              </a:spcBef>
+              <a:spcAft>
+                <a:spcPts val="0"/>
+              </a:spcAft>
+              <a:buClr>
+                <a:srgbClr val="000000"/>
+              </a:buClr>
+              <a:buSzPts val="1000"/>
+              <a:buFont typeface="Arial"/>
+              <a:buNone/>
+              <a:defRPr b="0" i="0" sz="1000" u="none" cap="none" strike="noStrike">
+                <a:solidFill>
+                  <a:schemeClr val="lt2"/>
+                </a:solidFill>
+                <a:latin typeface="Arial"/>
+                <a:ea typeface="Arial"/>
+                <a:cs typeface="Arial"/>
+                <a:sym typeface="Arial"/>
+              </a:defRPr>
             </a:lvl5pPr>
-            <a:lvl6pPr lvl="5">
-              <a:buNone/>
-              <a:defRPr/>
+            <a:lvl6pPr indent="0" lvl="5" marL="0" marR="0" algn="r">
+              <a:lnSpc>
+                <a:spcPct val="100000"/>
+              </a:lnSpc>
+              <a:spcBef>
+                <a:spcPts val="0"/>
+              </a:spcBef>
+              <a:spcAft>
+                <a:spcPts val="0"/>
+              </a:spcAft>
+              <a:buClr>
+                <a:srgbClr val="000000"/>
+              </a:buClr>
+              <a:buSzPts val="1000"/>
+              <a:buFont typeface="Arial"/>
+              <a:buNone/>
+              <a:defRPr b="0" i="0" sz="1000" u="none" cap="none" strike="noStrike">
+                <a:solidFill>
+                  <a:schemeClr val="lt2"/>
+                </a:solidFill>
+                <a:latin typeface="Arial"/>
+                <a:ea typeface="Arial"/>
+                <a:cs typeface="Arial"/>
+                <a:sym typeface="Arial"/>
+              </a:defRPr>
             </a:lvl6pPr>
-            <a:lvl7pPr lvl="6">
-              <a:buNone/>
-              <a:defRPr/>
+            <a:lvl7pPr indent="0" lvl="6" marL="0" marR="0" algn="r">
+              <a:lnSpc>
+                <a:spcPct val="100000"/>
+              </a:lnSpc>
+              <a:spcBef>
+                <a:spcPts val="0"/>
+              </a:spcBef>
+              <a:spcAft>
+                <a:spcPts val="0"/>
+              </a:spcAft>
+              <a:buClr>
+                <a:srgbClr val="000000"/>
+              </a:buClr>
+              <a:buSzPts val="1000"/>
+              <a:buFont typeface="Arial"/>
+              <a:buNone/>
+              <a:defRPr b="0" i="0" sz="1000" u="none" cap="none" strike="noStrike">
+                <a:solidFill>
+                  <a:schemeClr val="lt2"/>
+                </a:solidFill>
+                <a:latin typeface="Arial"/>
+                <a:ea typeface="Arial"/>
+                <a:cs typeface="Arial"/>
+                <a:sym typeface="Arial"/>
+              </a:defRPr>
             </a:lvl7pPr>
-            <a:lvl8pPr lvl="7">
-              <a:buNone/>
-              <a:defRPr/>
+            <a:lvl8pPr indent="0" lvl="7" marL="0" marR="0" algn="r">
+              <a:lnSpc>
+                <a:spcPct val="100000"/>
+              </a:lnSpc>
+              <a:spcBef>
+                <a:spcPts val="0"/>
+              </a:spcBef>
+              <a:spcAft>
+                <a:spcPts val="0"/>
+              </a:spcAft>
+              <a:buClr>
+                <a:srgbClr val="000000"/>
+              </a:buClr>
+              <a:buSzPts val="1000"/>
+              <a:buFont typeface="Arial"/>
+              <a:buNone/>
+              <a:defRPr b="0" i="0" sz="1000" u="none" cap="none" strike="noStrike">
+                <a:solidFill>
+                  <a:schemeClr val="lt2"/>
+                </a:solidFill>
+                <a:latin typeface="Arial"/>
+                <a:ea typeface="Arial"/>
+                <a:cs typeface="Arial"/>
+                <a:sym typeface="Arial"/>
+              </a:defRPr>
             </a:lvl8pPr>
-            <a:lvl9pPr lvl="8">
-              <a:buNone/>
-              <a:defRPr/>
+            <a:lvl9pPr indent="0" lvl="8" marL="0" marR="0" algn="r">
+              <a:lnSpc>
+                <a:spcPct val="100000"/>
+              </a:lnSpc>
+              <a:spcBef>
+                <a:spcPts val="0"/>
+              </a:spcBef>
+              <a:spcAft>
+                <a:spcPts val="0"/>
+              </a:spcAft>
+              <a:buClr>
+                <a:srgbClr val="000000"/>
+              </a:buClr>
+              <a:buSzPts val="1000"/>
+              <a:buFont typeface="Arial"/>
+              <a:buNone/>
+              <a:defRPr b="0" i="0" sz="1000" u="none" cap="none" strike="noStrike">
+                <a:solidFill>
+                  <a:schemeClr val="lt2"/>
+                </a:solidFill>
+                <a:latin typeface="Arial"/>
+                <a:ea typeface="Arial"/>
+                <a:cs typeface="Arial"/>
+                <a:sym typeface="Arial"/>
+              </a:defRPr>
             </a:lvl9pPr>
           </a:lstStyle>
           <a:p>
@@ -3533,7 +5525,7 @@
       </p:grpSpPr>
       <p:sp>
         <p:nvSpPr>
-          <p:cNvPr id="29" name="Google Shape;29;p7"/>
+          <p:cNvPr id="29" name="Google Shape;29;p14"/>
           <p:cNvSpPr txBox="1"/>
           <p:nvPr>
             <p:ph type="title"/>
@@ -3547,13 +5539,20 @@
           <a:prstGeom prst="rect">
             <a:avLst/>
           </a:prstGeom>
+          <a:noFill/>
+          <a:ln>
+            <a:noFill/>
+          </a:ln>
         </p:spPr>
         <p:txBody>
           <a:bodyPr anchorCtr="0" anchor="b" bIns="91425" lIns="91425" spcFirstLastPara="1" rIns="91425" wrap="square" tIns="91425">
             <a:normAutofit/>
           </a:bodyPr>
           <a:lstStyle>
-            <a:lvl1pPr lvl="0">
+            <a:lvl1pPr lvl="0" algn="l">
+              <a:lnSpc>
+                <a:spcPct val="100000"/>
+              </a:lnSpc>
               <a:spcBef>
                 <a:spcPts val="0"/>
               </a:spcBef>
@@ -3564,7 +5563,10 @@
               <a:buNone/>
               <a:defRPr sz="2400"/>
             </a:lvl1pPr>
-            <a:lvl2pPr lvl="1">
+            <a:lvl2pPr lvl="1" algn="l">
+              <a:lnSpc>
+                <a:spcPct val="100000"/>
+              </a:lnSpc>
               <a:spcBef>
                 <a:spcPts val="0"/>
               </a:spcBef>
@@ -3575,7 +5577,10 @@
               <a:buNone/>
               <a:defRPr sz="2400"/>
             </a:lvl2pPr>
-            <a:lvl3pPr lvl="2">
+            <a:lvl3pPr lvl="2" algn="l">
+              <a:lnSpc>
+                <a:spcPct val="100000"/>
+              </a:lnSpc>
               <a:spcBef>
                 <a:spcPts val="0"/>
               </a:spcBef>
@@ -3586,7 +5591,10 @@
               <a:buNone/>
               <a:defRPr sz="2400"/>
             </a:lvl3pPr>
-            <a:lvl4pPr lvl="3">
+            <a:lvl4pPr lvl="3" algn="l">
+              <a:lnSpc>
+                <a:spcPct val="100000"/>
+              </a:lnSpc>
               <a:spcBef>
                 <a:spcPts val="0"/>
               </a:spcBef>
@@ -3597,7 +5605,10 @@
               <a:buNone/>
               <a:defRPr sz="2400"/>
             </a:lvl4pPr>
-            <a:lvl5pPr lvl="4">
+            <a:lvl5pPr lvl="4" algn="l">
+              <a:lnSpc>
+                <a:spcPct val="100000"/>
+              </a:lnSpc>
               <a:spcBef>
                 <a:spcPts val="0"/>
               </a:spcBef>
@@ -3608,7 +5619,10 @@
               <a:buNone/>
               <a:defRPr sz="2400"/>
             </a:lvl5pPr>
-            <a:lvl6pPr lvl="5">
+            <a:lvl6pPr lvl="5" algn="l">
+              <a:lnSpc>
+                <a:spcPct val="100000"/>
+              </a:lnSpc>
               <a:spcBef>
                 <a:spcPts val="0"/>
               </a:spcBef>
@@ -3619,7 +5633,10 @@
               <a:buNone/>
               <a:defRPr sz="2400"/>
             </a:lvl6pPr>
-            <a:lvl7pPr lvl="6">
+            <a:lvl7pPr lvl="6" algn="l">
+              <a:lnSpc>
+                <a:spcPct val="100000"/>
+              </a:lnSpc>
               <a:spcBef>
                 <a:spcPts val="0"/>
               </a:spcBef>
@@ -3630,7 +5647,10 @@
               <a:buNone/>
               <a:defRPr sz="2400"/>
             </a:lvl7pPr>
-            <a:lvl8pPr lvl="7">
+            <a:lvl8pPr lvl="7" algn="l">
+              <a:lnSpc>
+                <a:spcPct val="100000"/>
+              </a:lnSpc>
               <a:spcBef>
                 <a:spcPts val="0"/>
               </a:spcBef>
@@ -3641,7 +5661,10 @@
               <a:buNone/>
               <a:defRPr sz="2400"/>
             </a:lvl8pPr>
-            <a:lvl9pPr lvl="8">
+            <a:lvl9pPr lvl="8" algn="l">
+              <a:lnSpc>
+                <a:spcPct val="100000"/>
+              </a:lnSpc>
               <a:spcBef>
                 <a:spcPts val="0"/>
               </a:spcBef>
@@ -3658,7 +5681,7 @@
       </p:sp>
       <p:sp>
         <p:nvSpPr>
-          <p:cNvPr id="30" name="Google Shape;30;p7"/>
+          <p:cNvPr id="30" name="Google Shape;30;p14"/>
           <p:cNvSpPr txBox="1"/>
           <p:nvPr>
             <p:ph idx="1" type="body"/>
@@ -3672,13 +5695,20 @@
           <a:prstGeom prst="rect">
             <a:avLst/>
           </a:prstGeom>
+          <a:noFill/>
+          <a:ln>
+            <a:noFill/>
+          </a:ln>
         </p:spPr>
         <p:txBody>
           <a:bodyPr anchorCtr="0" anchor="t" bIns="91425" lIns="91425" spcFirstLastPara="1" rIns="91425" wrap="square" tIns="91425">
             <a:normAutofit/>
           </a:bodyPr>
           <a:lstStyle>
-            <a:lvl1pPr indent="-304800" lvl="0" marL="457200">
+            <a:lvl1pPr indent="-304800" lvl="0" marL="457200" algn="l">
+              <a:lnSpc>
+                <a:spcPct val="115000"/>
+              </a:lnSpc>
               <a:spcBef>
                 <a:spcPts val="0"/>
               </a:spcBef>
@@ -3689,7 +5719,10 @@
               <a:buChar char="●"/>
               <a:defRPr sz="1200"/>
             </a:lvl1pPr>
-            <a:lvl2pPr indent="-304800" lvl="1" marL="914400">
+            <a:lvl2pPr indent="-304800" lvl="1" marL="914400" algn="l">
+              <a:lnSpc>
+                <a:spcPct val="115000"/>
+              </a:lnSpc>
               <a:spcBef>
                 <a:spcPts val="0"/>
               </a:spcBef>
@@ -3700,7 +5733,10 @@
               <a:buChar char="○"/>
               <a:defRPr sz="1200"/>
             </a:lvl2pPr>
-            <a:lvl3pPr indent="-304800" lvl="2" marL="1371600">
+            <a:lvl3pPr indent="-304800" lvl="2" marL="1371600" algn="l">
+              <a:lnSpc>
+                <a:spcPct val="115000"/>
+              </a:lnSpc>
               <a:spcBef>
                 <a:spcPts val="0"/>
               </a:spcBef>
@@ -3711,7 +5747,10 @@
               <a:buChar char="■"/>
               <a:defRPr sz="1200"/>
             </a:lvl3pPr>
-            <a:lvl4pPr indent="-304800" lvl="3" marL="1828800">
+            <a:lvl4pPr indent="-304800" lvl="3" marL="1828800" algn="l">
+              <a:lnSpc>
+                <a:spcPct val="115000"/>
+              </a:lnSpc>
               <a:spcBef>
                 <a:spcPts val="0"/>
               </a:spcBef>
@@ -3722,7 +5761,10 @@
               <a:buChar char="●"/>
               <a:defRPr sz="1200"/>
             </a:lvl4pPr>
-            <a:lvl5pPr indent="-304800" lvl="4" marL="2286000">
+            <a:lvl5pPr indent="-304800" lvl="4" marL="2286000" algn="l">
+              <a:lnSpc>
+                <a:spcPct val="115000"/>
+              </a:lnSpc>
               <a:spcBef>
                 <a:spcPts val="0"/>
               </a:spcBef>
@@ -3733,7 +5775,10 @@
               <a:buChar char="○"/>
               <a:defRPr sz="1200"/>
             </a:lvl5pPr>
-            <a:lvl6pPr indent="-304800" lvl="5" marL="2743200">
+            <a:lvl6pPr indent="-304800" lvl="5" marL="2743200" algn="l">
+              <a:lnSpc>
+                <a:spcPct val="115000"/>
+              </a:lnSpc>
               <a:spcBef>
                 <a:spcPts val="0"/>
               </a:spcBef>
@@ -3744,7 +5789,10 @@
               <a:buChar char="■"/>
               <a:defRPr sz="1200"/>
             </a:lvl6pPr>
-            <a:lvl7pPr indent="-304800" lvl="6" marL="3200400">
+            <a:lvl7pPr indent="-304800" lvl="6" marL="3200400" algn="l">
+              <a:lnSpc>
+                <a:spcPct val="115000"/>
+              </a:lnSpc>
               <a:spcBef>
                 <a:spcPts val="0"/>
               </a:spcBef>
@@ -3755,7 +5803,10 @@
               <a:buChar char="●"/>
               <a:defRPr sz="1200"/>
             </a:lvl7pPr>
-            <a:lvl8pPr indent="-304800" lvl="7" marL="3657600">
+            <a:lvl8pPr indent="-304800" lvl="7" marL="3657600" algn="l">
+              <a:lnSpc>
+                <a:spcPct val="115000"/>
+              </a:lnSpc>
               <a:spcBef>
                 <a:spcPts val="0"/>
               </a:spcBef>
@@ -3766,7 +5817,10 @@
               <a:buChar char="○"/>
               <a:defRPr sz="1200"/>
             </a:lvl8pPr>
-            <a:lvl9pPr indent="-304800" lvl="8" marL="4114800">
+            <a:lvl9pPr indent="-304800" lvl="8" marL="4114800" algn="l">
+              <a:lnSpc>
+                <a:spcPct val="115000"/>
+              </a:lnSpc>
               <a:spcBef>
                 <a:spcPts val="0"/>
               </a:spcBef>
@@ -3783,7 +5837,7 @@
       </p:sp>
       <p:sp>
         <p:nvSpPr>
-          <p:cNvPr id="31" name="Google Shape;31;p7"/>
+          <p:cNvPr id="31" name="Google Shape;31;p14"/>
           <p:cNvSpPr txBox="1"/>
           <p:nvPr>
             <p:ph idx="12" type="sldNum"/>
@@ -3797,47 +5851,249 @@
           <a:prstGeom prst="rect">
             <a:avLst/>
           </a:prstGeom>
+          <a:noFill/>
+          <a:ln>
+            <a:noFill/>
+          </a:ln>
         </p:spPr>
         <p:txBody>
           <a:bodyPr anchorCtr="0" anchor="ctr" bIns="91425" lIns="91425" spcFirstLastPara="1" rIns="91425" wrap="square" tIns="91425">
             <a:normAutofit/>
           </a:bodyPr>
           <a:lstStyle>
-            <a:lvl1pPr lvl="0">
-              <a:buNone/>
-              <a:defRPr/>
+            <a:lvl1pPr indent="0" lvl="0" marL="0" marR="0" algn="r">
+              <a:lnSpc>
+                <a:spcPct val="100000"/>
+              </a:lnSpc>
+              <a:spcBef>
+                <a:spcPts val="0"/>
+              </a:spcBef>
+              <a:spcAft>
+                <a:spcPts val="0"/>
+              </a:spcAft>
+              <a:buClr>
+                <a:srgbClr val="000000"/>
+              </a:buClr>
+              <a:buSzPts val="1000"/>
+              <a:buFont typeface="Arial"/>
+              <a:buNone/>
+              <a:defRPr b="0" i="0" sz="1000" u="none" cap="none" strike="noStrike">
+                <a:solidFill>
+                  <a:schemeClr val="lt2"/>
+                </a:solidFill>
+                <a:latin typeface="Arial"/>
+                <a:ea typeface="Arial"/>
+                <a:cs typeface="Arial"/>
+                <a:sym typeface="Arial"/>
+              </a:defRPr>
             </a:lvl1pPr>
-            <a:lvl2pPr lvl="1">
-              <a:buNone/>
-              <a:defRPr/>
+            <a:lvl2pPr indent="0" lvl="1" marL="0" marR="0" algn="r">
+              <a:lnSpc>
+                <a:spcPct val="100000"/>
+              </a:lnSpc>
+              <a:spcBef>
+                <a:spcPts val="0"/>
+              </a:spcBef>
+              <a:spcAft>
+                <a:spcPts val="0"/>
+              </a:spcAft>
+              <a:buClr>
+                <a:srgbClr val="000000"/>
+              </a:buClr>
+              <a:buSzPts val="1000"/>
+              <a:buFont typeface="Arial"/>
+              <a:buNone/>
+              <a:defRPr b="0" i="0" sz="1000" u="none" cap="none" strike="noStrike">
+                <a:solidFill>
+                  <a:schemeClr val="lt2"/>
+                </a:solidFill>
+                <a:latin typeface="Arial"/>
+                <a:ea typeface="Arial"/>
+                <a:cs typeface="Arial"/>
+                <a:sym typeface="Arial"/>
+              </a:defRPr>
             </a:lvl2pPr>
-            <a:lvl3pPr lvl="2">
-              <a:buNone/>
-              <a:defRPr/>
+            <a:lvl3pPr indent="0" lvl="2" marL="0" marR="0" algn="r">
+              <a:lnSpc>
+                <a:spcPct val="100000"/>
+              </a:lnSpc>
+              <a:spcBef>
+                <a:spcPts val="0"/>
+              </a:spcBef>
+              <a:spcAft>
+                <a:spcPts val="0"/>
+              </a:spcAft>
+              <a:buClr>
+                <a:srgbClr val="000000"/>
+              </a:buClr>
+              <a:buSzPts val="1000"/>
+              <a:buFont typeface="Arial"/>
+              <a:buNone/>
+              <a:defRPr b="0" i="0" sz="1000" u="none" cap="none" strike="noStrike">
+                <a:solidFill>
+                  <a:schemeClr val="lt2"/>
+                </a:solidFill>
+                <a:latin typeface="Arial"/>
+                <a:ea typeface="Arial"/>
+                <a:cs typeface="Arial"/>
+                <a:sym typeface="Arial"/>
+              </a:defRPr>
             </a:lvl3pPr>
-            <a:lvl4pPr lvl="3">
-              <a:buNone/>
-              <a:defRPr/>
+            <a:lvl4pPr indent="0" lvl="3" marL="0" marR="0" algn="r">
+              <a:lnSpc>
+                <a:spcPct val="100000"/>
+              </a:lnSpc>
+              <a:spcBef>
+                <a:spcPts val="0"/>
+              </a:spcBef>
+              <a:spcAft>
+                <a:spcPts val="0"/>
+              </a:spcAft>
+              <a:buClr>
+                <a:srgbClr val="000000"/>
+              </a:buClr>
+              <a:buSzPts val="1000"/>
+              <a:buFont typeface="Arial"/>
+              <a:buNone/>
+              <a:defRPr b="0" i="0" sz="1000" u="none" cap="none" strike="noStrike">
+                <a:solidFill>
+                  <a:schemeClr val="lt2"/>
+                </a:solidFill>
+                <a:latin typeface="Arial"/>
+                <a:ea typeface="Arial"/>
+                <a:cs typeface="Arial"/>
+                <a:sym typeface="Arial"/>
+              </a:defRPr>
             </a:lvl4pPr>
-            <a:lvl5pPr lvl="4">
-              <a:buNone/>
-              <a:defRPr/>
+            <a:lvl5pPr indent="0" lvl="4" marL="0" marR="0" algn="r">
+              <a:lnSpc>
+                <a:spcPct val="100000"/>
+              </a:lnSpc>
+              <a:spcBef>
+                <a:spcPts val="0"/>
+              </a:spcBef>
+              <a:spcAft>
+                <a:spcPts val="0"/>
+              </a:spcAft>
+              <a:buClr>
+                <a:srgbClr val="000000"/>
+              </a:buClr>
+              <a:buSzPts val="1000"/>
+              <a:buFont typeface="Arial"/>
+              <a:buNone/>
+              <a:defRPr b="0" i="0" sz="1000" u="none" cap="none" strike="noStrike">
+                <a:solidFill>
+                  <a:schemeClr val="lt2"/>
+                </a:solidFill>
+                <a:latin typeface="Arial"/>
+                <a:ea typeface="Arial"/>
+                <a:cs typeface="Arial"/>
+                <a:sym typeface="Arial"/>
+              </a:defRPr>
             </a:lvl5pPr>
-            <a:lvl6pPr lvl="5">
-              <a:buNone/>
-              <a:defRPr/>
+            <a:lvl6pPr indent="0" lvl="5" marL="0" marR="0" algn="r">
+              <a:lnSpc>
+                <a:spcPct val="100000"/>
+              </a:lnSpc>
+              <a:spcBef>
+                <a:spcPts val="0"/>
+              </a:spcBef>
+              <a:spcAft>
+                <a:spcPts val="0"/>
+              </a:spcAft>
+              <a:buClr>
+                <a:srgbClr val="000000"/>
+              </a:buClr>
+              <a:buSzPts val="1000"/>
+              <a:buFont typeface="Arial"/>
+              <a:buNone/>
+              <a:defRPr b="0" i="0" sz="1000" u="none" cap="none" strike="noStrike">
+                <a:solidFill>
+                  <a:schemeClr val="lt2"/>
+                </a:solidFill>
+                <a:latin typeface="Arial"/>
+                <a:ea typeface="Arial"/>
+                <a:cs typeface="Arial"/>
+                <a:sym typeface="Arial"/>
+              </a:defRPr>
             </a:lvl6pPr>
-            <a:lvl7pPr lvl="6">
-              <a:buNone/>
-              <a:defRPr/>
+            <a:lvl7pPr indent="0" lvl="6" marL="0" marR="0" algn="r">
+              <a:lnSpc>
+                <a:spcPct val="100000"/>
+              </a:lnSpc>
+              <a:spcBef>
+                <a:spcPts val="0"/>
+              </a:spcBef>
+              <a:spcAft>
+                <a:spcPts val="0"/>
+              </a:spcAft>
+              <a:buClr>
+                <a:srgbClr val="000000"/>
+              </a:buClr>
+              <a:buSzPts val="1000"/>
+              <a:buFont typeface="Arial"/>
+              <a:buNone/>
+              <a:defRPr b="0" i="0" sz="1000" u="none" cap="none" strike="noStrike">
+                <a:solidFill>
+                  <a:schemeClr val="lt2"/>
+                </a:solidFill>
+                <a:latin typeface="Arial"/>
+                <a:ea typeface="Arial"/>
+                <a:cs typeface="Arial"/>
+                <a:sym typeface="Arial"/>
+              </a:defRPr>
             </a:lvl7pPr>
-            <a:lvl8pPr lvl="7">
-              <a:buNone/>
-              <a:defRPr/>
+            <a:lvl8pPr indent="0" lvl="7" marL="0" marR="0" algn="r">
+              <a:lnSpc>
+                <a:spcPct val="100000"/>
+              </a:lnSpc>
+              <a:spcBef>
+                <a:spcPts val="0"/>
+              </a:spcBef>
+              <a:spcAft>
+                <a:spcPts val="0"/>
+              </a:spcAft>
+              <a:buClr>
+                <a:srgbClr val="000000"/>
+              </a:buClr>
+              <a:buSzPts val="1000"/>
+              <a:buFont typeface="Arial"/>
+              <a:buNone/>
+              <a:defRPr b="0" i="0" sz="1000" u="none" cap="none" strike="noStrike">
+                <a:solidFill>
+                  <a:schemeClr val="lt2"/>
+                </a:solidFill>
+                <a:latin typeface="Arial"/>
+                <a:ea typeface="Arial"/>
+                <a:cs typeface="Arial"/>
+                <a:sym typeface="Arial"/>
+              </a:defRPr>
             </a:lvl8pPr>
-            <a:lvl9pPr lvl="8">
-              <a:buNone/>
-              <a:defRPr/>
+            <a:lvl9pPr indent="0" lvl="8" marL="0" marR="0" algn="r">
+              <a:lnSpc>
+                <a:spcPct val="100000"/>
+              </a:lnSpc>
+              <a:spcBef>
+                <a:spcPts val="0"/>
+              </a:spcBef>
+              <a:spcAft>
+                <a:spcPts val="0"/>
+              </a:spcAft>
+              <a:buClr>
+                <a:srgbClr val="000000"/>
+              </a:buClr>
+              <a:buSzPts val="1000"/>
+              <a:buFont typeface="Arial"/>
+              <a:buNone/>
+              <a:defRPr b="0" i="0" sz="1000" u="none" cap="none" strike="noStrike">
+                <a:solidFill>
+                  <a:schemeClr val="lt2"/>
+                </a:solidFill>
+                <a:latin typeface="Arial"/>
+                <a:ea typeface="Arial"/>
+                <a:cs typeface="Arial"/>
+                <a:sym typeface="Arial"/>
+              </a:defRPr>
             </a:lvl9pPr>
           </a:lstStyle>
           <a:p>
@@ -3885,7 +6141,7 @@
       </p:grpSpPr>
       <p:sp>
         <p:nvSpPr>
-          <p:cNvPr id="33" name="Google Shape;33;p8"/>
+          <p:cNvPr id="33" name="Google Shape;33;p15"/>
           <p:cNvSpPr txBox="1"/>
           <p:nvPr>
             <p:ph type="title"/>
@@ -3899,13 +6155,20 @@
           <a:prstGeom prst="rect">
             <a:avLst/>
           </a:prstGeom>
+          <a:noFill/>
+          <a:ln>
+            <a:noFill/>
+          </a:ln>
         </p:spPr>
         <p:txBody>
           <a:bodyPr anchorCtr="0" anchor="ctr" bIns="91425" lIns="91425" spcFirstLastPara="1" rIns="91425" wrap="square" tIns="91425">
             <a:normAutofit/>
           </a:bodyPr>
           <a:lstStyle>
-            <a:lvl1pPr lvl="0">
+            <a:lvl1pPr lvl="0" algn="l">
+              <a:lnSpc>
+                <a:spcPct val="100000"/>
+              </a:lnSpc>
               <a:spcBef>
                 <a:spcPts val="0"/>
               </a:spcBef>
@@ -3916,7 +6179,10 @@
               <a:buNone/>
               <a:defRPr sz="4800"/>
             </a:lvl1pPr>
-            <a:lvl2pPr lvl="1">
+            <a:lvl2pPr lvl="1" algn="l">
+              <a:lnSpc>
+                <a:spcPct val="100000"/>
+              </a:lnSpc>
               <a:spcBef>
                 <a:spcPts val="0"/>
               </a:spcBef>
@@ -3927,7 +6193,10 @@
               <a:buNone/>
               <a:defRPr sz="4800"/>
             </a:lvl2pPr>
-            <a:lvl3pPr lvl="2">
+            <a:lvl3pPr lvl="2" algn="l">
+              <a:lnSpc>
+                <a:spcPct val="100000"/>
+              </a:lnSpc>
               <a:spcBef>
                 <a:spcPts val="0"/>
               </a:spcBef>
@@ -3938,7 +6207,10 @@
               <a:buNone/>
               <a:defRPr sz="4800"/>
             </a:lvl3pPr>
-            <a:lvl4pPr lvl="3">
+            <a:lvl4pPr lvl="3" algn="l">
+              <a:lnSpc>
+                <a:spcPct val="100000"/>
+              </a:lnSpc>
               <a:spcBef>
                 <a:spcPts val="0"/>
               </a:spcBef>
@@ -3949,7 +6221,10 @@
               <a:buNone/>
               <a:defRPr sz="4800"/>
             </a:lvl4pPr>
-            <a:lvl5pPr lvl="4">
+            <a:lvl5pPr lvl="4" algn="l">
+              <a:lnSpc>
+                <a:spcPct val="100000"/>
+              </a:lnSpc>
               <a:spcBef>
                 <a:spcPts val="0"/>
               </a:spcBef>
@@ -3960,7 +6235,10 @@
               <a:buNone/>
               <a:defRPr sz="4800"/>
             </a:lvl5pPr>
-            <a:lvl6pPr lvl="5">
+            <a:lvl6pPr lvl="5" algn="l">
+              <a:lnSpc>
+                <a:spcPct val="100000"/>
+              </a:lnSpc>
               <a:spcBef>
                 <a:spcPts val="0"/>
               </a:spcBef>
@@ -3971,7 +6249,10 @@
               <a:buNone/>
               <a:defRPr sz="4800"/>
             </a:lvl6pPr>
-            <a:lvl7pPr lvl="6">
+            <a:lvl7pPr lvl="6" algn="l">
+              <a:lnSpc>
+                <a:spcPct val="100000"/>
+              </a:lnSpc>
               <a:spcBef>
                 <a:spcPts val="0"/>
               </a:spcBef>
@@ -3982,7 +6263,10 @@
               <a:buNone/>
               <a:defRPr sz="4800"/>
             </a:lvl7pPr>
-            <a:lvl8pPr lvl="7">
+            <a:lvl8pPr lvl="7" algn="l">
+              <a:lnSpc>
+                <a:spcPct val="100000"/>
+              </a:lnSpc>
               <a:spcBef>
                 <a:spcPts val="0"/>
               </a:spcBef>
@@ -3993,7 +6277,10 @@
               <a:buNone/>
               <a:defRPr sz="4800"/>
             </a:lvl8pPr>
-            <a:lvl9pPr lvl="8">
+            <a:lvl9pPr lvl="8" algn="l">
+              <a:lnSpc>
+                <a:spcPct val="100000"/>
+              </a:lnSpc>
               <a:spcBef>
                 <a:spcPts val="0"/>
               </a:spcBef>
@@ -4010,7 +6297,7 @@
       </p:sp>
       <p:sp>
         <p:nvSpPr>
-          <p:cNvPr id="34" name="Google Shape;34;p8"/>
+          <p:cNvPr id="34" name="Google Shape;34;p15"/>
           <p:cNvSpPr txBox="1"/>
           <p:nvPr>
             <p:ph idx="12" type="sldNum"/>
@@ -4024,47 +6311,249 @@
           <a:prstGeom prst="rect">
             <a:avLst/>
           </a:prstGeom>
+          <a:noFill/>
+          <a:ln>
+            <a:noFill/>
+          </a:ln>
         </p:spPr>
         <p:txBody>
           <a:bodyPr anchorCtr="0" anchor="ctr" bIns="91425" lIns="91425" spcFirstLastPara="1" rIns="91425" wrap="square" tIns="91425">
             <a:normAutofit/>
           </a:bodyPr>
           <a:lstStyle>
-            <a:lvl1pPr lvl="0">
-              <a:buNone/>
-              <a:defRPr/>
+            <a:lvl1pPr indent="0" lvl="0" marL="0" marR="0" algn="r">
+              <a:lnSpc>
+                <a:spcPct val="100000"/>
+              </a:lnSpc>
+              <a:spcBef>
+                <a:spcPts val="0"/>
+              </a:spcBef>
+              <a:spcAft>
+                <a:spcPts val="0"/>
+              </a:spcAft>
+              <a:buClr>
+                <a:srgbClr val="000000"/>
+              </a:buClr>
+              <a:buSzPts val="1000"/>
+              <a:buFont typeface="Arial"/>
+              <a:buNone/>
+              <a:defRPr b="0" i="0" sz="1000" u="none" cap="none" strike="noStrike">
+                <a:solidFill>
+                  <a:schemeClr val="lt2"/>
+                </a:solidFill>
+                <a:latin typeface="Arial"/>
+                <a:ea typeface="Arial"/>
+                <a:cs typeface="Arial"/>
+                <a:sym typeface="Arial"/>
+              </a:defRPr>
             </a:lvl1pPr>
-            <a:lvl2pPr lvl="1">
-              <a:buNone/>
-              <a:defRPr/>
+            <a:lvl2pPr indent="0" lvl="1" marL="0" marR="0" algn="r">
+              <a:lnSpc>
+                <a:spcPct val="100000"/>
+              </a:lnSpc>
+              <a:spcBef>
+                <a:spcPts val="0"/>
+              </a:spcBef>
+              <a:spcAft>
+                <a:spcPts val="0"/>
+              </a:spcAft>
+              <a:buClr>
+                <a:srgbClr val="000000"/>
+              </a:buClr>
+              <a:buSzPts val="1000"/>
+              <a:buFont typeface="Arial"/>
+              <a:buNone/>
+              <a:defRPr b="0" i="0" sz="1000" u="none" cap="none" strike="noStrike">
+                <a:solidFill>
+                  <a:schemeClr val="lt2"/>
+                </a:solidFill>
+                <a:latin typeface="Arial"/>
+                <a:ea typeface="Arial"/>
+                <a:cs typeface="Arial"/>
+                <a:sym typeface="Arial"/>
+              </a:defRPr>
             </a:lvl2pPr>
-            <a:lvl3pPr lvl="2">
-              <a:buNone/>
-              <a:defRPr/>
+            <a:lvl3pPr indent="0" lvl="2" marL="0" marR="0" algn="r">
+              <a:lnSpc>
+                <a:spcPct val="100000"/>
+              </a:lnSpc>
+              <a:spcBef>
+                <a:spcPts val="0"/>
+              </a:spcBef>
+              <a:spcAft>
+                <a:spcPts val="0"/>
+              </a:spcAft>
+              <a:buClr>
+                <a:srgbClr val="000000"/>
+              </a:buClr>
+              <a:buSzPts val="1000"/>
+              <a:buFont typeface="Arial"/>
+              <a:buNone/>
+              <a:defRPr b="0" i="0" sz="1000" u="none" cap="none" strike="noStrike">
+                <a:solidFill>
+                  <a:schemeClr val="lt2"/>
+                </a:solidFill>
+                <a:latin typeface="Arial"/>
+                <a:ea typeface="Arial"/>
+                <a:cs typeface="Arial"/>
+                <a:sym typeface="Arial"/>
+              </a:defRPr>
             </a:lvl3pPr>
-            <a:lvl4pPr lvl="3">
-              <a:buNone/>
-              <a:defRPr/>
+            <a:lvl4pPr indent="0" lvl="3" marL="0" marR="0" algn="r">
+              <a:lnSpc>
+                <a:spcPct val="100000"/>
+              </a:lnSpc>
+              <a:spcBef>
+                <a:spcPts val="0"/>
+              </a:spcBef>
+              <a:spcAft>
+                <a:spcPts val="0"/>
+              </a:spcAft>
+              <a:buClr>
+                <a:srgbClr val="000000"/>
+              </a:buClr>
+              <a:buSzPts val="1000"/>
+              <a:buFont typeface="Arial"/>
+              <a:buNone/>
+              <a:defRPr b="0" i="0" sz="1000" u="none" cap="none" strike="noStrike">
+                <a:solidFill>
+                  <a:schemeClr val="lt2"/>
+                </a:solidFill>
+                <a:latin typeface="Arial"/>
+                <a:ea typeface="Arial"/>
+                <a:cs typeface="Arial"/>
+                <a:sym typeface="Arial"/>
+              </a:defRPr>
             </a:lvl4pPr>
-            <a:lvl5pPr lvl="4">
-              <a:buNone/>
-              <a:defRPr/>
+            <a:lvl5pPr indent="0" lvl="4" marL="0" marR="0" algn="r">
+              <a:lnSpc>
+                <a:spcPct val="100000"/>
+              </a:lnSpc>
+              <a:spcBef>
+                <a:spcPts val="0"/>
+              </a:spcBef>
+              <a:spcAft>
+                <a:spcPts val="0"/>
+              </a:spcAft>
+              <a:buClr>
+                <a:srgbClr val="000000"/>
+              </a:buClr>
+              <a:buSzPts val="1000"/>
+              <a:buFont typeface="Arial"/>
+              <a:buNone/>
+              <a:defRPr b="0" i="0" sz="1000" u="none" cap="none" strike="noStrike">
+                <a:solidFill>
+                  <a:schemeClr val="lt2"/>
+                </a:solidFill>
+                <a:latin typeface="Arial"/>
+                <a:ea typeface="Arial"/>
+                <a:cs typeface="Arial"/>
+                <a:sym typeface="Arial"/>
+              </a:defRPr>
             </a:lvl5pPr>
-            <a:lvl6pPr lvl="5">
-              <a:buNone/>
-              <a:defRPr/>
+            <a:lvl6pPr indent="0" lvl="5" marL="0" marR="0" algn="r">
+              <a:lnSpc>
+                <a:spcPct val="100000"/>
+              </a:lnSpc>
+              <a:spcBef>
+                <a:spcPts val="0"/>
+              </a:spcBef>
+              <a:spcAft>
+                <a:spcPts val="0"/>
+              </a:spcAft>
+              <a:buClr>
+                <a:srgbClr val="000000"/>
+              </a:buClr>
+              <a:buSzPts val="1000"/>
+              <a:buFont typeface="Arial"/>
+              <a:buNone/>
+              <a:defRPr b="0" i="0" sz="1000" u="none" cap="none" strike="noStrike">
+                <a:solidFill>
+                  <a:schemeClr val="lt2"/>
+                </a:solidFill>
+                <a:latin typeface="Arial"/>
+                <a:ea typeface="Arial"/>
+                <a:cs typeface="Arial"/>
+                <a:sym typeface="Arial"/>
+              </a:defRPr>
             </a:lvl6pPr>
-            <a:lvl7pPr lvl="6">
-              <a:buNone/>
-              <a:defRPr/>
+            <a:lvl7pPr indent="0" lvl="6" marL="0" marR="0" algn="r">
+              <a:lnSpc>
+                <a:spcPct val="100000"/>
+              </a:lnSpc>
+              <a:spcBef>
+                <a:spcPts val="0"/>
+              </a:spcBef>
+              <a:spcAft>
+                <a:spcPts val="0"/>
+              </a:spcAft>
+              <a:buClr>
+                <a:srgbClr val="000000"/>
+              </a:buClr>
+              <a:buSzPts val="1000"/>
+              <a:buFont typeface="Arial"/>
+              <a:buNone/>
+              <a:defRPr b="0" i="0" sz="1000" u="none" cap="none" strike="noStrike">
+                <a:solidFill>
+                  <a:schemeClr val="lt2"/>
+                </a:solidFill>
+                <a:latin typeface="Arial"/>
+                <a:ea typeface="Arial"/>
+                <a:cs typeface="Arial"/>
+                <a:sym typeface="Arial"/>
+              </a:defRPr>
             </a:lvl7pPr>
-            <a:lvl8pPr lvl="7">
-              <a:buNone/>
-              <a:defRPr/>
+            <a:lvl8pPr indent="0" lvl="7" marL="0" marR="0" algn="r">
+              <a:lnSpc>
+                <a:spcPct val="100000"/>
+              </a:lnSpc>
+              <a:spcBef>
+                <a:spcPts val="0"/>
+              </a:spcBef>
+              <a:spcAft>
+                <a:spcPts val="0"/>
+              </a:spcAft>
+              <a:buClr>
+                <a:srgbClr val="000000"/>
+              </a:buClr>
+              <a:buSzPts val="1000"/>
+              <a:buFont typeface="Arial"/>
+              <a:buNone/>
+              <a:defRPr b="0" i="0" sz="1000" u="none" cap="none" strike="noStrike">
+                <a:solidFill>
+                  <a:schemeClr val="lt2"/>
+                </a:solidFill>
+                <a:latin typeface="Arial"/>
+                <a:ea typeface="Arial"/>
+                <a:cs typeface="Arial"/>
+                <a:sym typeface="Arial"/>
+              </a:defRPr>
             </a:lvl8pPr>
-            <a:lvl9pPr lvl="8">
-              <a:buNone/>
-              <a:defRPr/>
+            <a:lvl9pPr indent="0" lvl="8" marL="0" marR="0" algn="r">
+              <a:lnSpc>
+                <a:spcPct val="100000"/>
+              </a:lnSpc>
+              <a:spcBef>
+                <a:spcPts val="0"/>
+              </a:spcBef>
+              <a:spcAft>
+                <a:spcPts val="0"/>
+              </a:spcAft>
+              <a:buClr>
+                <a:srgbClr val="000000"/>
+              </a:buClr>
+              <a:buSzPts val="1000"/>
+              <a:buFont typeface="Arial"/>
+              <a:buNone/>
+              <a:defRPr b="0" i="0" sz="1000" u="none" cap="none" strike="noStrike">
+                <a:solidFill>
+                  <a:schemeClr val="lt2"/>
+                </a:solidFill>
+                <a:latin typeface="Arial"/>
+                <a:ea typeface="Arial"/>
+                <a:cs typeface="Arial"/>
+                <a:sym typeface="Arial"/>
+              </a:defRPr>
             </a:lvl9pPr>
           </a:lstStyle>
           <a:p>
@@ -4112,7 +6601,7 @@
       </p:grpSpPr>
       <p:sp>
         <p:nvSpPr>
-          <p:cNvPr id="36" name="Google Shape;36;p9"/>
+          <p:cNvPr id="36" name="Google Shape;36;p16"/>
           <p:cNvSpPr/>
           <p:nvPr/>
         </p:nvSpPr>
@@ -4137,25 +6626,41 @@
           </a:bodyPr>
           <a:lstStyle/>
           <a:p>
-            <a:pPr indent="0" lvl="0" marL="0" rtl="0" algn="l">
-              <a:spcBef>
-                <a:spcPts val="0"/>
-              </a:spcBef>
-              <a:spcAft>
-                <a:spcPts val="0"/>
-              </a:spcAft>
+            <a:pPr indent="0" lvl="0" marL="0" marR="0" rtl="0" algn="l">
+              <a:lnSpc>
+                <a:spcPct val="100000"/>
+              </a:lnSpc>
+              <a:spcBef>
+                <a:spcPts val="0"/>
+              </a:spcBef>
+              <a:spcAft>
+                <a:spcPts val="0"/>
+              </a:spcAft>
+              <a:buClr>
+                <a:srgbClr val="000000"/>
+              </a:buClr>
+              <a:buSzPts val="1400"/>
+              <a:buFont typeface="Arial"/>
               <a:buNone/>
             </a:pPr>
             <a:r>
               <a:t/>
             </a:r>
-            <a:endParaRPr/>
+            <a:endParaRPr b="0" i="0" sz="1400" u="none" cap="none" strike="noStrike">
+              <a:solidFill>
+                <a:srgbClr val="000000"/>
+              </a:solidFill>
+              <a:latin typeface="Arial"/>
+              <a:ea typeface="Arial"/>
+              <a:cs typeface="Arial"/>
+              <a:sym typeface="Arial"/>
+            </a:endParaRPr>
           </a:p>
         </p:txBody>
       </p:sp>
       <p:sp>
         <p:nvSpPr>
-          <p:cNvPr id="37" name="Google Shape;37;p9"/>
+          <p:cNvPr id="37" name="Google Shape;37;p16"/>
           <p:cNvSpPr txBox="1"/>
           <p:nvPr>
             <p:ph type="title"/>
@@ -4169,6 +6674,10 @@
           <a:prstGeom prst="rect">
             <a:avLst/>
           </a:prstGeom>
+          <a:noFill/>
+          <a:ln>
+            <a:noFill/>
+          </a:ln>
         </p:spPr>
         <p:txBody>
           <a:bodyPr anchorCtr="0" anchor="b" bIns="91425" lIns="91425" spcFirstLastPara="1" rIns="91425" wrap="square" tIns="91425">
@@ -4176,6 +6685,9 @@
           </a:bodyPr>
           <a:lstStyle>
             <a:lvl1pPr lvl="0" algn="ctr">
+              <a:lnSpc>
+                <a:spcPct val="100000"/>
+              </a:lnSpc>
               <a:spcBef>
                 <a:spcPts val="0"/>
               </a:spcBef>
@@ -4187,6 +6699,9 @@
               <a:defRPr sz="4200"/>
             </a:lvl1pPr>
             <a:lvl2pPr lvl="1" algn="ctr">
+              <a:lnSpc>
+                <a:spcPct val="100000"/>
+              </a:lnSpc>
               <a:spcBef>
                 <a:spcPts val="0"/>
               </a:spcBef>
@@ -4198,6 +6713,9 @@
               <a:defRPr sz="4200"/>
             </a:lvl2pPr>
             <a:lvl3pPr lvl="2" algn="ctr">
+              <a:lnSpc>
+                <a:spcPct val="100000"/>
+              </a:lnSpc>
               <a:spcBef>
                 <a:spcPts val="0"/>
               </a:spcBef>
@@ -4209,6 +6727,9 @@
               <a:defRPr sz="4200"/>
             </a:lvl3pPr>
             <a:lvl4pPr lvl="3" algn="ctr">
+              <a:lnSpc>
+                <a:spcPct val="100000"/>
+              </a:lnSpc>
               <a:spcBef>
                 <a:spcPts val="0"/>
               </a:spcBef>
@@ -4220,6 +6741,9 @@
               <a:defRPr sz="4200"/>
             </a:lvl4pPr>
             <a:lvl5pPr lvl="4" algn="ctr">
+              <a:lnSpc>
+                <a:spcPct val="100000"/>
+              </a:lnSpc>
               <a:spcBef>
                 <a:spcPts val="0"/>
               </a:spcBef>
@@ -4231,6 +6755,9 @@
               <a:defRPr sz="4200"/>
             </a:lvl5pPr>
             <a:lvl6pPr lvl="5" algn="ctr">
+              <a:lnSpc>
+                <a:spcPct val="100000"/>
+              </a:lnSpc>
               <a:spcBef>
                 <a:spcPts val="0"/>
               </a:spcBef>
@@ -4242,6 +6769,9 @@
               <a:defRPr sz="4200"/>
             </a:lvl6pPr>
             <a:lvl7pPr lvl="6" algn="ctr">
+              <a:lnSpc>
+                <a:spcPct val="100000"/>
+              </a:lnSpc>
               <a:spcBef>
                 <a:spcPts val="0"/>
               </a:spcBef>
@@ -4253,6 +6783,9 @@
               <a:defRPr sz="4200"/>
             </a:lvl7pPr>
             <a:lvl8pPr lvl="7" algn="ctr">
+              <a:lnSpc>
+                <a:spcPct val="100000"/>
+              </a:lnSpc>
               <a:spcBef>
                 <a:spcPts val="0"/>
               </a:spcBef>
@@ -4264,6 +6797,9 @@
               <a:defRPr sz="4200"/>
             </a:lvl8pPr>
             <a:lvl9pPr lvl="8" algn="ctr">
+              <a:lnSpc>
+                <a:spcPct val="100000"/>
+              </a:lnSpc>
               <a:spcBef>
                 <a:spcPts val="0"/>
               </a:spcBef>
@@ -4280,7 +6816,7 @@
       </p:sp>
       <p:sp>
         <p:nvSpPr>
-          <p:cNvPr id="38" name="Google Shape;38;p9"/>
+          <p:cNvPr id="38" name="Google Shape;38;p16"/>
           <p:cNvSpPr txBox="1"/>
           <p:nvPr>
             <p:ph idx="1" type="subTitle"/>
@@ -4294,6 +6830,10 @@
           <a:prstGeom prst="rect">
             <a:avLst/>
           </a:prstGeom>
+          <a:noFill/>
+          <a:ln>
+            <a:noFill/>
+          </a:ln>
         </p:spPr>
         <p:txBody>
           <a:bodyPr anchorCtr="0" anchor="t" bIns="91425" lIns="91425" spcFirstLastPara="1" rIns="91425" wrap="square" tIns="91425">
@@ -4432,7 +6972,7 @@
       </p:sp>
       <p:sp>
         <p:nvSpPr>
-          <p:cNvPr id="39" name="Google Shape;39;p9"/>
+          <p:cNvPr id="39" name="Google Shape;39;p16"/>
           <p:cNvSpPr txBox="1"/>
           <p:nvPr>
             <p:ph idx="2" type="body"/>
@@ -4446,13 +6986,20 @@
           <a:prstGeom prst="rect">
             <a:avLst/>
           </a:prstGeom>
+          <a:noFill/>
+          <a:ln>
+            <a:noFill/>
+          </a:ln>
         </p:spPr>
         <p:txBody>
           <a:bodyPr anchorCtr="0" anchor="ctr" bIns="91425" lIns="91425" spcFirstLastPara="1" rIns="91425" wrap="square" tIns="91425">
             <a:normAutofit/>
           </a:bodyPr>
           <a:lstStyle>
-            <a:lvl1pPr indent="-342900" lvl="0" marL="457200">
+            <a:lvl1pPr indent="-342900" lvl="0" marL="457200" algn="l">
+              <a:lnSpc>
+                <a:spcPct val="115000"/>
+              </a:lnSpc>
               <a:spcBef>
                 <a:spcPts val="0"/>
               </a:spcBef>
@@ -4470,7 +7017,10 @@
                 </a:solidFill>
               </a:defRPr>
             </a:lvl1pPr>
-            <a:lvl2pPr indent="-317500" lvl="1" marL="914400">
+            <a:lvl2pPr indent="-317500" lvl="1" marL="914400" algn="l">
+              <a:lnSpc>
+                <a:spcPct val="115000"/>
+              </a:lnSpc>
               <a:spcBef>
                 <a:spcPts val="0"/>
               </a:spcBef>
@@ -4488,7 +7038,10 @@
                 </a:solidFill>
               </a:defRPr>
             </a:lvl2pPr>
-            <a:lvl3pPr indent="-317500" lvl="2" marL="1371600">
+            <a:lvl3pPr indent="-317500" lvl="2" marL="1371600" algn="l">
+              <a:lnSpc>
+                <a:spcPct val="115000"/>
+              </a:lnSpc>
               <a:spcBef>
                 <a:spcPts val="0"/>
               </a:spcBef>
@@ -4506,7 +7059,10 @@
                 </a:solidFill>
               </a:defRPr>
             </a:lvl3pPr>
-            <a:lvl4pPr indent="-317500" lvl="3" marL="1828800">
+            <a:lvl4pPr indent="-317500" lvl="3" marL="1828800" algn="l">
+              <a:lnSpc>
+                <a:spcPct val="115000"/>
+              </a:lnSpc>
               <a:spcBef>
                 <a:spcPts val="0"/>
               </a:spcBef>
@@ -4524,7 +7080,10 @@
                 </a:solidFill>
               </a:defRPr>
             </a:lvl4pPr>
-            <a:lvl5pPr indent="-317500" lvl="4" marL="2286000">
+            <a:lvl5pPr indent="-317500" lvl="4" marL="2286000" algn="l">
+              <a:lnSpc>
+                <a:spcPct val="115000"/>
+              </a:lnSpc>
               <a:spcBef>
                 <a:spcPts val="0"/>
               </a:spcBef>
@@ -4542,7 +7101,10 @@
                 </a:solidFill>
               </a:defRPr>
             </a:lvl5pPr>
-            <a:lvl6pPr indent="-317500" lvl="5" marL="2743200">
+            <a:lvl6pPr indent="-317500" lvl="5" marL="2743200" algn="l">
+              <a:lnSpc>
+                <a:spcPct val="115000"/>
+              </a:lnSpc>
               <a:spcBef>
                 <a:spcPts val="0"/>
               </a:spcBef>
@@ -4560,7 +7122,10 @@
                 </a:solidFill>
               </a:defRPr>
             </a:lvl6pPr>
-            <a:lvl7pPr indent="-317500" lvl="6" marL="3200400">
+            <a:lvl7pPr indent="-317500" lvl="6" marL="3200400" algn="l">
+              <a:lnSpc>
+                <a:spcPct val="115000"/>
+              </a:lnSpc>
               <a:spcBef>
                 <a:spcPts val="0"/>
               </a:spcBef>
@@ -4578,7 +7143,10 @@
                 </a:solidFill>
               </a:defRPr>
             </a:lvl7pPr>
-            <a:lvl8pPr indent="-317500" lvl="7" marL="3657600">
+            <a:lvl8pPr indent="-317500" lvl="7" marL="3657600" algn="l">
+              <a:lnSpc>
+                <a:spcPct val="115000"/>
+              </a:lnSpc>
               <a:spcBef>
                 <a:spcPts val="0"/>
               </a:spcBef>
@@ -4596,7 +7164,10 @@
                 </a:solidFill>
               </a:defRPr>
             </a:lvl8pPr>
-            <a:lvl9pPr indent="-317500" lvl="8" marL="4114800">
+            <a:lvl9pPr indent="-317500" lvl="8" marL="4114800" algn="l">
+              <a:lnSpc>
+                <a:spcPct val="115000"/>
+              </a:lnSpc>
               <a:spcBef>
                 <a:spcPts val="0"/>
               </a:spcBef>
@@ -4620,7 +7191,7 @@
       </p:sp>
       <p:sp>
         <p:nvSpPr>
-          <p:cNvPr id="40" name="Google Shape;40;p9"/>
+          <p:cNvPr id="40" name="Google Shape;40;p16"/>
           <p:cNvSpPr txBox="1"/>
           <p:nvPr>
             <p:ph idx="12" type="sldNum"/>
@@ -4634,47 +7205,249 @@
           <a:prstGeom prst="rect">
             <a:avLst/>
           </a:prstGeom>
+          <a:noFill/>
+          <a:ln>
+            <a:noFill/>
+          </a:ln>
         </p:spPr>
         <p:txBody>
           <a:bodyPr anchorCtr="0" anchor="ctr" bIns="91425" lIns="91425" spcFirstLastPara="1" rIns="91425" wrap="square" tIns="91425">
             <a:normAutofit/>
           </a:bodyPr>
           <a:lstStyle>
-            <a:lvl1pPr lvl="0">
-              <a:buNone/>
-              <a:defRPr/>
+            <a:lvl1pPr indent="0" lvl="0" marL="0" marR="0" algn="r">
+              <a:lnSpc>
+                <a:spcPct val="100000"/>
+              </a:lnSpc>
+              <a:spcBef>
+                <a:spcPts val="0"/>
+              </a:spcBef>
+              <a:spcAft>
+                <a:spcPts val="0"/>
+              </a:spcAft>
+              <a:buClr>
+                <a:srgbClr val="000000"/>
+              </a:buClr>
+              <a:buSzPts val="1000"/>
+              <a:buFont typeface="Arial"/>
+              <a:buNone/>
+              <a:defRPr b="0" i="0" sz="1000" u="none" cap="none" strike="noStrike">
+                <a:solidFill>
+                  <a:schemeClr val="lt2"/>
+                </a:solidFill>
+                <a:latin typeface="Arial"/>
+                <a:ea typeface="Arial"/>
+                <a:cs typeface="Arial"/>
+                <a:sym typeface="Arial"/>
+              </a:defRPr>
             </a:lvl1pPr>
-            <a:lvl2pPr lvl="1">
-              <a:buNone/>
-              <a:defRPr/>
+            <a:lvl2pPr indent="0" lvl="1" marL="0" marR="0" algn="r">
+              <a:lnSpc>
+                <a:spcPct val="100000"/>
+              </a:lnSpc>
+              <a:spcBef>
+                <a:spcPts val="0"/>
+              </a:spcBef>
+              <a:spcAft>
+                <a:spcPts val="0"/>
+              </a:spcAft>
+              <a:buClr>
+                <a:srgbClr val="000000"/>
+              </a:buClr>
+              <a:buSzPts val="1000"/>
+              <a:buFont typeface="Arial"/>
+              <a:buNone/>
+              <a:defRPr b="0" i="0" sz="1000" u="none" cap="none" strike="noStrike">
+                <a:solidFill>
+                  <a:schemeClr val="lt2"/>
+                </a:solidFill>
+                <a:latin typeface="Arial"/>
+                <a:ea typeface="Arial"/>
+                <a:cs typeface="Arial"/>
+                <a:sym typeface="Arial"/>
+              </a:defRPr>
             </a:lvl2pPr>
-            <a:lvl3pPr lvl="2">
-              <a:buNone/>
-              <a:defRPr/>
+            <a:lvl3pPr indent="0" lvl="2" marL="0" marR="0" algn="r">
+              <a:lnSpc>
+                <a:spcPct val="100000"/>
+              </a:lnSpc>
+              <a:spcBef>
+                <a:spcPts val="0"/>
+              </a:spcBef>
+              <a:spcAft>
+                <a:spcPts val="0"/>
+              </a:spcAft>
+              <a:buClr>
+                <a:srgbClr val="000000"/>
+              </a:buClr>
+              <a:buSzPts val="1000"/>
+              <a:buFont typeface="Arial"/>
+              <a:buNone/>
+              <a:defRPr b="0" i="0" sz="1000" u="none" cap="none" strike="noStrike">
+                <a:solidFill>
+                  <a:schemeClr val="lt2"/>
+                </a:solidFill>
+                <a:latin typeface="Arial"/>
+                <a:ea typeface="Arial"/>
+                <a:cs typeface="Arial"/>
+                <a:sym typeface="Arial"/>
+              </a:defRPr>
             </a:lvl3pPr>
-            <a:lvl4pPr lvl="3">
-              <a:buNone/>
-              <a:defRPr/>
+            <a:lvl4pPr indent="0" lvl="3" marL="0" marR="0" algn="r">
+              <a:lnSpc>
+                <a:spcPct val="100000"/>
+              </a:lnSpc>
+              <a:spcBef>
+                <a:spcPts val="0"/>
+              </a:spcBef>
+              <a:spcAft>
+                <a:spcPts val="0"/>
+              </a:spcAft>
+              <a:buClr>
+                <a:srgbClr val="000000"/>
+              </a:buClr>
+              <a:buSzPts val="1000"/>
+              <a:buFont typeface="Arial"/>
+              <a:buNone/>
+              <a:defRPr b="0" i="0" sz="1000" u="none" cap="none" strike="noStrike">
+                <a:solidFill>
+                  <a:schemeClr val="lt2"/>
+                </a:solidFill>
+                <a:latin typeface="Arial"/>
+                <a:ea typeface="Arial"/>
+                <a:cs typeface="Arial"/>
+                <a:sym typeface="Arial"/>
+              </a:defRPr>
             </a:lvl4pPr>
-            <a:lvl5pPr lvl="4">
-              <a:buNone/>
-              <a:defRPr/>
+            <a:lvl5pPr indent="0" lvl="4" marL="0" marR="0" algn="r">
+              <a:lnSpc>
+                <a:spcPct val="100000"/>
+              </a:lnSpc>
+              <a:spcBef>
+                <a:spcPts val="0"/>
+              </a:spcBef>
+              <a:spcAft>
+                <a:spcPts val="0"/>
+              </a:spcAft>
+              <a:buClr>
+                <a:srgbClr val="000000"/>
+              </a:buClr>
+              <a:buSzPts val="1000"/>
+              <a:buFont typeface="Arial"/>
+              <a:buNone/>
+              <a:defRPr b="0" i="0" sz="1000" u="none" cap="none" strike="noStrike">
+                <a:solidFill>
+                  <a:schemeClr val="lt2"/>
+                </a:solidFill>
+                <a:latin typeface="Arial"/>
+                <a:ea typeface="Arial"/>
+                <a:cs typeface="Arial"/>
+                <a:sym typeface="Arial"/>
+              </a:defRPr>
             </a:lvl5pPr>
-            <a:lvl6pPr lvl="5">
-              <a:buNone/>
-              <a:defRPr/>
+            <a:lvl6pPr indent="0" lvl="5" marL="0" marR="0" algn="r">
+              <a:lnSpc>
+                <a:spcPct val="100000"/>
+              </a:lnSpc>
+              <a:spcBef>
+                <a:spcPts val="0"/>
+              </a:spcBef>
+              <a:spcAft>
+                <a:spcPts val="0"/>
+              </a:spcAft>
+              <a:buClr>
+                <a:srgbClr val="000000"/>
+              </a:buClr>
+              <a:buSzPts val="1000"/>
+              <a:buFont typeface="Arial"/>
+              <a:buNone/>
+              <a:defRPr b="0" i="0" sz="1000" u="none" cap="none" strike="noStrike">
+                <a:solidFill>
+                  <a:schemeClr val="lt2"/>
+                </a:solidFill>
+                <a:latin typeface="Arial"/>
+                <a:ea typeface="Arial"/>
+                <a:cs typeface="Arial"/>
+                <a:sym typeface="Arial"/>
+              </a:defRPr>
             </a:lvl6pPr>
-            <a:lvl7pPr lvl="6">
-              <a:buNone/>
-              <a:defRPr/>
+            <a:lvl7pPr indent="0" lvl="6" marL="0" marR="0" algn="r">
+              <a:lnSpc>
+                <a:spcPct val="100000"/>
+              </a:lnSpc>
+              <a:spcBef>
+                <a:spcPts val="0"/>
+              </a:spcBef>
+              <a:spcAft>
+                <a:spcPts val="0"/>
+              </a:spcAft>
+              <a:buClr>
+                <a:srgbClr val="000000"/>
+              </a:buClr>
+              <a:buSzPts val="1000"/>
+              <a:buFont typeface="Arial"/>
+              <a:buNone/>
+              <a:defRPr b="0" i="0" sz="1000" u="none" cap="none" strike="noStrike">
+                <a:solidFill>
+                  <a:schemeClr val="lt2"/>
+                </a:solidFill>
+                <a:latin typeface="Arial"/>
+                <a:ea typeface="Arial"/>
+                <a:cs typeface="Arial"/>
+                <a:sym typeface="Arial"/>
+              </a:defRPr>
             </a:lvl7pPr>
-            <a:lvl8pPr lvl="7">
-              <a:buNone/>
-              <a:defRPr/>
+            <a:lvl8pPr indent="0" lvl="7" marL="0" marR="0" algn="r">
+              <a:lnSpc>
+                <a:spcPct val="100000"/>
+              </a:lnSpc>
+              <a:spcBef>
+                <a:spcPts val="0"/>
+              </a:spcBef>
+              <a:spcAft>
+                <a:spcPts val="0"/>
+              </a:spcAft>
+              <a:buClr>
+                <a:srgbClr val="000000"/>
+              </a:buClr>
+              <a:buSzPts val="1000"/>
+              <a:buFont typeface="Arial"/>
+              <a:buNone/>
+              <a:defRPr b="0" i="0" sz="1000" u="none" cap="none" strike="noStrike">
+                <a:solidFill>
+                  <a:schemeClr val="lt2"/>
+                </a:solidFill>
+                <a:latin typeface="Arial"/>
+                <a:ea typeface="Arial"/>
+                <a:cs typeface="Arial"/>
+                <a:sym typeface="Arial"/>
+              </a:defRPr>
             </a:lvl8pPr>
-            <a:lvl9pPr lvl="8">
-              <a:buNone/>
-              <a:defRPr/>
+            <a:lvl9pPr indent="0" lvl="8" marL="0" marR="0" algn="r">
+              <a:lnSpc>
+                <a:spcPct val="100000"/>
+              </a:lnSpc>
+              <a:spcBef>
+                <a:spcPts val="0"/>
+              </a:spcBef>
+              <a:spcAft>
+                <a:spcPts val="0"/>
+              </a:spcAft>
+              <a:buClr>
+                <a:srgbClr val="000000"/>
+              </a:buClr>
+              <a:buSzPts val="1000"/>
+              <a:buFont typeface="Arial"/>
+              <a:buNone/>
+              <a:defRPr b="0" i="0" sz="1000" u="none" cap="none" strike="noStrike">
+                <a:solidFill>
+                  <a:schemeClr val="lt2"/>
+                </a:solidFill>
+                <a:latin typeface="Arial"/>
+                <a:ea typeface="Arial"/>
+                <a:cs typeface="Arial"/>
+                <a:sym typeface="Arial"/>
+              </a:defRPr>
             </a:lvl9pPr>
           </a:lstStyle>
           <a:p>
@@ -4722,7 +7495,7 @@
       </p:grpSpPr>
       <p:sp>
         <p:nvSpPr>
-          <p:cNvPr id="42" name="Google Shape;42;p10"/>
+          <p:cNvPr id="42" name="Google Shape;42;p17"/>
           <p:cNvSpPr txBox="1"/>
           <p:nvPr>
             <p:ph idx="1" type="body"/>
@@ -4736,13 +7509,17 @@
           <a:prstGeom prst="rect">
             <a:avLst/>
           </a:prstGeom>
+          <a:noFill/>
+          <a:ln>
+            <a:noFill/>
+          </a:ln>
         </p:spPr>
         <p:txBody>
           <a:bodyPr anchorCtr="0" anchor="ctr" bIns="91425" lIns="91425" spcFirstLastPara="1" rIns="91425" wrap="square" tIns="91425">
             <a:normAutofit/>
           </a:bodyPr>
           <a:lstStyle>
-            <a:lvl1pPr indent="-228600" lvl="0" marL="457200">
+            <a:lvl1pPr indent="-228600" lvl="0" marL="457200" algn="l">
               <a:lnSpc>
                 <a:spcPct val="100000"/>
               </a:lnSpc>
@@ -4762,7 +7539,7 @@
       </p:sp>
       <p:sp>
         <p:nvSpPr>
-          <p:cNvPr id="43" name="Google Shape;43;p10"/>
+          <p:cNvPr id="43" name="Google Shape;43;p17"/>
           <p:cNvSpPr txBox="1"/>
           <p:nvPr>
             <p:ph idx="12" type="sldNum"/>
@@ -4776,47 +7553,249 @@
           <a:prstGeom prst="rect">
             <a:avLst/>
           </a:prstGeom>
+          <a:noFill/>
+          <a:ln>
+            <a:noFill/>
+          </a:ln>
         </p:spPr>
         <p:txBody>
           <a:bodyPr anchorCtr="0" anchor="ctr" bIns="91425" lIns="91425" spcFirstLastPara="1" rIns="91425" wrap="square" tIns="91425">
             <a:normAutofit/>
           </a:bodyPr>
           <a:lstStyle>
-            <a:lvl1pPr lvl="0">
-              <a:buNone/>
-              <a:defRPr/>
+            <a:lvl1pPr indent="0" lvl="0" marL="0" marR="0" algn="r">
+              <a:lnSpc>
+                <a:spcPct val="100000"/>
+              </a:lnSpc>
+              <a:spcBef>
+                <a:spcPts val="0"/>
+              </a:spcBef>
+              <a:spcAft>
+                <a:spcPts val="0"/>
+              </a:spcAft>
+              <a:buClr>
+                <a:srgbClr val="000000"/>
+              </a:buClr>
+              <a:buSzPts val="1000"/>
+              <a:buFont typeface="Arial"/>
+              <a:buNone/>
+              <a:defRPr b="0" i="0" sz="1000" u="none" cap="none" strike="noStrike">
+                <a:solidFill>
+                  <a:schemeClr val="lt2"/>
+                </a:solidFill>
+                <a:latin typeface="Arial"/>
+                <a:ea typeface="Arial"/>
+                <a:cs typeface="Arial"/>
+                <a:sym typeface="Arial"/>
+              </a:defRPr>
             </a:lvl1pPr>
-            <a:lvl2pPr lvl="1">
-              <a:buNone/>
-              <a:defRPr/>
+            <a:lvl2pPr indent="0" lvl="1" marL="0" marR="0" algn="r">
+              <a:lnSpc>
+                <a:spcPct val="100000"/>
+              </a:lnSpc>
+              <a:spcBef>
+                <a:spcPts val="0"/>
+              </a:spcBef>
+              <a:spcAft>
+                <a:spcPts val="0"/>
+              </a:spcAft>
+              <a:buClr>
+                <a:srgbClr val="000000"/>
+              </a:buClr>
+              <a:buSzPts val="1000"/>
+              <a:buFont typeface="Arial"/>
+              <a:buNone/>
+              <a:defRPr b="0" i="0" sz="1000" u="none" cap="none" strike="noStrike">
+                <a:solidFill>
+                  <a:schemeClr val="lt2"/>
+                </a:solidFill>
+                <a:latin typeface="Arial"/>
+                <a:ea typeface="Arial"/>
+                <a:cs typeface="Arial"/>
+                <a:sym typeface="Arial"/>
+              </a:defRPr>
             </a:lvl2pPr>
-            <a:lvl3pPr lvl="2">
-              <a:buNone/>
-              <a:defRPr/>
+            <a:lvl3pPr indent="0" lvl="2" marL="0" marR="0" algn="r">
+              <a:lnSpc>
+                <a:spcPct val="100000"/>
+              </a:lnSpc>
+              <a:spcBef>
+                <a:spcPts val="0"/>
+              </a:spcBef>
+              <a:spcAft>
+                <a:spcPts val="0"/>
+              </a:spcAft>
+              <a:buClr>
+                <a:srgbClr val="000000"/>
+              </a:buClr>
+              <a:buSzPts val="1000"/>
+              <a:buFont typeface="Arial"/>
+              <a:buNone/>
+              <a:defRPr b="0" i="0" sz="1000" u="none" cap="none" strike="noStrike">
+                <a:solidFill>
+                  <a:schemeClr val="lt2"/>
+                </a:solidFill>
+                <a:latin typeface="Arial"/>
+                <a:ea typeface="Arial"/>
+                <a:cs typeface="Arial"/>
+                <a:sym typeface="Arial"/>
+              </a:defRPr>
             </a:lvl3pPr>
-            <a:lvl4pPr lvl="3">
-              <a:buNone/>
-              <a:defRPr/>
+            <a:lvl4pPr indent="0" lvl="3" marL="0" marR="0" algn="r">
+              <a:lnSpc>
+                <a:spcPct val="100000"/>
+              </a:lnSpc>
+              <a:spcBef>
+                <a:spcPts val="0"/>
+              </a:spcBef>
+              <a:spcAft>
+                <a:spcPts val="0"/>
+              </a:spcAft>
+              <a:buClr>
+                <a:srgbClr val="000000"/>
+              </a:buClr>
+              <a:buSzPts val="1000"/>
+              <a:buFont typeface="Arial"/>
+              <a:buNone/>
+              <a:defRPr b="0" i="0" sz="1000" u="none" cap="none" strike="noStrike">
+                <a:solidFill>
+                  <a:schemeClr val="lt2"/>
+                </a:solidFill>
+                <a:latin typeface="Arial"/>
+                <a:ea typeface="Arial"/>
+                <a:cs typeface="Arial"/>
+                <a:sym typeface="Arial"/>
+              </a:defRPr>
             </a:lvl4pPr>
-            <a:lvl5pPr lvl="4">
-              <a:buNone/>
-              <a:defRPr/>
+            <a:lvl5pPr indent="0" lvl="4" marL="0" marR="0" algn="r">
+              <a:lnSpc>
+                <a:spcPct val="100000"/>
+              </a:lnSpc>
+              <a:spcBef>
+                <a:spcPts val="0"/>
+              </a:spcBef>
+              <a:spcAft>
+                <a:spcPts val="0"/>
+              </a:spcAft>
+              <a:buClr>
+                <a:srgbClr val="000000"/>
+              </a:buClr>
+              <a:buSzPts val="1000"/>
+              <a:buFont typeface="Arial"/>
+              <a:buNone/>
+              <a:defRPr b="0" i="0" sz="1000" u="none" cap="none" strike="noStrike">
+                <a:solidFill>
+                  <a:schemeClr val="lt2"/>
+                </a:solidFill>
+                <a:latin typeface="Arial"/>
+                <a:ea typeface="Arial"/>
+                <a:cs typeface="Arial"/>
+                <a:sym typeface="Arial"/>
+              </a:defRPr>
             </a:lvl5pPr>
-            <a:lvl6pPr lvl="5">
-              <a:buNone/>
-              <a:defRPr/>
+            <a:lvl6pPr indent="0" lvl="5" marL="0" marR="0" algn="r">
+              <a:lnSpc>
+                <a:spcPct val="100000"/>
+              </a:lnSpc>
+              <a:spcBef>
+                <a:spcPts val="0"/>
+              </a:spcBef>
+              <a:spcAft>
+                <a:spcPts val="0"/>
+              </a:spcAft>
+              <a:buClr>
+                <a:srgbClr val="000000"/>
+              </a:buClr>
+              <a:buSzPts val="1000"/>
+              <a:buFont typeface="Arial"/>
+              <a:buNone/>
+              <a:defRPr b="0" i="0" sz="1000" u="none" cap="none" strike="noStrike">
+                <a:solidFill>
+                  <a:schemeClr val="lt2"/>
+                </a:solidFill>
+                <a:latin typeface="Arial"/>
+                <a:ea typeface="Arial"/>
+                <a:cs typeface="Arial"/>
+                <a:sym typeface="Arial"/>
+              </a:defRPr>
             </a:lvl6pPr>
-            <a:lvl7pPr lvl="6">
-              <a:buNone/>
-              <a:defRPr/>
+            <a:lvl7pPr indent="0" lvl="6" marL="0" marR="0" algn="r">
+              <a:lnSpc>
+                <a:spcPct val="100000"/>
+              </a:lnSpc>
+              <a:spcBef>
+                <a:spcPts val="0"/>
+              </a:spcBef>
+              <a:spcAft>
+                <a:spcPts val="0"/>
+              </a:spcAft>
+              <a:buClr>
+                <a:srgbClr val="000000"/>
+              </a:buClr>
+              <a:buSzPts val="1000"/>
+              <a:buFont typeface="Arial"/>
+              <a:buNone/>
+              <a:defRPr b="0" i="0" sz="1000" u="none" cap="none" strike="noStrike">
+                <a:solidFill>
+                  <a:schemeClr val="lt2"/>
+                </a:solidFill>
+                <a:latin typeface="Arial"/>
+                <a:ea typeface="Arial"/>
+                <a:cs typeface="Arial"/>
+                <a:sym typeface="Arial"/>
+              </a:defRPr>
             </a:lvl7pPr>
-            <a:lvl8pPr lvl="7">
-              <a:buNone/>
-              <a:defRPr/>
+            <a:lvl8pPr indent="0" lvl="7" marL="0" marR="0" algn="r">
+              <a:lnSpc>
+                <a:spcPct val="100000"/>
+              </a:lnSpc>
+              <a:spcBef>
+                <a:spcPts val="0"/>
+              </a:spcBef>
+              <a:spcAft>
+                <a:spcPts val="0"/>
+              </a:spcAft>
+              <a:buClr>
+                <a:srgbClr val="000000"/>
+              </a:buClr>
+              <a:buSzPts val="1000"/>
+              <a:buFont typeface="Arial"/>
+              <a:buNone/>
+              <a:defRPr b="0" i="0" sz="1000" u="none" cap="none" strike="noStrike">
+                <a:solidFill>
+                  <a:schemeClr val="lt2"/>
+                </a:solidFill>
+                <a:latin typeface="Arial"/>
+                <a:ea typeface="Arial"/>
+                <a:cs typeface="Arial"/>
+                <a:sym typeface="Arial"/>
+              </a:defRPr>
             </a:lvl8pPr>
-            <a:lvl9pPr lvl="8">
-              <a:buNone/>
-              <a:defRPr/>
+            <a:lvl9pPr indent="0" lvl="8" marL="0" marR="0" algn="r">
+              <a:lnSpc>
+                <a:spcPct val="100000"/>
+              </a:lnSpc>
+              <a:spcBef>
+                <a:spcPts val="0"/>
+              </a:spcBef>
+              <a:spcAft>
+                <a:spcPts val="0"/>
+              </a:spcAft>
+              <a:buClr>
+                <a:srgbClr val="000000"/>
+              </a:buClr>
+              <a:buSzPts val="1000"/>
+              <a:buFont typeface="Arial"/>
+              <a:buNone/>
+              <a:defRPr b="0" i="0" sz="1000" u="none" cap="none" strike="noStrike">
+                <a:solidFill>
+                  <a:schemeClr val="lt2"/>
+                </a:solidFill>
+                <a:latin typeface="Arial"/>
+                <a:ea typeface="Arial"/>
+                <a:cs typeface="Arial"/>
+                <a:sym typeface="Arial"/>
+              </a:defRPr>
             </a:lvl9pPr>
           </a:lstStyle>
           <a:p>
@@ -4871,7 +7850,7 @@
       </p:grpSpPr>
       <p:sp>
         <p:nvSpPr>
-          <p:cNvPr id="6" name="Google Shape;6;p1"/>
+          <p:cNvPr id="6" name="Google Shape;6;p8"/>
           <p:cNvSpPr txBox="1"/>
           <p:nvPr>
             <p:ph type="title"/>
@@ -4895,7 +7874,10 @@
             <a:normAutofit/>
           </a:bodyPr>
           <a:lstStyle>
-            <a:lvl1pPr lvl="0">
+            <a:lvl1pPr lvl="0" marR="0" rtl="0" algn="l">
+              <a:lnSpc>
+                <a:spcPct val="100000"/>
+              </a:lnSpc>
               <a:spcBef>
                 <a:spcPts val="0"/>
               </a:spcBef>
@@ -4906,14 +7888,22 @@
                 <a:schemeClr val="dk1"/>
               </a:buClr>
               <a:buSzPts val="2800"/>
-              <a:buNone/>
-              <a:defRPr sz="2800">
+              <a:buFont typeface="Arial"/>
+              <a:buNone/>
+              <a:defRPr b="0" i="0" sz="2800" u="none" cap="none" strike="noStrike">
                 <a:solidFill>
                   <a:schemeClr val="dk1"/>
                 </a:solidFill>
+                <a:latin typeface="Arial"/>
+                <a:ea typeface="Arial"/>
+                <a:cs typeface="Arial"/>
+                <a:sym typeface="Arial"/>
               </a:defRPr>
             </a:lvl1pPr>
-            <a:lvl2pPr lvl="1">
+            <a:lvl2pPr lvl="1" marR="0" rtl="0" algn="l">
+              <a:lnSpc>
+                <a:spcPct val="100000"/>
+              </a:lnSpc>
               <a:spcBef>
                 <a:spcPts val="0"/>
               </a:spcBef>
@@ -4924,14 +7914,22 @@
                 <a:schemeClr val="dk1"/>
               </a:buClr>
               <a:buSzPts val="2800"/>
-              <a:buNone/>
-              <a:defRPr sz="2800">
+              <a:buFont typeface="Arial"/>
+              <a:buNone/>
+              <a:defRPr b="0" i="0" sz="2800" u="none" cap="none" strike="noStrike">
                 <a:solidFill>
                   <a:schemeClr val="dk1"/>
                 </a:solidFill>
+                <a:latin typeface="Arial"/>
+                <a:ea typeface="Arial"/>
+                <a:cs typeface="Arial"/>
+                <a:sym typeface="Arial"/>
               </a:defRPr>
             </a:lvl2pPr>
-            <a:lvl3pPr lvl="2">
+            <a:lvl3pPr lvl="2" marR="0" rtl="0" algn="l">
+              <a:lnSpc>
+                <a:spcPct val="100000"/>
+              </a:lnSpc>
               <a:spcBef>
                 <a:spcPts val="0"/>
               </a:spcBef>
@@ -4942,14 +7940,22 @@
                 <a:schemeClr val="dk1"/>
               </a:buClr>
               <a:buSzPts val="2800"/>
-              <a:buNone/>
-              <a:defRPr sz="2800">
+              <a:buFont typeface="Arial"/>
+              <a:buNone/>
+              <a:defRPr b="0" i="0" sz="2800" u="none" cap="none" strike="noStrike">
                 <a:solidFill>
                   <a:schemeClr val="dk1"/>
                 </a:solidFill>
+                <a:latin typeface="Arial"/>
+                <a:ea typeface="Arial"/>
+                <a:cs typeface="Arial"/>
+                <a:sym typeface="Arial"/>
               </a:defRPr>
             </a:lvl3pPr>
-            <a:lvl4pPr lvl="3">
+            <a:lvl4pPr lvl="3" marR="0" rtl="0" algn="l">
+              <a:lnSpc>
+                <a:spcPct val="100000"/>
+              </a:lnSpc>
               <a:spcBef>
                 <a:spcPts val="0"/>
               </a:spcBef>
@@ -4960,14 +7966,22 @@
                 <a:schemeClr val="dk1"/>
               </a:buClr>
               <a:buSzPts val="2800"/>
-              <a:buNone/>
-              <a:defRPr sz="2800">
+              <a:buFont typeface="Arial"/>
+              <a:buNone/>
+              <a:defRPr b="0" i="0" sz="2800" u="none" cap="none" strike="noStrike">
                 <a:solidFill>
                   <a:schemeClr val="dk1"/>
                 </a:solidFill>
+                <a:latin typeface="Arial"/>
+                <a:ea typeface="Arial"/>
+                <a:cs typeface="Arial"/>
+                <a:sym typeface="Arial"/>
               </a:defRPr>
             </a:lvl4pPr>
-            <a:lvl5pPr lvl="4">
+            <a:lvl5pPr lvl="4" marR="0" rtl="0" algn="l">
+              <a:lnSpc>
+                <a:spcPct val="100000"/>
+              </a:lnSpc>
               <a:spcBef>
                 <a:spcPts val="0"/>
               </a:spcBef>
@@ -4978,14 +7992,22 @@
                 <a:schemeClr val="dk1"/>
               </a:buClr>
               <a:buSzPts val="2800"/>
-              <a:buNone/>
-              <a:defRPr sz="2800">
+              <a:buFont typeface="Arial"/>
+              <a:buNone/>
+              <a:defRPr b="0" i="0" sz="2800" u="none" cap="none" strike="noStrike">
                 <a:solidFill>
                   <a:schemeClr val="dk1"/>
                 </a:solidFill>
+                <a:latin typeface="Arial"/>
+                <a:ea typeface="Arial"/>
+                <a:cs typeface="Arial"/>
+                <a:sym typeface="Arial"/>
               </a:defRPr>
             </a:lvl5pPr>
-            <a:lvl6pPr lvl="5">
+            <a:lvl6pPr lvl="5" marR="0" rtl="0" algn="l">
+              <a:lnSpc>
+                <a:spcPct val="100000"/>
+              </a:lnSpc>
               <a:spcBef>
                 <a:spcPts val="0"/>
               </a:spcBef>
@@ -4996,14 +8018,22 @@
                 <a:schemeClr val="dk1"/>
               </a:buClr>
               <a:buSzPts val="2800"/>
-              <a:buNone/>
-              <a:defRPr sz="2800">
+              <a:buFont typeface="Arial"/>
+              <a:buNone/>
+              <a:defRPr b="0" i="0" sz="2800" u="none" cap="none" strike="noStrike">
                 <a:solidFill>
                   <a:schemeClr val="dk1"/>
                 </a:solidFill>
+                <a:latin typeface="Arial"/>
+                <a:ea typeface="Arial"/>
+                <a:cs typeface="Arial"/>
+                <a:sym typeface="Arial"/>
               </a:defRPr>
             </a:lvl6pPr>
-            <a:lvl7pPr lvl="6">
+            <a:lvl7pPr lvl="6" marR="0" rtl="0" algn="l">
+              <a:lnSpc>
+                <a:spcPct val="100000"/>
+              </a:lnSpc>
               <a:spcBef>
                 <a:spcPts val="0"/>
               </a:spcBef>
@@ -5014,14 +8044,22 @@
                 <a:schemeClr val="dk1"/>
               </a:buClr>
               <a:buSzPts val="2800"/>
-              <a:buNone/>
-              <a:defRPr sz="2800">
+              <a:buFont typeface="Arial"/>
+              <a:buNone/>
+              <a:defRPr b="0" i="0" sz="2800" u="none" cap="none" strike="noStrike">
                 <a:solidFill>
                   <a:schemeClr val="dk1"/>
                 </a:solidFill>
+                <a:latin typeface="Arial"/>
+                <a:ea typeface="Arial"/>
+                <a:cs typeface="Arial"/>
+                <a:sym typeface="Arial"/>
               </a:defRPr>
             </a:lvl7pPr>
-            <a:lvl8pPr lvl="7">
+            <a:lvl8pPr lvl="7" marR="0" rtl="0" algn="l">
+              <a:lnSpc>
+                <a:spcPct val="100000"/>
+              </a:lnSpc>
               <a:spcBef>
                 <a:spcPts val="0"/>
               </a:spcBef>
@@ -5032,14 +8070,22 @@
                 <a:schemeClr val="dk1"/>
               </a:buClr>
               <a:buSzPts val="2800"/>
-              <a:buNone/>
-              <a:defRPr sz="2800">
+              <a:buFont typeface="Arial"/>
+              <a:buNone/>
+              <a:defRPr b="0" i="0" sz="2800" u="none" cap="none" strike="noStrike">
                 <a:solidFill>
                   <a:schemeClr val="dk1"/>
                 </a:solidFill>
+                <a:latin typeface="Arial"/>
+                <a:ea typeface="Arial"/>
+                <a:cs typeface="Arial"/>
+                <a:sym typeface="Arial"/>
               </a:defRPr>
             </a:lvl8pPr>
-            <a:lvl9pPr lvl="8">
+            <a:lvl9pPr lvl="8" marR="0" rtl="0" algn="l">
+              <a:lnSpc>
+                <a:spcPct val="100000"/>
+              </a:lnSpc>
               <a:spcBef>
                 <a:spcPts val="0"/>
               </a:spcBef>
@@ -5050,11 +8096,16 @@
                 <a:schemeClr val="dk1"/>
               </a:buClr>
               <a:buSzPts val="2800"/>
-              <a:buNone/>
-              <a:defRPr sz="2800">
+              <a:buFont typeface="Arial"/>
+              <a:buNone/>
+              <a:defRPr b="0" i="0" sz="2800" u="none" cap="none" strike="noStrike">
                 <a:solidFill>
                   <a:schemeClr val="dk1"/>
                 </a:solidFill>
+                <a:latin typeface="Arial"/>
+                <a:ea typeface="Arial"/>
+                <a:cs typeface="Arial"/>
+                <a:sym typeface="Arial"/>
               </a:defRPr>
             </a:lvl9pPr>
           </a:lstStyle>
@@ -5063,7 +8114,7 @@
       </p:sp>
       <p:sp>
         <p:nvSpPr>
-          <p:cNvPr id="7" name="Google Shape;7;p1"/>
+          <p:cNvPr id="7" name="Google Shape;7;p8"/>
           <p:cNvSpPr txBox="1"/>
           <p:nvPr>
             <p:ph idx="1" type="body"/>
@@ -5087,7 +8138,7 @@
             <a:normAutofit/>
           </a:bodyPr>
           <a:lstStyle>
-            <a:lvl1pPr indent="-342900" lvl="0" marL="457200">
+            <a:lvl1pPr indent="-342900" lvl="0" marL="457200" marR="0" rtl="0" algn="l">
               <a:lnSpc>
                 <a:spcPct val="115000"/>
               </a:lnSpc>
@@ -5101,14 +8152,19 @@
                 <a:schemeClr val="lt2"/>
               </a:buClr>
               <a:buSzPts val="1800"/>
+              <a:buFont typeface="Arial"/>
               <a:buChar char="●"/>
-              <a:defRPr sz="1800">
-                <a:solidFill>
-                  <a:schemeClr val="lt2"/>
-                </a:solidFill>
+              <a:defRPr b="0" i="0" sz="1800" u="none" cap="none" strike="noStrike">
+                <a:solidFill>
+                  <a:schemeClr val="lt2"/>
+                </a:solidFill>
+                <a:latin typeface="Arial"/>
+                <a:ea typeface="Arial"/>
+                <a:cs typeface="Arial"/>
+                <a:sym typeface="Arial"/>
               </a:defRPr>
             </a:lvl1pPr>
-            <a:lvl2pPr indent="-317500" lvl="1" marL="914400">
+            <a:lvl2pPr indent="-317500" lvl="1" marL="914400" marR="0" rtl="0" algn="l">
               <a:lnSpc>
                 <a:spcPct val="115000"/>
               </a:lnSpc>
@@ -5122,14 +8178,19 @@
                 <a:schemeClr val="lt2"/>
               </a:buClr>
               <a:buSzPts val="1400"/>
+              <a:buFont typeface="Arial"/>
               <a:buChar char="○"/>
-              <a:defRPr>
-                <a:solidFill>
-                  <a:schemeClr val="lt2"/>
-                </a:solidFill>
+              <a:defRPr b="0" i="0" sz="1400" u="none" cap="none" strike="noStrike">
+                <a:solidFill>
+                  <a:schemeClr val="lt2"/>
+                </a:solidFill>
+                <a:latin typeface="Arial"/>
+                <a:ea typeface="Arial"/>
+                <a:cs typeface="Arial"/>
+                <a:sym typeface="Arial"/>
               </a:defRPr>
             </a:lvl2pPr>
-            <a:lvl3pPr indent="-317500" lvl="2" marL="1371600">
+            <a:lvl3pPr indent="-317500" lvl="2" marL="1371600" marR="0" rtl="0" algn="l">
               <a:lnSpc>
                 <a:spcPct val="115000"/>
               </a:lnSpc>
@@ -5143,14 +8204,19 @@
                 <a:schemeClr val="lt2"/>
               </a:buClr>
               <a:buSzPts val="1400"/>
+              <a:buFont typeface="Arial"/>
               <a:buChar char="■"/>
-              <a:defRPr>
-                <a:solidFill>
-                  <a:schemeClr val="lt2"/>
-                </a:solidFill>
+              <a:defRPr b="0" i="0" sz="1400" u="none" cap="none" strike="noStrike">
+                <a:solidFill>
+                  <a:schemeClr val="lt2"/>
+                </a:solidFill>
+                <a:latin typeface="Arial"/>
+                <a:ea typeface="Arial"/>
+                <a:cs typeface="Arial"/>
+                <a:sym typeface="Arial"/>
               </a:defRPr>
             </a:lvl3pPr>
-            <a:lvl4pPr indent="-317500" lvl="3" marL="1828800">
+            <a:lvl4pPr indent="-317500" lvl="3" marL="1828800" marR="0" rtl="0" algn="l">
               <a:lnSpc>
                 <a:spcPct val="115000"/>
               </a:lnSpc>
@@ -5164,14 +8230,19 @@
                 <a:schemeClr val="lt2"/>
               </a:buClr>
               <a:buSzPts val="1400"/>
+              <a:buFont typeface="Arial"/>
               <a:buChar char="●"/>
-              <a:defRPr>
-                <a:solidFill>
-                  <a:schemeClr val="lt2"/>
-                </a:solidFill>
+              <a:defRPr b="0" i="0" sz="1400" u="none" cap="none" strike="noStrike">
+                <a:solidFill>
+                  <a:schemeClr val="lt2"/>
+                </a:solidFill>
+                <a:latin typeface="Arial"/>
+                <a:ea typeface="Arial"/>
+                <a:cs typeface="Arial"/>
+                <a:sym typeface="Arial"/>
               </a:defRPr>
             </a:lvl4pPr>
-            <a:lvl5pPr indent="-317500" lvl="4" marL="2286000">
+            <a:lvl5pPr indent="-317500" lvl="4" marL="2286000" marR="0" rtl="0" algn="l">
               <a:lnSpc>
                 <a:spcPct val="115000"/>
               </a:lnSpc>
@@ -5185,14 +8256,19 @@
                 <a:schemeClr val="lt2"/>
               </a:buClr>
               <a:buSzPts val="1400"/>
+              <a:buFont typeface="Arial"/>
               <a:buChar char="○"/>
-              <a:defRPr>
-                <a:solidFill>
-                  <a:schemeClr val="lt2"/>
-                </a:solidFill>
+              <a:defRPr b="0" i="0" sz="1400" u="none" cap="none" strike="noStrike">
+                <a:solidFill>
+                  <a:schemeClr val="lt2"/>
+                </a:solidFill>
+                <a:latin typeface="Arial"/>
+                <a:ea typeface="Arial"/>
+                <a:cs typeface="Arial"/>
+                <a:sym typeface="Arial"/>
               </a:defRPr>
             </a:lvl5pPr>
-            <a:lvl6pPr indent="-317500" lvl="5" marL="2743200">
+            <a:lvl6pPr indent="-317500" lvl="5" marL="2743200" marR="0" rtl="0" algn="l">
               <a:lnSpc>
                 <a:spcPct val="115000"/>
               </a:lnSpc>
@@ -5206,14 +8282,19 @@
                 <a:schemeClr val="lt2"/>
               </a:buClr>
               <a:buSzPts val="1400"/>
+              <a:buFont typeface="Arial"/>
               <a:buChar char="■"/>
-              <a:defRPr>
-                <a:solidFill>
-                  <a:schemeClr val="lt2"/>
-                </a:solidFill>
+              <a:defRPr b="0" i="0" sz="1400" u="none" cap="none" strike="noStrike">
+                <a:solidFill>
+                  <a:schemeClr val="lt2"/>
+                </a:solidFill>
+                <a:latin typeface="Arial"/>
+                <a:ea typeface="Arial"/>
+                <a:cs typeface="Arial"/>
+                <a:sym typeface="Arial"/>
               </a:defRPr>
             </a:lvl6pPr>
-            <a:lvl7pPr indent="-317500" lvl="6" marL="3200400">
+            <a:lvl7pPr indent="-317500" lvl="6" marL="3200400" marR="0" rtl="0" algn="l">
               <a:lnSpc>
                 <a:spcPct val="115000"/>
               </a:lnSpc>
@@ -5227,14 +8308,19 @@
                 <a:schemeClr val="lt2"/>
               </a:buClr>
               <a:buSzPts val="1400"/>
+              <a:buFont typeface="Arial"/>
               <a:buChar char="●"/>
-              <a:defRPr>
-                <a:solidFill>
-                  <a:schemeClr val="lt2"/>
-                </a:solidFill>
+              <a:defRPr b="0" i="0" sz="1400" u="none" cap="none" strike="noStrike">
+                <a:solidFill>
+                  <a:schemeClr val="lt2"/>
+                </a:solidFill>
+                <a:latin typeface="Arial"/>
+                <a:ea typeface="Arial"/>
+                <a:cs typeface="Arial"/>
+                <a:sym typeface="Arial"/>
               </a:defRPr>
             </a:lvl7pPr>
-            <a:lvl8pPr indent="-317500" lvl="7" marL="3657600">
+            <a:lvl8pPr indent="-317500" lvl="7" marL="3657600" marR="0" rtl="0" algn="l">
               <a:lnSpc>
                 <a:spcPct val="115000"/>
               </a:lnSpc>
@@ -5248,14 +8334,19 @@
                 <a:schemeClr val="lt2"/>
               </a:buClr>
               <a:buSzPts val="1400"/>
+              <a:buFont typeface="Arial"/>
               <a:buChar char="○"/>
-              <a:defRPr>
-                <a:solidFill>
-                  <a:schemeClr val="lt2"/>
-                </a:solidFill>
+              <a:defRPr b="0" i="0" sz="1400" u="none" cap="none" strike="noStrike">
+                <a:solidFill>
+                  <a:schemeClr val="lt2"/>
+                </a:solidFill>
+                <a:latin typeface="Arial"/>
+                <a:ea typeface="Arial"/>
+                <a:cs typeface="Arial"/>
+                <a:sym typeface="Arial"/>
               </a:defRPr>
             </a:lvl8pPr>
-            <a:lvl9pPr indent="-317500" lvl="8" marL="4114800">
+            <a:lvl9pPr indent="-317500" lvl="8" marL="4114800" marR="0" rtl="0" algn="l">
               <a:lnSpc>
                 <a:spcPct val="115000"/>
               </a:lnSpc>
@@ -5269,11 +8360,16 @@
                 <a:schemeClr val="lt2"/>
               </a:buClr>
               <a:buSzPts val="1400"/>
+              <a:buFont typeface="Arial"/>
               <a:buChar char="■"/>
-              <a:defRPr>
-                <a:solidFill>
-                  <a:schemeClr val="lt2"/>
-                </a:solidFill>
+              <a:defRPr b="0" i="0" sz="1400" u="none" cap="none" strike="noStrike">
+                <a:solidFill>
+                  <a:schemeClr val="lt2"/>
+                </a:solidFill>
+                <a:latin typeface="Arial"/>
+                <a:ea typeface="Arial"/>
+                <a:cs typeface="Arial"/>
+                <a:sym typeface="Arial"/>
               </a:defRPr>
             </a:lvl9pPr>
           </a:lstStyle>
@@ -5282,7 +8378,7 @@
       </p:sp>
       <p:sp>
         <p:nvSpPr>
-          <p:cNvPr id="8" name="Google Shape;8;p1"/>
+          <p:cNvPr id="8" name="Google Shape;8;p8"/>
           <p:cNvSpPr txBox="1"/>
           <p:nvPr>
             <p:ph idx="12" type="sldNum"/>
@@ -5306,76 +8402,238 @@
             <a:normAutofit/>
           </a:bodyPr>
           <a:lstStyle>
-            <a:lvl1pPr lvl="0" algn="r">
-              <a:buNone/>
-              <a:defRPr sz="1000">
-                <a:solidFill>
-                  <a:schemeClr val="lt2"/>
-                </a:solidFill>
+            <a:lvl1pPr indent="0" lvl="0" marL="0" marR="0" rtl="0" algn="r">
+              <a:lnSpc>
+                <a:spcPct val="100000"/>
+              </a:lnSpc>
+              <a:spcBef>
+                <a:spcPts val="0"/>
+              </a:spcBef>
+              <a:spcAft>
+                <a:spcPts val="0"/>
+              </a:spcAft>
+              <a:buClr>
+                <a:srgbClr val="000000"/>
+              </a:buClr>
+              <a:buSzPts val="1000"/>
+              <a:buFont typeface="Arial"/>
+              <a:buNone/>
+              <a:defRPr b="0" i="0" sz="1000" u="none" cap="none" strike="noStrike">
+                <a:solidFill>
+                  <a:schemeClr val="lt2"/>
+                </a:solidFill>
+                <a:latin typeface="Arial"/>
+                <a:ea typeface="Arial"/>
+                <a:cs typeface="Arial"/>
+                <a:sym typeface="Arial"/>
               </a:defRPr>
             </a:lvl1pPr>
-            <a:lvl2pPr lvl="1" algn="r">
-              <a:buNone/>
-              <a:defRPr sz="1000">
-                <a:solidFill>
-                  <a:schemeClr val="lt2"/>
-                </a:solidFill>
+            <a:lvl2pPr indent="0" lvl="1" marL="0" marR="0" rtl="0" algn="r">
+              <a:lnSpc>
+                <a:spcPct val="100000"/>
+              </a:lnSpc>
+              <a:spcBef>
+                <a:spcPts val="0"/>
+              </a:spcBef>
+              <a:spcAft>
+                <a:spcPts val="0"/>
+              </a:spcAft>
+              <a:buClr>
+                <a:srgbClr val="000000"/>
+              </a:buClr>
+              <a:buSzPts val="1000"/>
+              <a:buFont typeface="Arial"/>
+              <a:buNone/>
+              <a:defRPr b="0" i="0" sz="1000" u="none" cap="none" strike="noStrike">
+                <a:solidFill>
+                  <a:schemeClr val="lt2"/>
+                </a:solidFill>
+                <a:latin typeface="Arial"/>
+                <a:ea typeface="Arial"/>
+                <a:cs typeface="Arial"/>
+                <a:sym typeface="Arial"/>
               </a:defRPr>
             </a:lvl2pPr>
-            <a:lvl3pPr lvl="2" algn="r">
-              <a:buNone/>
-              <a:defRPr sz="1000">
-                <a:solidFill>
-                  <a:schemeClr val="lt2"/>
-                </a:solidFill>
+            <a:lvl3pPr indent="0" lvl="2" marL="0" marR="0" rtl="0" algn="r">
+              <a:lnSpc>
+                <a:spcPct val="100000"/>
+              </a:lnSpc>
+              <a:spcBef>
+                <a:spcPts val="0"/>
+              </a:spcBef>
+              <a:spcAft>
+                <a:spcPts val="0"/>
+              </a:spcAft>
+              <a:buClr>
+                <a:srgbClr val="000000"/>
+              </a:buClr>
+              <a:buSzPts val="1000"/>
+              <a:buFont typeface="Arial"/>
+              <a:buNone/>
+              <a:defRPr b="0" i="0" sz="1000" u="none" cap="none" strike="noStrike">
+                <a:solidFill>
+                  <a:schemeClr val="lt2"/>
+                </a:solidFill>
+                <a:latin typeface="Arial"/>
+                <a:ea typeface="Arial"/>
+                <a:cs typeface="Arial"/>
+                <a:sym typeface="Arial"/>
               </a:defRPr>
             </a:lvl3pPr>
-            <a:lvl4pPr lvl="3" algn="r">
-              <a:buNone/>
-              <a:defRPr sz="1000">
-                <a:solidFill>
-                  <a:schemeClr val="lt2"/>
-                </a:solidFill>
+            <a:lvl4pPr indent="0" lvl="3" marL="0" marR="0" rtl="0" algn="r">
+              <a:lnSpc>
+                <a:spcPct val="100000"/>
+              </a:lnSpc>
+              <a:spcBef>
+                <a:spcPts val="0"/>
+              </a:spcBef>
+              <a:spcAft>
+                <a:spcPts val="0"/>
+              </a:spcAft>
+              <a:buClr>
+                <a:srgbClr val="000000"/>
+              </a:buClr>
+              <a:buSzPts val="1000"/>
+              <a:buFont typeface="Arial"/>
+              <a:buNone/>
+              <a:defRPr b="0" i="0" sz="1000" u="none" cap="none" strike="noStrike">
+                <a:solidFill>
+                  <a:schemeClr val="lt2"/>
+                </a:solidFill>
+                <a:latin typeface="Arial"/>
+                <a:ea typeface="Arial"/>
+                <a:cs typeface="Arial"/>
+                <a:sym typeface="Arial"/>
               </a:defRPr>
             </a:lvl4pPr>
-            <a:lvl5pPr lvl="4" algn="r">
-              <a:buNone/>
-              <a:defRPr sz="1000">
-                <a:solidFill>
-                  <a:schemeClr val="lt2"/>
-                </a:solidFill>
+            <a:lvl5pPr indent="0" lvl="4" marL="0" marR="0" rtl="0" algn="r">
+              <a:lnSpc>
+                <a:spcPct val="100000"/>
+              </a:lnSpc>
+              <a:spcBef>
+                <a:spcPts val="0"/>
+              </a:spcBef>
+              <a:spcAft>
+                <a:spcPts val="0"/>
+              </a:spcAft>
+              <a:buClr>
+                <a:srgbClr val="000000"/>
+              </a:buClr>
+              <a:buSzPts val="1000"/>
+              <a:buFont typeface="Arial"/>
+              <a:buNone/>
+              <a:defRPr b="0" i="0" sz="1000" u="none" cap="none" strike="noStrike">
+                <a:solidFill>
+                  <a:schemeClr val="lt2"/>
+                </a:solidFill>
+                <a:latin typeface="Arial"/>
+                <a:ea typeface="Arial"/>
+                <a:cs typeface="Arial"/>
+                <a:sym typeface="Arial"/>
               </a:defRPr>
             </a:lvl5pPr>
-            <a:lvl6pPr lvl="5" algn="r">
-              <a:buNone/>
-              <a:defRPr sz="1000">
-                <a:solidFill>
-                  <a:schemeClr val="lt2"/>
-                </a:solidFill>
+            <a:lvl6pPr indent="0" lvl="5" marL="0" marR="0" rtl="0" algn="r">
+              <a:lnSpc>
+                <a:spcPct val="100000"/>
+              </a:lnSpc>
+              <a:spcBef>
+                <a:spcPts val="0"/>
+              </a:spcBef>
+              <a:spcAft>
+                <a:spcPts val="0"/>
+              </a:spcAft>
+              <a:buClr>
+                <a:srgbClr val="000000"/>
+              </a:buClr>
+              <a:buSzPts val="1000"/>
+              <a:buFont typeface="Arial"/>
+              <a:buNone/>
+              <a:defRPr b="0" i="0" sz="1000" u="none" cap="none" strike="noStrike">
+                <a:solidFill>
+                  <a:schemeClr val="lt2"/>
+                </a:solidFill>
+                <a:latin typeface="Arial"/>
+                <a:ea typeface="Arial"/>
+                <a:cs typeface="Arial"/>
+                <a:sym typeface="Arial"/>
               </a:defRPr>
             </a:lvl6pPr>
-            <a:lvl7pPr lvl="6" algn="r">
-              <a:buNone/>
-              <a:defRPr sz="1000">
-                <a:solidFill>
-                  <a:schemeClr val="lt2"/>
-                </a:solidFill>
+            <a:lvl7pPr indent="0" lvl="6" marL="0" marR="0" rtl="0" algn="r">
+              <a:lnSpc>
+                <a:spcPct val="100000"/>
+              </a:lnSpc>
+              <a:spcBef>
+                <a:spcPts val="0"/>
+              </a:spcBef>
+              <a:spcAft>
+                <a:spcPts val="0"/>
+              </a:spcAft>
+              <a:buClr>
+                <a:srgbClr val="000000"/>
+              </a:buClr>
+              <a:buSzPts val="1000"/>
+              <a:buFont typeface="Arial"/>
+              <a:buNone/>
+              <a:defRPr b="0" i="0" sz="1000" u="none" cap="none" strike="noStrike">
+                <a:solidFill>
+                  <a:schemeClr val="lt2"/>
+                </a:solidFill>
+                <a:latin typeface="Arial"/>
+                <a:ea typeface="Arial"/>
+                <a:cs typeface="Arial"/>
+                <a:sym typeface="Arial"/>
               </a:defRPr>
             </a:lvl7pPr>
-            <a:lvl8pPr lvl="7" algn="r">
-              <a:buNone/>
-              <a:defRPr sz="1000">
-                <a:solidFill>
-                  <a:schemeClr val="lt2"/>
-                </a:solidFill>
+            <a:lvl8pPr indent="0" lvl="7" marL="0" marR="0" rtl="0" algn="r">
+              <a:lnSpc>
+                <a:spcPct val="100000"/>
+              </a:lnSpc>
+              <a:spcBef>
+                <a:spcPts val="0"/>
+              </a:spcBef>
+              <a:spcAft>
+                <a:spcPts val="0"/>
+              </a:spcAft>
+              <a:buClr>
+                <a:srgbClr val="000000"/>
+              </a:buClr>
+              <a:buSzPts val="1000"/>
+              <a:buFont typeface="Arial"/>
+              <a:buNone/>
+              <a:defRPr b="0" i="0" sz="1000" u="none" cap="none" strike="noStrike">
+                <a:solidFill>
+                  <a:schemeClr val="lt2"/>
+                </a:solidFill>
+                <a:latin typeface="Arial"/>
+                <a:ea typeface="Arial"/>
+                <a:cs typeface="Arial"/>
+                <a:sym typeface="Arial"/>
               </a:defRPr>
             </a:lvl8pPr>
-            <a:lvl9pPr lvl="8" algn="r">
-              <a:buNone/>
-              <a:defRPr sz="1000">
-                <a:solidFill>
-                  <a:schemeClr val="lt2"/>
-                </a:solidFill>
+            <a:lvl9pPr indent="0" lvl="8" marL="0" marR="0" rtl="0" algn="r">
+              <a:lnSpc>
+                <a:spcPct val="100000"/>
+              </a:lnSpc>
+              <a:spcBef>
+                <a:spcPts val="0"/>
+              </a:spcBef>
+              <a:spcAft>
+                <a:spcPts val="0"/>
+              </a:spcAft>
+              <a:buClr>
+                <a:srgbClr val="000000"/>
+              </a:buClr>
+              <a:buSzPts val="1000"/>
+              <a:buFont typeface="Arial"/>
+              <a:buNone/>
+              <a:defRPr b="0" i="0" sz="1000" u="none" cap="none" strike="noStrike">
+                <a:solidFill>
+                  <a:schemeClr val="lt2"/>
+                </a:solidFill>
+                <a:latin typeface="Arial"/>
+                <a:ea typeface="Arial"/>
+                <a:cs typeface="Arial"/>
+                <a:sym typeface="Arial"/>
               </a:defRPr>
             </a:lvl9pPr>
           </a:lstStyle>
@@ -5401,17 +8659,17 @@
   </p:cSld>
   <p:clrMap accent1="accent1" accent2="accent2" accent3="accent3" accent4="accent4" accent5="accent5" accent6="accent6" bg1="lt1" bg2="dk2" tx1="dk1" tx2="lt2" folHlink="folHlink" hlink="hlink"/>
   <p:sldLayoutIdLst>
-    <p:sldLayoutId id="2147483648" r:id="rId1"/>
-    <p:sldLayoutId id="2147483649" r:id="rId2"/>
-    <p:sldLayoutId id="2147483650" r:id="rId3"/>
-    <p:sldLayoutId id="2147483651" r:id="rId4"/>
-    <p:sldLayoutId id="2147483652" r:id="rId5"/>
-    <p:sldLayoutId id="2147483653" r:id="rId6"/>
-    <p:sldLayoutId id="2147483654" r:id="rId7"/>
-    <p:sldLayoutId id="2147483655" r:id="rId8"/>
-    <p:sldLayoutId id="2147483656" r:id="rId9"/>
-    <p:sldLayoutId id="2147483657" r:id="rId10"/>
-    <p:sldLayoutId id="2147483658" r:id="rId11"/>
+    <p:sldLayoutId id="2147483649" r:id="rId1"/>
+    <p:sldLayoutId id="2147483650" r:id="rId2"/>
+    <p:sldLayoutId id="2147483651" r:id="rId3"/>
+    <p:sldLayoutId id="2147483652" r:id="rId4"/>
+    <p:sldLayoutId id="2147483653" r:id="rId5"/>
+    <p:sldLayoutId id="2147483654" r:id="rId6"/>
+    <p:sldLayoutId id="2147483655" r:id="rId7"/>
+    <p:sldLayoutId id="2147483656" r:id="rId8"/>
+    <p:sldLayoutId id="2147483657" r:id="rId9"/>
+    <p:sldLayoutId id="2147483658" r:id="rId10"/>
+    <p:sldLayoutId id="2147483659" r:id="rId11"/>
   </p:sldLayoutIdLst>
   <p:hf dt="0" ftr="0" hdr="0" sldNum="0"/>
   <p:txStyles>
@@ -6125,7 +9383,7 @@
       </p:grpSpPr>
       <p:sp>
         <p:nvSpPr>
-          <p:cNvPr id="54" name="Google Shape;54;p13"/>
+          <p:cNvPr id="54" name="Google Shape;54;p1"/>
           <p:cNvSpPr txBox="1"/>
           <p:nvPr>
             <p:ph type="ctrTitle"/>
@@ -6133,12 +9391,16 @@
         </p:nvSpPr>
         <p:spPr>
           <a:xfrm>
-            <a:off x="311708" y="303150"/>
-            <a:ext cx="8520600" cy="2052600"/>
+            <a:off x="3495863" y="680750"/>
+            <a:ext cx="2080200" cy="1006800"/>
           </a:xfrm>
           <a:prstGeom prst="rect">
             <a:avLst/>
           </a:prstGeom>
+          <a:noFill/>
+          <a:ln>
+            <a:noFill/>
+          </a:ln>
         </p:spPr>
         <p:txBody>
           <a:bodyPr anchorCtr="0" anchor="b" bIns="91425" lIns="91425" spcFirstLastPara="1" rIns="91425" wrap="square" tIns="91425">
@@ -6147,12 +9409,16 @@
           <a:lstStyle/>
           <a:p>
             <a:pPr indent="0" lvl="0" marL="0" rtl="0" algn="ctr">
-              <a:spcBef>
-                <a:spcPts val="0"/>
-              </a:spcBef>
-              <a:spcAft>
-                <a:spcPts val="0"/>
-              </a:spcAft>
+              <a:lnSpc>
+                <a:spcPct val="100000"/>
+              </a:lnSpc>
+              <a:spcBef>
+                <a:spcPts val="0"/>
+              </a:spcBef>
+              <a:spcAft>
+                <a:spcPts val="0"/>
+              </a:spcAft>
+              <a:buSzPts val="5200"/>
               <a:buNone/>
             </a:pPr>
             <a:r>
@@ -6175,21 +9441,20 @@
       </p:sp>
       <p:pic>
         <p:nvPicPr>
-          <p:cNvPr id="55" name="Google Shape;55;p13"/>
+          <p:cNvPr id="55" name="Google Shape;55;p1"/>
           <p:cNvPicPr preferRelativeResize="0"/>
           <p:nvPr/>
         </p:nvPicPr>
-        <p:blipFill>
+        <p:blipFill rotWithShape="1">
           <a:blip r:embed="rId3">
             <a:alphaModFix/>
           </a:blip>
-          <a:stretch>
-            <a:fillRect/>
-          </a:stretch>
+          <a:srcRect b="0" l="0" r="0" t="0"/>
+          <a:stretch/>
         </p:blipFill>
         <p:spPr>
           <a:xfrm>
-            <a:off x="-584800" y="-2853382"/>
+            <a:off x="-532587" y="-3270007"/>
             <a:ext cx="8973675" cy="12691975"/>
           </a:xfrm>
           <a:prstGeom prst="rect">
@@ -6228,7 +9493,7 @@
       </p:grpSpPr>
       <p:sp>
         <p:nvSpPr>
-          <p:cNvPr id="60" name="Google Shape;60;p14"/>
+          <p:cNvPr id="60" name="Google Shape;60;p2"/>
           <p:cNvSpPr txBox="1"/>
           <p:nvPr>
             <p:ph type="title"/>
@@ -6236,30 +9501,38 @@
         </p:nvSpPr>
         <p:spPr>
           <a:xfrm>
-            <a:off x="311700" y="445025"/>
-            <a:ext cx="8520600" cy="572700"/>
+            <a:off x="311700" y="949300"/>
+            <a:ext cx="3344100" cy="572700"/>
           </a:xfrm>
           <a:prstGeom prst="rect">
             <a:avLst/>
           </a:prstGeom>
+          <a:noFill/>
+          <a:ln>
+            <a:noFill/>
+          </a:ln>
         </p:spPr>
         <p:txBody>
           <a:bodyPr anchorCtr="0" anchor="t" bIns="91425" lIns="91425" spcFirstLastPara="1" rIns="91425" wrap="square" tIns="91425">
-            <a:normAutofit fontScale="90000"/>
+            <a:noAutofit/>
           </a:bodyPr>
           <a:lstStyle/>
           <a:p>
             <a:pPr indent="0" lvl="0" marL="0" rtl="0" algn="l">
-              <a:spcBef>
-                <a:spcPts val="0"/>
-              </a:spcBef>
-              <a:spcAft>
-                <a:spcPts val="0"/>
-              </a:spcAft>
+              <a:lnSpc>
+                <a:spcPct val="100000"/>
+              </a:lnSpc>
+              <a:spcBef>
+                <a:spcPts val="0"/>
+              </a:spcBef>
+              <a:spcAft>
+                <a:spcPts val="0"/>
+              </a:spcAft>
+              <a:buSzPts val="2800"/>
               <a:buNone/>
             </a:pPr>
             <a:r>
-              <a:rPr lang="pt-BR">
+              <a:rPr lang="pt-BR" sz="2720">
                 <a:solidFill>
                   <a:srgbClr val="FFFFFF"/>
                 </a:solidFill>
@@ -6267,7 +9540,7 @@
               <a:t>O que é </a:t>
             </a:r>
             <a:r>
-              <a:rPr lang="pt-BR">
+              <a:rPr lang="pt-BR" sz="2720">
                 <a:solidFill>
                   <a:srgbClr val="FFFFFF"/>
                 </a:solidFill>
@@ -6279,14 +9552,14 @@
               <a:t>Mat-in</a:t>
             </a:r>
             <a:r>
-              <a:rPr lang="pt-BR">
+              <a:rPr lang="pt-BR" sz="2720">
                 <a:solidFill>
                   <a:srgbClr val="FFFFFF"/>
                 </a:solidFill>
               </a:rPr>
               <a:t>?</a:t>
             </a:r>
-            <a:endParaRPr>
+            <a:endParaRPr sz="2720">
               <a:solidFill>
                 <a:srgbClr val="FFFFFF"/>
               </a:solidFill>
@@ -6296,7 +9569,7 @@
       </p:sp>
       <p:sp>
         <p:nvSpPr>
-          <p:cNvPr id="61" name="Google Shape;61;p14"/>
+          <p:cNvPr id="61" name="Google Shape;61;p2"/>
           <p:cNvSpPr txBox="1"/>
           <p:nvPr>
             <p:ph idx="1" type="body"/>
@@ -6304,12 +9577,16 @@
         </p:nvSpPr>
         <p:spPr>
           <a:xfrm>
-            <a:off x="311700" y="1152475"/>
-            <a:ext cx="8520600" cy="3416400"/>
+            <a:off x="311700" y="1969200"/>
+            <a:ext cx="8520600" cy="1205100"/>
           </a:xfrm>
           <a:prstGeom prst="rect">
             <a:avLst/>
           </a:prstGeom>
+          <a:noFill/>
+          <a:ln>
+            <a:noFill/>
+          </a:ln>
         </p:spPr>
         <p:txBody>
           <a:bodyPr anchorCtr="0" anchor="t" bIns="91425" lIns="91425" spcFirstLastPara="1" rIns="91425" wrap="square" tIns="91425">
@@ -6318,12 +9595,16 @@
           <a:lstStyle/>
           <a:p>
             <a:pPr indent="0" lvl="0" marL="0" rtl="0" algn="l">
+              <a:lnSpc>
+                <a:spcPct val="115000"/>
+              </a:lnSpc>
               <a:spcBef>
                 <a:spcPts val="0"/>
               </a:spcBef>
               <a:spcAft>
                 <a:spcPts val="1200"/>
               </a:spcAft>
+              <a:buSzPts val="1800"/>
               <a:buNone/>
             </a:pPr>
             <a:r>
@@ -6336,17 +9617,16 @@
       </p:sp>
       <p:pic>
         <p:nvPicPr>
-          <p:cNvPr id="62" name="Google Shape;62;p14"/>
+          <p:cNvPr id="62" name="Google Shape;62;p2"/>
           <p:cNvPicPr preferRelativeResize="0"/>
           <p:nvPr/>
         </p:nvPicPr>
-        <p:blipFill>
+        <p:blipFill rotWithShape="1">
           <a:blip r:embed="rId3">
             <a:alphaModFix/>
           </a:blip>
-          <a:stretch>
-            <a:fillRect/>
-          </a:stretch>
+          <a:srcRect b="0" l="0" r="0" t="0"/>
+          <a:stretch/>
         </p:blipFill>
         <p:spPr>
           <a:xfrm>
@@ -6362,6 +9642,55 @@
           </a:ln>
         </p:spPr>
       </p:pic>
+      <p:sp>
+        <p:nvSpPr>
+          <p:cNvPr id="63" name="Google Shape;63;p2"/>
+          <p:cNvSpPr/>
+          <p:nvPr/>
+        </p:nvSpPr>
+        <p:spPr>
+          <a:xfrm>
+            <a:off x="311700" y="1715438"/>
+            <a:ext cx="7996200" cy="66300"/>
+          </a:xfrm>
+          <a:prstGeom prst="rect">
+            <a:avLst/>
+          </a:prstGeom>
+          <a:solidFill>
+            <a:srgbClr val="FF631F"/>
+          </a:solidFill>
+          <a:ln cap="flat" cmpd="sng" w="9525">
+            <a:solidFill>
+              <a:schemeClr val="dk2"/>
+            </a:solidFill>
+            <a:prstDash val="solid"/>
+            <a:round/>
+            <a:headEnd len="sm" w="sm" type="none"/>
+            <a:tailEnd len="sm" w="sm" type="none"/>
+          </a:ln>
+        </p:spPr>
+        <p:txBody>
+          <a:bodyPr anchorCtr="0" anchor="ctr" bIns="91425" lIns="91425" spcFirstLastPara="1" rIns="91425" wrap="square" tIns="91425">
+            <a:noAutofit/>
+          </a:bodyPr>
+          <a:lstStyle/>
+          <a:p>
+            <a:pPr indent="0" lvl="0" marL="0" rtl="0" algn="l">
+              <a:spcBef>
+                <a:spcPts val="0"/>
+              </a:spcBef>
+              <a:spcAft>
+                <a:spcPts val="0"/>
+              </a:spcAft>
+              <a:buNone/>
+            </a:pPr>
+            <a:r>
+              <a:t/>
+            </a:r>
+            <a:endParaRPr/>
+          </a:p>
+        </p:txBody>
+      </p:sp>
     </p:spTree>
   </p:cSld>
   <p:clrMapOvr>
@@ -6375,7 +9704,7 @@
   <p:cSld>
     <p:spTree>
       <p:nvGrpSpPr>
-        <p:cNvPr id="66" name="Shape 66"/>
+        <p:cNvPr id="67" name="Shape 67"/>
         <p:cNvGrpSpPr/>
         <p:nvPr/>
       </p:nvGrpSpPr>
@@ -6389,7 +9718,7 @@
       </p:grpSpPr>
       <p:sp>
         <p:nvSpPr>
-          <p:cNvPr id="67" name="Google Shape;67;p15"/>
+          <p:cNvPr id="68" name="Google Shape;68;p3"/>
           <p:cNvSpPr txBox="1"/>
           <p:nvPr>
             <p:ph type="title"/>
@@ -6397,47 +9726,47 @@
         </p:nvSpPr>
         <p:spPr>
           <a:xfrm>
-            <a:off x="311700" y="445025"/>
+            <a:off x="311700" y="509825"/>
             <a:ext cx="8520600" cy="572700"/>
           </a:xfrm>
           <a:prstGeom prst="rect">
             <a:avLst/>
           </a:prstGeom>
+          <a:noFill/>
+          <a:ln>
+            <a:noFill/>
+          </a:ln>
         </p:spPr>
         <p:txBody>
           <a:bodyPr anchorCtr="0" anchor="t" bIns="91425" lIns="91425" spcFirstLastPara="1" rIns="91425" wrap="square" tIns="91425">
-            <a:normAutofit fontScale="90000"/>
+            <a:noAutofit/>
           </a:bodyPr>
           <a:lstStyle/>
           <a:p>
             <a:pPr indent="0" lvl="0" marL="0" rtl="0" algn="l">
-              <a:spcBef>
-                <a:spcPts val="0"/>
-              </a:spcBef>
-              <a:spcAft>
-                <a:spcPts val="0"/>
-              </a:spcAft>
+              <a:lnSpc>
+                <a:spcPct val="100000"/>
+              </a:lnSpc>
+              <a:spcBef>
+                <a:spcPts val="0"/>
+              </a:spcBef>
+              <a:spcAft>
+                <a:spcPts val="0"/>
+              </a:spcAft>
+              <a:buSzPts val="2800"/>
               <a:buNone/>
             </a:pPr>
             <a:r>
-              <a:rPr lang="pt-BR"/>
-              <a:t>Ferramentas atuais do nosso site (</a:t>
+              <a:rPr lang="pt-BR" sz="2820"/>
+              <a:t>Ferramentas atuais do nosso site (1/2)</a:t>
             </a:r>
-            <a:r>
-              <a:rPr lang="pt-BR"/>
-              <a:t>1/2</a:t>
-            </a:r>
-            <a:r>
-              <a:rPr lang="pt-BR"/>
-              <a:t>)</a:t>
-            </a:r>
-            <a:endParaRPr/>
+            <a:endParaRPr sz="2820"/>
           </a:p>
         </p:txBody>
       </p:sp>
       <p:sp>
         <p:nvSpPr>
-          <p:cNvPr id="68" name="Google Shape;68;p15"/>
+          <p:cNvPr id="69" name="Google Shape;69;p3"/>
           <p:cNvSpPr txBox="1"/>
           <p:nvPr>
             <p:ph idx="1" type="body"/>
@@ -6445,42 +9774,54 @@
         </p:nvSpPr>
         <p:spPr>
           <a:xfrm>
-            <a:off x="311700" y="1152475"/>
-            <a:ext cx="8520600" cy="3416400"/>
+            <a:off x="311700" y="1217275"/>
+            <a:ext cx="7932900" cy="3416400"/>
           </a:xfrm>
           <a:prstGeom prst="rect">
             <a:avLst/>
           </a:prstGeom>
+          <a:noFill/>
+          <a:ln>
+            <a:noFill/>
+          </a:ln>
         </p:spPr>
         <p:txBody>
           <a:bodyPr anchorCtr="0" anchor="t" bIns="91425" lIns="91425" spcFirstLastPara="1" rIns="91425" wrap="square" tIns="91425">
-            <a:normAutofit fontScale="92500" lnSpcReduction="20000"/>
+            <a:normAutofit lnSpcReduction="20000"/>
           </a:bodyPr>
           <a:lstStyle/>
           <a:p>
-            <a:pPr indent="0" lvl="0" marL="0" rtl="0" algn="l">
-              <a:spcBef>
-                <a:spcPts val="0"/>
-              </a:spcBef>
-              <a:spcAft>
-                <a:spcPts val="0"/>
-              </a:spcAft>
+            <a:pPr indent="0" lvl="0" marL="0" rtl="0" algn="just">
+              <a:lnSpc>
+                <a:spcPct val="115000"/>
+              </a:lnSpc>
+              <a:spcBef>
+                <a:spcPts val="0"/>
+              </a:spcBef>
+              <a:spcAft>
+                <a:spcPts val="0"/>
+              </a:spcAft>
+              <a:buSzPts val="1946"/>
               <a:buNone/>
             </a:pPr>
             <a:r>
               <a:rPr lang="pt-BR"/>
-              <a:t>Atualmente temos apenas 4 ferramentas, sendo elas:</a:t>
+              <a:t>Atualmente temos apenas 3 ferramentas, sendo elas:</a:t>
             </a:r>
             <a:endParaRPr/>
           </a:p>
           <a:p>
-            <a:pPr indent="0" lvl="0" marL="0" rtl="0" algn="l">
-              <a:spcBef>
-                <a:spcPts val="1200"/>
-              </a:spcBef>
-              <a:spcAft>
-                <a:spcPts val="0"/>
-              </a:spcAft>
+            <a:pPr indent="0" lvl="0" marL="0" rtl="0" algn="just">
+              <a:lnSpc>
+                <a:spcPct val="115000"/>
+              </a:lnSpc>
+              <a:spcBef>
+                <a:spcPts val="0"/>
+              </a:spcBef>
+              <a:spcAft>
+                <a:spcPts val="0"/>
+              </a:spcAft>
+              <a:buSzPts val="1946"/>
               <a:buNone/>
             </a:pPr>
             <a:r>
@@ -6489,71 +9830,30 @@
             <a:endParaRPr/>
           </a:p>
           <a:p>
-            <a:pPr indent="0" lvl="0" marL="0" rtl="0" algn="l">
+            <a:pPr indent="-342900" lvl="0" marL="457200" rtl="0" algn="just">
+              <a:lnSpc>
+                <a:spcPct val="115000"/>
+              </a:lnSpc>
               <a:spcBef>
                 <a:spcPts val="1200"/>
               </a:spcBef>
               <a:spcAft>
                 <a:spcPts val="0"/>
               </a:spcAft>
-              <a:buNone/>
+              <a:buSzPts val="1800"/>
+              <a:buChar char="●"/>
             </a:pPr>
             <a:r>
               <a:rPr lang="pt-BR"/>
-              <a:t>Um feed onde mostrará os novos produtos postados recentemente de acordo com o costume do usuário, junto com um sistema de avaliações, tanto do </a:t>
-            </a:r>
-            <a:r>
-              <a:rPr lang="pt-BR"/>
-              <a:t>vendedor</a:t>
-            </a:r>
-            <a:r>
-              <a:rPr lang="pt-BR"/>
-              <a:t> quanto do comprador.</a:t>
+              <a:t>Um feed onde mostrará os novos produtos postados recentemente de acordo com o costume do usuário, junto com um sistema de avaliações, tanto do vendedor quanto do comprador.</a:t>
             </a:r>
             <a:endParaRPr/>
           </a:p>
           <a:p>
-            <a:pPr indent="0" lvl="0" marL="0" rtl="0" algn="l">
-              <a:spcBef>
-                <a:spcPts val="1200"/>
-              </a:spcBef>
-              <a:spcAft>
-                <a:spcPts val="0"/>
-              </a:spcAft>
-              <a:buNone/>
-            </a:pPr>
-            <a:r>
-              <a:rPr lang="pt-BR"/>
-              <a:t>Uma </a:t>
-            </a:r>
-            <a:r>
-              <a:rPr lang="pt-BR"/>
-              <a:t>página</a:t>
-            </a:r>
-            <a:r>
-              <a:rPr lang="pt-BR"/>
-              <a:t> de perfil totalmente personalizada de cada usuário, </a:t>
-            </a:r>
-            <a:r>
-              <a:rPr lang="pt-BR"/>
-              <a:t>onde aparecerá</a:t>
-            </a:r>
-            <a:r>
-              <a:rPr lang="pt-BR"/>
-              <a:t> todos os produtos que a pessoa está vendendo ou com interesse de </a:t>
-            </a:r>
-            <a:r>
-              <a:rPr lang="pt-BR"/>
-              <a:t>comprar,</a:t>
-            </a:r>
-            <a:r>
-              <a:rPr lang="pt-BR"/>
-              <a:t> e também um portal de comentários onde aparecerá atualizações/marketing de cada empresa</a:t>
-            </a:r>
-            <a:endParaRPr/>
-          </a:p>
-          <a:p>
-            <a:pPr indent="0" lvl="0" marL="0" rtl="0" algn="l">
+            <a:pPr indent="0" lvl="0" marL="457200" rtl="0" algn="just">
+              <a:lnSpc>
+                <a:spcPct val="115000"/>
+              </a:lnSpc>
               <a:spcBef>
                 <a:spcPts val="1200"/>
               </a:spcBef>
@@ -6568,17 +9868,30 @@
             <a:endParaRPr/>
           </a:p>
           <a:p>
-            <a:pPr indent="0" lvl="0" marL="0" rtl="0" algn="l">
+            <a:pPr indent="-342900" lvl="0" marL="457200" rtl="0" algn="just">
+              <a:lnSpc>
+                <a:spcPct val="115000"/>
+              </a:lnSpc>
               <a:spcBef>
                 <a:spcPts val="1200"/>
               </a:spcBef>
               <a:spcAft>
-                <a:spcPts val="1200"/>
-              </a:spcAft>
-              <a:buNone/>
+                <a:spcPts val="0"/>
+              </a:spcAft>
+              <a:buSzPts val="1800"/>
+              <a:buChar char="●"/>
             </a:pPr>
             <a:r>
-              <a:t/>
+              <a:rPr lang="pt-BR"/>
+              <a:t>Uma página de perfil totalmente personalizada de cada usuário, onde aparecerá todos os produtos que a pessoa está vendendo ou com interesse de comprar, e também um portal de comentários onde aparecerá atualizações/marketing de cada </a:t>
+            </a:r>
+            <a:r>
+              <a:rPr lang="pt-BR"/>
+              <a:t>e</a:t>
+            </a:r>
+            <a:r>
+              <a:rPr lang="pt-BR"/>
+              <a:t>mpresa.</a:t>
             </a:r>
             <a:endParaRPr/>
           </a:p>
@@ -6586,17 +9899,16 @@
       </p:sp>
       <p:pic>
         <p:nvPicPr>
-          <p:cNvPr id="69" name="Google Shape;69;p15"/>
+          <p:cNvPr id="70" name="Google Shape;70;p3"/>
           <p:cNvPicPr preferRelativeResize="0"/>
           <p:nvPr/>
         </p:nvPicPr>
-        <p:blipFill>
+        <p:blipFill rotWithShape="1">
           <a:blip r:embed="rId3">
             <a:alphaModFix/>
           </a:blip>
-          <a:stretch>
-            <a:fillRect/>
-          </a:stretch>
+          <a:srcRect b="0" l="0" r="0" t="0"/>
+          <a:stretch/>
         </p:blipFill>
         <p:spPr>
           <a:xfrm>
@@ -6625,7 +9937,7 @@
   <p:cSld>
     <p:spTree>
       <p:nvGrpSpPr>
-        <p:cNvPr id="73" name="Shape 73"/>
+        <p:cNvPr id="74" name="Shape 74"/>
         <p:cNvGrpSpPr/>
         <p:nvPr/>
       </p:nvGrpSpPr>
@@ -6639,7 +9951,7 @@
       </p:grpSpPr>
       <p:sp>
         <p:nvSpPr>
-          <p:cNvPr id="74" name="Google Shape;74;p16"/>
+          <p:cNvPr id="75" name="Google Shape;75;p4"/>
           <p:cNvSpPr txBox="1"/>
           <p:nvPr>
             <p:ph type="title"/>
@@ -6647,12 +9959,16 @@
         </p:nvSpPr>
         <p:spPr>
           <a:xfrm>
-            <a:off x="311700" y="445025"/>
-            <a:ext cx="8520600" cy="572700"/>
+            <a:off x="286500" y="1670450"/>
+            <a:ext cx="5890800" cy="572700"/>
           </a:xfrm>
           <a:prstGeom prst="rect">
             <a:avLst/>
           </a:prstGeom>
+          <a:noFill/>
+          <a:ln>
+            <a:noFill/>
+          </a:ln>
         </p:spPr>
         <p:txBody>
           <a:bodyPr anchorCtr="0" anchor="t" bIns="91425" lIns="91425" spcFirstLastPara="1" rIns="91425" wrap="square" tIns="91425">
@@ -6661,12 +9977,16 @@
           <a:lstStyle/>
           <a:p>
             <a:pPr indent="0" lvl="0" marL="0" rtl="0" algn="l">
-              <a:spcBef>
-                <a:spcPts val="0"/>
-              </a:spcBef>
-              <a:spcAft>
-                <a:spcPts val="0"/>
-              </a:spcAft>
+              <a:lnSpc>
+                <a:spcPct val="100000"/>
+              </a:lnSpc>
+              <a:spcBef>
+                <a:spcPts val="0"/>
+              </a:spcBef>
+              <a:spcAft>
+                <a:spcPts val="0"/>
+              </a:spcAft>
+              <a:buSzPct val="111111"/>
               <a:buNone/>
             </a:pPr>
             <a:r>
@@ -6679,7 +9999,7 @@
       </p:sp>
       <p:sp>
         <p:nvSpPr>
-          <p:cNvPr id="75" name="Google Shape;75;p16"/>
+          <p:cNvPr id="76" name="Google Shape;76;p4"/>
           <p:cNvSpPr txBox="1"/>
           <p:nvPr>
             <p:ph idx="1" type="body"/>
@@ -6687,12 +10007,16 @@
         </p:nvSpPr>
         <p:spPr>
           <a:xfrm>
-            <a:off x="311700" y="1152475"/>
-            <a:ext cx="8520600" cy="3416400"/>
+            <a:off x="286500" y="2507650"/>
+            <a:ext cx="7542300" cy="965400"/>
           </a:xfrm>
           <a:prstGeom prst="rect">
             <a:avLst/>
           </a:prstGeom>
+          <a:noFill/>
+          <a:ln>
+            <a:noFill/>
+          </a:ln>
         </p:spPr>
         <p:txBody>
           <a:bodyPr anchorCtr="0" anchor="t" bIns="91425" lIns="91425" spcFirstLastPara="1" rIns="91425" wrap="square" tIns="91425">
@@ -6700,39 +10024,26 @@
           </a:bodyPr>
           <a:lstStyle/>
           <a:p>
-            <a:pPr indent="0" lvl="0" marL="0" rtl="0" algn="l">
-              <a:spcBef>
-                <a:spcPts val="0"/>
-              </a:spcBef>
-              <a:spcAft>
-                <a:spcPts val="0"/>
-              </a:spcAft>
-              <a:buClr>
-                <a:schemeClr val="dk1"/>
-              </a:buClr>
-              <a:buSzPts val="1100"/>
-              <a:buFont typeface="Arial"/>
-              <a:buNone/>
+            <a:pPr indent="-342900" lvl="0" marL="457200" rtl="0" algn="l">
+              <a:lnSpc>
+                <a:spcPct val="115000"/>
+              </a:lnSpc>
+              <a:spcBef>
+                <a:spcPts val="1200"/>
+              </a:spcBef>
+              <a:spcAft>
+                <a:spcPts val="0"/>
+              </a:spcAft>
+              <a:buSzPts val="1800"/>
+              <a:buChar char="●"/>
             </a:pPr>
             <a:r>
               <a:rPr lang="pt-BR"/>
-              <a:t>Calculadora de frente e delivery do produto já incluídos no site.</a:t>
+              <a:t>D</a:t>
             </a:r>
-            <a:endParaRPr/>
-          </a:p>
-          <a:p>
-            <a:pPr indent="0" lvl="0" marL="0" rtl="0" algn="l">
-              <a:spcBef>
-                <a:spcPts val="1200"/>
-              </a:spcBef>
-              <a:spcAft>
-                <a:spcPts val="1200"/>
-              </a:spcAft>
-              <a:buNone/>
-            </a:pPr>
             <a:r>
               <a:rPr lang="pt-BR"/>
-              <a:t>Disponibilização de um chat comercial, onde fará com que o vendedor e comprador tenham uma interação maior.</a:t>
+              <a:t>isponibilização de um chat comercial, onde fará com que o vendedor e comprador tenham uma interação maior.</a:t>
             </a:r>
             <a:endParaRPr/>
           </a:p>
@@ -6740,17 +10051,16 @@
       </p:sp>
       <p:pic>
         <p:nvPicPr>
-          <p:cNvPr id="76" name="Google Shape;76;p16"/>
+          <p:cNvPr id="77" name="Google Shape;77;p4"/>
           <p:cNvPicPr preferRelativeResize="0"/>
           <p:nvPr/>
         </p:nvPicPr>
-        <p:blipFill>
+        <p:blipFill rotWithShape="1">
           <a:blip r:embed="rId3">
             <a:alphaModFix/>
           </a:blip>
-          <a:stretch>
-            <a:fillRect/>
-          </a:stretch>
+          <a:srcRect b="0" l="0" r="0" t="0"/>
+          <a:stretch/>
         </p:blipFill>
         <p:spPr>
           <a:xfrm>
@@ -6779,7 +10089,7 @@
   <p:cSld>
     <p:spTree>
       <p:nvGrpSpPr>
-        <p:cNvPr id="80" name="Shape 80"/>
+        <p:cNvPr id="81" name="Shape 81"/>
         <p:cNvGrpSpPr/>
         <p:nvPr/>
       </p:nvGrpSpPr>
@@ -6793,7 +10103,7 @@
       </p:grpSpPr>
       <p:sp>
         <p:nvSpPr>
-          <p:cNvPr id="81" name="Google Shape;81;p17"/>
+          <p:cNvPr id="82" name="Google Shape;82;p5"/>
           <p:cNvSpPr txBox="1"/>
           <p:nvPr>
             <p:ph type="title"/>
@@ -6801,12 +10111,16 @@
         </p:nvSpPr>
         <p:spPr>
           <a:xfrm>
-            <a:off x="311700" y="445025"/>
-            <a:ext cx="8520600" cy="572700"/>
+            <a:off x="489650" y="684550"/>
+            <a:ext cx="2788200" cy="572700"/>
           </a:xfrm>
           <a:prstGeom prst="rect">
             <a:avLst/>
           </a:prstGeom>
+          <a:noFill/>
+          <a:ln>
+            <a:noFill/>
+          </a:ln>
         </p:spPr>
         <p:txBody>
           <a:bodyPr anchorCtr="0" anchor="t" bIns="91425" lIns="91425" spcFirstLastPara="1" rIns="91425" wrap="square" tIns="91425">
@@ -6815,12 +10129,16 @@
           <a:lstStyle/>
           <a:p>
             <a:pPr indent="0" lvl="0" marL="0" rtl="0" algn="l">
-              <a:spcBef>
-                <a:spcPts val="0"/>
-              </a:spcBef>
-              <a:spcAft>
-                <a:spcPts val="0"/>
-              </a:spcAft>
+              <a:lnSpc>
+                <a:spcPct val="100000"/>
+              </a:lnSpc>
+              <a:spcBef>
+                <a:spcPts val="0"/>
+              </a:spcBef>
+              <a:spcAft>
+                <a:spcPts val="0"/>
+              </a:spcAft>
+              <a:buSzPct val="111111"/>
               <a:buNone/>
             </a:pPr>
             <a:r>
@@ -6833,7 +10151,7 @@
       </p:sp>
       <p:sp>
         <p:nvSpPr>
-          <p:cNvPr id="82" name="Google Shape;82;p17"/>
+          <p:cNvPr id="83" name="Google Shape;83;p5"/>
           <p:cNvSpPr txBox="1"/>
           <p:nvPr>
             <p:ph idx="1" type="body"/>
@@ -6841,12 +10159,16 @@
         </p:nvSpPr>
         <p:spPr>
           <a:xfrm>
-            <a:off x="440675" y="1017725"/>
-            <a:ext cx="8520600" cy="3416400"/>
+            <a:off x="489650" y="1736275"/>
+            <a:ext cx="7275900" cy="1881900"/>
           </a:xfrm>
           <a:prstGeom prst="rect">
             <a:avLst/>
           </a:prstGeom>
+          <a:noFill/>
+          <a:ln>
+            <a:noFill/>
+          </a:ln>
         </p:spPr>
         <p:txBody>
           <a:bodyPr anchorCtr="0" anchor="t" bIns="91425" lIns="91425" spcFirstLastPara="1" rIns="91425" wrap="square" tIns="91425">
@@ -6854,30 +10176,26 @@
           </a:bodyPr>
           <a:lstStyle/>
           <a:p>
-            <a:pPr indent="0" lvl="0" marL="0" rtl="0" algn="l">
+            <a:pPr indent="0" lvl="0" marL="0" rtl="0" algn="just">
+              <a:lnSpc>
+                <a:spcPct val="115000"/>
+              </a:lnSpc>
               <a:spcBef>
                 <a:spcPts val="0"/>
               </a:spcBef>
               <a:spcAft>
                 <a:spcPts val="1200"/>
               </a:spcAft>
+              <a:buSzPts val="1800"/>
               <a:buNone/>
             </a:pPr>
             <a:r>
               <a:rPr lang="pt-BR"/>
-              <a:t>Fazer com que as pessoas consigam produtos </a:t>
+              <a:t>Fazer com que as pessoas consigam produtos agrônomos de qualidade e com praticidade, pois nosso site facilita a interação entre usuários e </a:t>
             </a:r>
             <a:r>
               <a:rPr lang="pt-BR"/>
-              <a:t>agrônomos</a:t>
-            </a:r>
-            <a:r>
-              <a:rPr lang="pt-BR"/>
-              <a:t> de qualidade e com praticidade, pois nosso site facilita a interação entre usuários e </a:t>
-            </a:r>
-            <a:r>
-              <a:rPr lang="pt-BR"/>
-              <a:t>influenciar</a:t>
+              <a:t>influencia</a:t>
             </a:r>
             <a:r>
               <a:rPr lang="pt-BR"/>
@@ -6889,17 +10207,16 @@
       </p:sp>
       <p:pic>
         <p:nvPicPr>
-          <p:cNvPr id="83" name="Google Shape;83;p17"/>
+          <p:cNvPr id="84" name="Google Shape;84;p5"/>
           <p:cNvPicPr preferRelativeResize="0"/>
           <p:nvPr/>
         </p:nvPicPr>
-        <p:blipFill>
+        <p:blipFill rotWithShape="1">
           <a:blip r:embed="rId3">
             <a:alphaModFix/>
           </a:blip>
-          <a:stretch>
-            <a:fillRect/>
-          </a:stretch>
+          <a:srcRect b="0" l="0" r="0" t="0"/>
+          <a:stretch/>
         </p:blipFill>
         <p:spPr>
           <a:xfrm>
@@ -6915,6 +10232,55 @@
           </a:ln>
         </p:spPr>
       </p:pic>
+      <p:sp>
+        <p:nvSpPr>
+          <p:cNvPr id="85" name="Google Shape;85;p5"/>
+          <p:cNvSpPr/>
+          <p:nvPr/>
+        </p:nvSpPr>
+        <p:spPr>
+          <a:xfrm>
+            <a:off x="489650" y="1400288"/>
+            <a:ext cx="7996200" cy="66300"/>
+          </a:xfrm>
+          <a:prstGeom prst="rect">
+            <a:avLst/>
+          </a:prstGeom>
+          <a:solidFill>
+            <a:srgbClr val="FF631F"/>
+          </a:solidFill>
+          <a:ln cap="flat" cmpd="sng" w="9525">
+            <a:solidFill>
+              <a:schemeClr val="dk2"/>
+            </a:solidFill>
+            <a:prstDash val="solid"/>
+            <a:round/>
+            <a:headEnd len="sm" w="sm" type="none"/>
+            <a:tailEnd len="sm" w="sm" type="none"/>
+          </a:ln>
+        </p:spPr>
+        <p:txBody>
+          <a:bodyPr anchorCtr="0" anchor="ctr" bIns="91425" lIns="91425" spcFirstLastPara="1" rIns="91425" wrap="square" tIns="91425">
+            <a:noAutofit/>
+          </a:bodyPr>
+          <a:lstStyle/>
+          <a:p>
+            <a:pPr indent="0" lvl="0" marL="0" rtl="0" algn="l">
+              <a:spcBef>
+                <a:spcPts val="0"/>
+              </a:spcBef>
+              <a:spcAft>
+                <a:spcPts val="0"/>
+              </a:spcAft>
+              <a:buNone/>
+            </a:pPr>
+            <a:r>
+              <a:t/>
+            </a:r>
+            <a:endParaRPr/>
+          </a:p>
+        </p:txBody>
+      </p:sp>
     </p:spTree>
   </p:cSld>
   <p:clrMapOvr>
@@ -6928,7 +10294,7 @@
   <p:cSld>
     <p:spTree>
       <p:nvGrpSpPr>
-        <p:cNvPr id="87" name="Shape 87"/>
+        <p:cNvPr id="89" name="Shape 89"/>
         <p:cNvGrpSpPr/>
         <p:nvPr/>
       </p:nvGrpSpPr>
@@ -6942,7 +10308,7 @@
       </p:grpSpPr>
       <p:sp>
         <p:nvSpPr>
-          <p:cNvPr id="88" name="Google Shape;88;p18"/>
+          <p:cNvPr id="90" name="Google Shape;90;p6"/>
           <p:cNvSpPr txBox="1"/>
           <p:nvPr>
             <p:ph type="title"/>
@@ -6950,12 +10316,16 @@
         </p:nvSpPr>
         <p:spPr>
           <a:xfrm>
-            <a:off x="311700" y="445025"/>
-            <a:ext cx="8520600" cy="572700"/>
+            <a:off x="617300" y="394600"/>
+            <a:ext cx="3722400" cy="572700"/>
           </a:xfrm>
           <a:prstGeom prst="rect">
             <a:avLst/>
           </a:prstGeom>
+          <a:noFill/>
+          <a:ln>
+            <a:noFill/>
+          </a:ln>
         </p:spPr>
         <p:txBody>
           <a:bodyPr anchorCtr="0" anchor="t" bIns="91425" lIns="91425" spcFirstLastPara="1" rIns="91425" wrap="square" tIns="91425">
@@ -6964,12 +10334,16 @@
           <a:lstStyle/>
           <a:p>
             <a:pPr indent="0" lvl="0" marL="0" rtl="0" algn="l">
-              <a:spcBef>
-                <a:spcPts val="0"/>
-              </a:spcBef>
-              <a:spcAft>
-                <a:spcPts val="0"/>
-              </a:spcAft>
+              <a:lnSpc>
+                <a:spcPct val="100000"/>
+              </a:lnSpc>
+              <a:spcBef>
+                <a:spcPts val="0"/>
+              </a:spcBef>
+              <a:spcAft>
+                <a:spcPts val="0"/>
+              </a:spcAft>
+              <a:buSzPct val="111111"/>
               <a:buNone/>
             </a:pPr>
             <a:r>
@@ -6982,7 +10356,7 @@
       </p:sp>
       <p:sp>
         <p:nvSpPr>
-          <p:cNvPr id="89" name="Google Shape;89;p18"/>
+          <p:cNvPr id="91" name="Google Shape;91;p6"/>
           <p:cNvSpPr txBox="1"/>
           <p:nvPr>
             <p:ph idx="1" type="body"/>
@@ -6990,26 +10364,34 @@
         </p:nvSpPr>
         <p:spPr>
           <a:xfrm>
-            <a:off x="311700" y="1152475"/>
-            <a:ext cx="8520600" cy="3416400"/>
+            <a:off x="617300" y="1240700"/>
+            <a:ext cx="7072800" cy="3416400"/>
           </a:xfrm>
           <a:prstGeom prst="rect">
             <a:avLst/>
           </a:prstGeom>
+          <a:noFill/>
+          <a:ln>
+            <a:noFill/>
+          </a:ln>
         </p:spPr>
         <p:txBody>
           <a:bodyPr anchorCtr="0" anchor="t" bIns="91425" lIns="91425" spcFirstLastPara="1" rIns="91425" wrap="square" tIns="91425">
-            <a:normAutofit/>
+            <a:normAutofit fontScale="92500"/>
           </a:bodyPr>
           <a:lstStyle/>
           <a:p>
-            <a:pPr indent="0" lvl="0" marL="0" rtl="0" algn="l">
-              <a:spcBef>
-                <a:spcPts val="0"/>
-              </a:spcBef>
-              <a:spcAft>
-                <a:spcPts val="0"/>
-              </a:spcAft>
+            <a:pPr indent="0" lvl="0" marL="0" rtl="0" algn="just">
+              <a:lnSpc>
+                <a:spcPct val="115000"/>
+              </a:lnSpc>
+              <a:spcBef>
+                <a:spcPts val="0"/>
+              </a:spcBef>
+              <a:spcAft>
+                <a:spcPts val="0"/>
+              </a:spcAft>
+              <a:buSzPct val="100000"/>
               <a:buNone/>
             </a:pPr>
             <a:r>
@@ -7019,51 +10401,109 @@
             <a:endParaRPr/>
           </a:p>
           <a:p>
-            <a:pPr indent="0" lvl="0" marL="0" rtl="0" algn="l">
+            <a:pPr indent="-334327" lvl="0" marL="457200" rtl="0" algn="just">
+              <a:lnSpc>
+                <a:spcPct val="115000"/>
+              </a:lnSpc>
               <a:spcBef>
                 <a:spcPts val="1200"/>
               </a:spcBef>
               <a:spcAft>
                 <a:spcPts val="0"/>
               </a:spcAft>
-              <a:buClr>
-                <a:schemeClr val="dk1"/>
-              </a:buClr>
-              <a:buSzPts val="1100"/>
-              <a:buFont typeface="Arial"/>
-              <a:buNone/>
+              <a:buSzPct val="100000"/>
+              <a:buChar char="●"/>
             </a:pPr>
             <a:r>
               <a:rPr lang="pt-BR"/>
-              <a:t>ADsense: </a:t>
-            </a:r>
-            <a:r>
-              <a:rPr lang="pt-BR"/>
-              <a:t>Anúncios</a:t>
-            </a:r>
-            <a:r>
-              <a:rPr lang="pt-BR"/>
-              <a:t> dentro do nosso site (opção descartável, já que muitas pessoas utilizam adblock e alguns anúncios poluem o site, podendo afastar clientes)</a:t>
+              <a:t>ADsense: Anúncios dentro do nosso site (opção descartável, já que muitas pessoas utilizam adblock e alguns anúncios poluem o site, podendo afastar clientes)</a:t>
             </a:r>
             <a:endParaRPr/>
           </a:p>
           <a:p>
-            <a:pPr indent="0" lvl="0" marL="0" rtl="0" algn="l">
+            <a:pPr indent="0" lvl="0" marL="457200" rtl="0" algn="just">
+              <a:lnSpc>
+                <a:spcPct val="115000"/>
+              </a:lnSpc>
               <a:spcBef>
                 <a:spcPts val="1200"/>
               </a:spcBef>
               <a:spcAft>
+                <a:spcPts val="0"/>
+              </a:spcAft>
+              <a:buNone/>
+            </a:pPr>
+            <a:r>
+              <a:t/>
+            </a:r>
+            <a:endParaRPr/>
+          </a:p>
+          <a:p>
+            <a:pPr indent="-334327" lvl="0" marL="457200" rtl="0" algn="just">
+              <a:lnSpc>
+                <a:spcPct val="115000"/>
+              </a:lnSpc>
+              <a:spcBef>
                 <a:spcPts val="1200"/>
-              </a:spcAft>
-              <a:buNone/>
+              </a:spcBef>
+              <a:spcAft>
+                <a:spcPts val="0"/>
+              </a:spcAft>
+              <a:buSzPct val="100000"/>
+              <a:buChar char="●"/>
             </a:pPr>
             <a:r>
               <a:rPr lang="pt-BR"/>
-              <a:t>Conta Premium</a:t>
+              <a:t>Conta Premium: Permite a criação de contas com a possibilidade da aba de comentários e marketing no perfil, além de não ter limite nas compras, e com possibilidade da criação da aba de oferta e demanda, e obviamente, a retirada de anúncios.</a:t>
             </a:r>
+            <a:endParaRPr/>
+          </a:p>
+        </p:txBody>
+      </p:sp>
+      <p:sp>
+        <p:nvSpPr>
+          <p:cNvPr id="92" name="Google Shape;92;p6"/>
+          <p:cNvSpPr/>
+          <p:nvPr/>
+        </p:nvSpPr>
+        <p:spPr>
+          <a:xfrm>
+            <a:off x="463000" y="1033025"/>
+            <a:ext cx="7996200" cy="66300"/>
+          </a:xfrm>
+          <a:prstGeom prst="rect">
+            <a:avLst/>
+          </a:prstGeom>
+          <a:solidFill>
+            <a:srgbClr val="FF631F"/>
+          </a:solidFill>
+          <a:ln cap="flat" cmpd="sng" w="9525">
+            <a:solidFill>
+              <a:schemeClr val="dk2"/>
+            </a:solidFill>
+            <a:prstDash val="solid"/>
+            <a:round/>
+            <a:headEnd len="sm" w="sm" type="none"/>
+            <a:tailEnd len="sm" w="sm" type="none"/>
+          </a:ln>
+        </p:spPr>
+        <p:txBody>
+          <a:bodyPr anchorCtr="0" anchor="ctr" bIns="91425" lIns="91425" spcFirstLastPara="1" rIns="91425" wrap="square" tIns="91425">
+            <a:noAutofit/>
+          </a:bodyPr>
+          <a:lstStyle/>
+          <a:p>
+            <a:pPr indent="0" lvl="0" marL="0" rtl="0" algn="l">
+              <a:spcBef>
+                <a:spcPts val="0"/>
+              </a:spcBef>
+              <a:spcAft>
+                <a:spcPts val="0"/>
+              </a:spcAft>
+              <a:buNone/>
+            </a:pPr>
             <a:r>
-              <a:rPr lang="pt-BR"/>
-              <a:t>: Permite a criação de contas com a possibilidade da aba de comentários e marketing no perfil, além de não ter limite nas compras, e com possibilidade da criação da aba de oferta e demanda, e obviamente, a retirada de anúncios.</a:t>
+              <a:t/>
             </a:r>
             <a:endParaRPr/>
           </a:p>
@@ -7071,17 +10511,16 @@
       </p:sp>
       <p:pic>
         <p:nvPicPr>
-          <p:cNvPr id="90" name="Google Shape;90;p18"/>
+          <p:cNvPr id="93" name="Google Shape;93;p6"/>
           <p:cNvPicPr preferRelativeResize="0"/>
           <p:nvPr/>
         </p:nvPicPr>
-        <p:blipFill>
+        <p:blipFill rotWithShape="1">
           <a:blip r:embed="rId3">
             <a:alphaModFix/>
           </a:blip>
-          <a:stretch>
-            <a:fillRect/>
-          </a:stretch>
+          <a:srcRect b="0" l="0" r="0" t="0"/>
+          <a:stretch/>
         </p:blipFill>
         <p:spPr>
           <a:xfrm>
@@ -7110,7 +10549,7 @@
   <p:cSld>
     <p:spTree>
       <p:nvGrpSpPr>
-        <p:cNvPr id="94" name="Shape 94"/>
+        <p:cNvPr id="97" name="Shape 97"/>
         <p:cNvGrpSpPr/>
         <p:nvPr/>
       </p:nvGrpSpPr>
@@ -7124,7 +10563,7 @@
       </p:grpSpPr>
       <p:sp>
         <p:nvSpPr>
-          <p:cNvPr id="95" name="Google Shape;95;p19"/>
+          <p:cNvPr id="98" name="Google Shape;98;p7"/>
           <p:cNvSpPr txBox="1"/>
           <p:nvPr>
             <p:ph type="title"/>
@@ -7132,39 +10571,47 @@
         </p:nvSpPr>
         <p:spPr>
           <a:xfrm>
-            <a:off x="311700" y="445025"/>
-            <a:ext cx="8520600" cy="572700"/>
+            <a:off x="945900" y="532700"/>
+            <a:ext cx="3504300" cy="572700"/>
           </a:xfrm>
           <a:prstGeom prst="rect">
             <a:avLst/>
           </a:prstGeom>
+          <a:noFill/>
+          <a:ln>
+            <a:noFill/>
+          </a:ln>
         </p:spPr>
         <p:txBody>
           <a:bodyPr anchorCtr="0" anchor="t" bIns="91425" lIns="91425" spcFirstLastPara="1" rIns="91425" wrap="square" tIns="91425">
-            <a:normAutofit fontScale="90000"/>
+            <a:noAutofit/>
           </a:bodyPr>
           <a:lstStyle/>
           <a:p>
             <a:pPr indent="0" lvl="0" marL="0" rtl="0" algn="l">
-              <a:spcBef>
-                <a:spcPts val="0"/>
-              </a:spcBef>
-              <a:spcAft>
-                <a:spcPts val="0"/>
-              </a:spcAft>
+              <a:lnSpc>
+                <a:spcPct val="100000"/>
+              </a:lnSpc>
+              <a:spcBef>
+                <a:spcPts val="0"/>
+              </a:spcBef>
+              <a:spcAft>
+                <a:spcPts val="0"/>
+              </a:spcAft>
+              <a:buSzPts val="2800"/>
               <a:buNone/>
             </a:pPr>
             <a:r>
-              <a:rPr lang="pt-BR"/>
+              <a:rPr lang="pt-BR" sz="2720"/>
               <a:t>Alunos responsáveis</a:t>
             </a:r>
-            <a:endParaRPr/>
+            <a:endParaRPr sz="2720"/>
           </a:p>
         </p:txBody>
       </p:sp>
       <p:sp>
         <p:nvSpPr>
-          <p:cNvPr id="96" name="Google Shape;96;p19"/>
+          <p:cNvPr id="99" name="Google Shape;99;p7"/>
           <p:cNvSpPr txBox="1"/>
           <p:nvPr>
             <p:ph idx="1" type="body"/>
@@ -7172,81 +10619,96 @@
         </p:nvSpPr>
         <p:spPr>
           <a:xfrm>
-            <a:off x="311700" y="1152475"/>
-            <a:ext cx="8520600" cy="3416400"/>
+            <a:off x="945900" y="1704450"/>
+            <a:ext cx="5760900" cy="1734600"/>
           </a:xfrm>
           <a:prstGeom prst="rect">
             <a:avLst/>
           </a:prstGeom>
+          <a:noFill/>
+          <a:ln>
+            <a:noFill/>
+          </a:ln>
         </p:spPr>
         <p:txBody>
           <a:bodyPr anchorCtr="0" anchor="t" bIns="91425" lIns="91425" spcFirstLastPara="1" rIns="91425" wrap="square" tIns="91425">
-            <a:normAutofit/>
+            <a:noAutofit/>
           </a:bodyPr>
           <a:lstStyle/>
           <a:p>
-            <a:pPr indent="0" lvl="0" marL="0" rtl="0" algn="l">
-              <a:spcBef>
-                <a:spcPts val="0"/>
-              </a:spcBef>
-              <a:spcAft>
-                <a:spcPts val="0"/>
-              </a:spcAft>
+            <a:pPr indent="0" lvl="0" marL="0" rtl="0" algn="just">
+              <a:lnSpc>
+                <a:spcPct val="115000"/>
+              </a:lnSpc>
+              <a:spcBef>
+                <a:spcPts val="0"/>
+              </a:spcBef>
+              <a:spcAft>
+                <a:spcPts val="0"/>
+              </a:spcAft>
+              <a:buSzPts val="1800"/>
               <a:buNone/>
             </a:pPr>
             <a:r>
-              <a:rPr lang="pt-BR"/>
-              <a:t>12- Lucas Barboza de Menezes Torres</a:t>
+              <a:rPr lang="pt-BR" sz="2200"/>
+              <a:t>13- Lucas Barboza de Menezes Torres</a:t>
             </a:r>
-            <a:endParaRPr/>
+            <a:endParaRPr sz="2200"/>
           </a:p>
           <a:p>
-            <a:pPr indent="0" lvl="0" marL="0" rtl="0" algn="l">
+            <a:pPr indent="0" lvl="0" marL="0" rtl="0" algn="just">
+              <a:lnSpc>
+                <a:spcPct val="115000"/>
+              </a:lnSpc>
               <a:spcBef>
                 <a:spcPts val="1200"/>
               </a:spcBef>
               <a:spcAft>
                 <a:spcPts val="0"/>
               </a:spcAft>
+              <a:buSzPts val="1800"/>
               <a:buNone/>
             </a:pPr>
             <a:r>
-              <a:rPr lang="pt-BR"/>
+              <a:rPr lang="pt-BR" sz="2200"/>
               <a:t>17 - Osiris Iuri Nascimento Nóbrega</a:t>
             </a:r>
-            <a:endParaRPr/>
+            <a:endParaRPr sz="2200"/>
           </a:p>
           <a:p>
-            <a:pPr indent="0" lvl="0" marL="0" rtl="0" algn="l">
+            <a:pPr indent="0" lvl="0" marL="0" rtl="0" algn="just">
+              <a:lnSpc>
+                <a:spcPct val="115000"/>
+              </a:lnSpc>
               <a:spcBef>
                 <a:spcPts val="1200"/>
               </a:spcBef>
               <a:spcAft>
                 <a:spcPts val="1200"/>
               </a:spcAft>
+              <a:buSzPts val="1800"/>
               <a:buNone/>
             </a:pPr>
             <a:r>
-              <a:rPr lang="pt-BR"/>
+              <a:rPr lang="pt-BR" sz="2200"/>
               <a:t>21- Yuri do Nascimento Esteves</a:t>
             </a:r>
-            <a:endParaRPr/>
+            <a:endParaRPr sz="2200"/>
           </a:p>
         </p:txBody>
       </p:sp>
       <p:pic>
         <p:nvPicPr>
-          <p:cNvPr id="97" name="Google Shape;97;p19"/>
+          <p:cNvPr id="100" name="Google Shape;100;p7"/>
           <p:cNvPicPr preferRelativeResize="0"/>
           <p:nvPr/>
         </p:nvPicPr>
-        <p:blipFill>
+        <p:blipFill rotWithShape="1">
           <a:blip r:embed="rId3">
             <a:alphaModFix/>
           </a:blip>
-          <a:stretch>
-            <a:fillRect/>
-          </a:stretch>
+          <a:srcRect b="0" l="0" r="0" t="0"/>
+          <a:stretch/>
         </p:blipFill>
         <p:spPr>
           <a:xfrm>
@@ -7262,6 +10724,55 @@
           </a:ln>
         </p:spPr>
       </p:pic>
+      <p:sp>
+        <p:nvSpPr>
+          <p:cNvPr id="101" name="Google Shape;101;p7"/>
+          <p:cNvSpPr/>
+          <p:nvPr/>
+        </p:nvSpPr>
+        <p:spPr>
+          <a:xfrm>
+            <a:off x="945900" y="1299125"/>
+            <a:ext cx="7252200" cy="66300"/>
+          </a:xfrm>
+          <a:prstGeom prst="rect">
+            <a:avLst/>
+          </a:prstGeom>
+          <a:solidFill>
+            <a:srgbClr val="FF631F"/>
+          </a:solidFill>
+          <a:ln cap="flat" cmpd="sng" w="9525">
+            <a:solidFill>
+              <a:schemeClr val="dk2"/>
+            </a:solidFill>
+            <a:prstDash val="solid"/>
+            <a:round/>
+            <a:headEnd len="sm" w="sm" type="none"/>
+            <a:tailEnd len="sm" w="sm" type="none"/>
+          </a:ln>
+        </p:spPr>
+        <p:txBody>
+          <a:bodyPr anchorCtr="0" anchor="ctr" bIns="91425" lIns="91425" spcFirstLastPara="1" rIns="91425" wrap="square" tIns="91425">
+            <a:noAutofit/>
+          </a:bodyPr>
+          <a:lstStyle/>
+          <a:p>
+            <a:pPr indent="0" lvl="0" marL="0" rtl="0" algn="l">
+              <a:spcBef>
+                <a:spcPts val="0"/>
+              </a:spcBef>
+              <a:spcAft>
+                <a:spcPts val="0"/>
+              </a:spcAft>
+              <a:buNone/>
+            </a:pPr>
+            <a:r>
+              <a:t/>
+            </a:r>
+            <a:endParaRPr/>
+          </a:p>
+        </p:txBody>
+      </p:sp>
     </p:spTree>
   </p:cSld>
   <p:clrMapOvr>
